--- a/EDA - DATA MAGICIAN.pptx
+++ b/EDA - DATA MAGICIAN.pptx
@@ -11,10 +11,13 @@
     <p:sldId id="259" r:id="rId5"/>
     <p:sldId id="265" r:id="rId6"/>
     <p:sldId id="260" r:id="rId7"/>
-    <p:sldId id="261" r:id="rId8"/>
-    <p:sldId id="262" r:id="rId9"/>
-    <p:sldId id="263" r:id="rId10"/>
-    <p:sldId id="264" r:id="rId11"/>
+    <p:sldId id="266" r:id="rId8"/>
+    <p:sldId id="261" r:id="rId9"/>
+    <p:sldId id="267" r:id="rId10"/>
+    <p:sldId id="262" r:id="rId11"/>
+    <p:sldId id="268" r:id="rId12"/>
+    <p:sldId id="263" r:id="rId13"/>
+    <p:sldId id="264" r:id="rId14"/>
   </p:sldIdLst>
   <p:sldSz cx="9144000" cy="5143500" type="screen16x9"/>
   <p:notesSz cx="9144000" cy="5143500"/>
@@ -283,7 +286,7 @@
           <a:p>
             <a:fld id="{1D8BD707-D9CF-40AE-B4C6-C98DA3205C09}" type="datetimeFigureOut">
               <a:rPr lang="en-US"/>
-              <a:t>3/17/2023</a:t>
+              <a:t>3/19/2023</a:t>
             </a:fld>
             <a:endParaRPr lang="en-US"/>
           </a:p>
@@ -460,7 +463,7 @@
           <a:p>
             <a:fld id="{1D8BD707-D9CF-40AE-B4C6-C98DA3205C09}" type="datetimeFigureOut">
               <a:rPr lang="en-US"/>
-              <a:t>3/17/2023</a:t>
+              <a:t>3/19/2023</a:t>
             </a:fld>
             <a:endParaRPr lang="en-US"/>
           </a:p>
@@ -674,7 +677,7 @@
           <a:p>
             <a:fld id="{1D8BD707-D9CF-40AE-B4C6-C98DA3205C09}" type="datetimeFigureOut">
               <a:rPr lang="en-US"/>
-              <a:t>3/17/2023</a:t>
+              <a:t>3/19/2023</a:t>
             </a:fld>
             <a:endParaRPr lang="en-US"/>
           </a:p>
@@ -859,7 +862,7 @@
           <a:p>
             <a:fld id="{1D8BD707-D9CF-40AE-B4C6-C98DA3205C09}" type="datetimeFigureOut">
               <a:rPr lang="en-US"/>
-              <a:t>3/17/2023</a:t>
+              <a:t>3/19/2023</a:t>
             </a:fld>
             <a:endParaRPr lang="en-US"/>
           </a:p>
@@ -978,7 +981,7 @@
           <a:p>
             <a:fld id="{1D8BD707-D9CF-40AE-B4C6-C98DA3205C09}" type="datetimeFigureOut">
               <a:rPr lang="en-US"/>
-              <a:t>3/17/2023</a:t>
+              <a:t>3/19/2023</a:t>
             </a:fld>
             <a:endParaRPr lang="en-US"/>
           </a:p>
@@ -1232,7 +1235,7 @@
           <a:p>
             <a:fld id="{1D8BD707-D9CF-40AE-B4C6-C98DA3205C09}" type="datetimeFigureOut">
               <a:rPr lang="en-US"/>
-              <a:t>3/17/2023</a:t>
+              <a:t>3/19/2023</a:t>
             </a:fld>
             <a:endParaRPr lang="en-US"/>
           </a:p>
@@ -1701,6 +1704,3233 @@
 </file>
 
 <file path=ppt/slides/slide10.xml><?xml version="1.0" encoding="utf-8"?>
+<p:sld xmlns:a="http://schemas.openxmlformats.org/drawingml/2006/main" xmlns:r="http://schemas.openxmlformats.org/officeDocument/2006/relationships" xmlns:p="http://schemas.openxmlformats.org/presentationml/2006/main" showMasterSp="0">
+  <p:cSld>
+    <p:spTree>
+      <p:nvGrpSpPr>
+        <p:cNvPr id="1" name=""/>
+        <p:cNvGrpSpPr/>
+        <p:nvPr/>
+      </p:nvGrpSpPr>
+      <p:grpSpPr>
+        <a:xfrm>
+          <a:off x="0" y="0"/>
+          <a:ext cx="0" cy="0"/>
+          <a:chOff x="0" y="0"/>
+          <a:chExt cx="0" cy="0"/>
+        </a:xfrm>
+      </p:grpSpPr>
+      <p:sp>
+        <p:nvSpPr>
+          <p:cNvPr id="2" name="object 2"/>
+          <p:cNvSpPr/>
+          <p:nvPr/>
+        </p:nvSpPr>
+        <p:spPr>
+          <a:xfrm>
+            <a:off x="0" y="0"/>
+            <a:ext cx="9143981" cy="5143489"/>
+          </a:xfrm>
+          <a:prstGeom prst="rect">
+            <a:avLst/>
+          </a:prstGeom>
+          <a:blipFill>
+            <a:blip r:embed="rId2" cstate="print"/>
+            <a:stretch>
+              <a:fillRect/>
+            </a:stretch>
+          </a:blipFill>
+        </p:spPr>
+        <p:txBody>
+          <a:bodyPr wrap="square" lIns="0" tIns="0" rIns="0" bIns="0" rtlCol="0"/>
+          <a:lstStyle/>
+          <a:p>
+            <a:endParaRPr/>
+          </a:p>
+        </p:txBody>
+      </p:sp>
+      <p:sp>
+        <p:nvSpPr>
+          <p:cNvPr id="3" name="object 3"/>
+          <p:cNvSpPr txBox="1"/>
+          <p:nvPr/>
+        </p:nvSpPr>
+        <p:spPr>
+          <a:xfrm>
+            <a:off x="512374" y="200448"/>
+            <a:ext cx="4237990" cy="409575"/>
+          </a:xfrm>
+          <a:prstGeom prst="rect">
+            <a:avLst/>
+          </a:prstGeom>
+        </p:spPr>
+        <p:txBody>
+          <a:bodyPr vert="horz" wrap="square" lIns="0" tIns="15240" rIns="0" bIns="0" rtlCol="0">
+            <a:spAutoFit/>
+          </a:bodyPr>
+          <a:lstStyle/>
+          <a:p>
+            <a:pPr marL="12700">
+              <a:lnSpc>
+                <a:spcPct val="100000"/>
+              </a:lnSpc>
+              <a:spcBef>
+                <a:spcPts val="120"/>
+              </a:spcBef>
+            </a:pPr>
+            <a:r>
+              <a:rPr sz="2500" b="1" spc="-120" dirty="0">
+                <a:latin typeface="Verdana"/>
+                <a:cs typeface="Verdana"/>
+              </a:rPr>
+              <a:t>4. </a:t>
+            </a:r>
+            <a:r>
+              <a:rPr sz="2500" b="1" spc="-85" dirty="0">
+                <a:latin typeface="Verdana"/>
+                <a:cs typeface="Verdana"/>
+              </a:rPr>
+              <a:t>Business </a:t>
+            </a:r>
+            <a:r>
+              <a:rPr sz="2500" b="1" spc="-130" dirty="0">
+                <a:latin typeface="Verdana"/>
+                <a:cs typeface="Verdana"/>
+              </a:rPr>
+              <a:t>Insight </a:t>
+            </a:r>
+            <a:r>
+              <a:rPr sz="1600" b="1" spc="-160" dirty="0">
+                <a:solidFill>
+                  <a:srgbClr val="0000FF"/>
+                </a:solidFill>
+                <a:latin typeface="Verdana"/>
+                <a:cs typeface="Verdana"/>
+              </a:rPr>
+              <a:t>(30</a:t>
+            </a:r>
+            <a:r>
+              <a:rPr sz="1600" b="1" spc="-225" dirty="0">
+                <a:solidFill>
+                  <a:srgbClr val="0000FF"/>
+                </a:solidFill>
+                <a:latin typeface="Verdana"/>
+                <a:cs typeface="Verdana"/>
+              </a:rPr>
+              <a:t> </a:t>
+            </a:r>
+            <a:r>
+              <a:rPr sz="1600" b="1" spc="-75" dirty="0">
+                <a:solidFill>
+                  <a:srgbClr val="0000FF"/>
+                </a:solidFill>
+                <a:latin typeface="Verdana"/>
+                <a:cs typeface="Verdana"/>
+              </a:rPr>
+              <a:t>poin)</a:t>
+            </a:r>
+            <a:endParaRPr sz="1600">
+              <a:latin typeface="Verdana"/>
+              <a:cs typeface="Verdana"/>
+            </a:endParaRPr>
+          </a:p>
+        </p:txBody>
+      </p:sp>
+      <p:sp>
+        <p:nvSpPr>
+          <p:cNvPr id="4" name="object 4"/>
+          <p:cNvSpPr txBox="1"/>
+          <p:nvPr/>
+        </p:nvSpPr>
+        <p:spPr>
+          <a:xfrm>
+            <a:off x="585373" y="1033984"/>
+            <a:ext cx="7713980" cy="762000"/>
+          </a:xfrm>
+          <a:prstGeom prst="rect">
+            <a:avLst/>
+          </a:prstGeom>
+        </p:spPr>
+        <p:txBody>
+          <a:bodyPr vert="horz" wrap="square" lIns="0" tIns="12700" rIns="0" bIns="0" rtlCol="0">
+            <a:spAutoFit/>
+          </a:bodyPr>
+          <a:lstStyle/>
+          <a:p>
+            <a:pPr marL="12700" marR="5080">
+              <a:lnSpc>
+                <a:spcPct val="114999"/>
+              </a:lnSpc>
+              <a:spcBef>
+                <a:spcPts val="100"/>
+              </a:spcBef>
+            </a:pPr>
+            <a:r>
+              <a:rPr sz="1400" spc="-10" dirty="0">
+                <a:latin typeface="Verdana"/>
+                <a:cs typeface="Verdana"/>
+              </a:rPr>
+              <a:t>Selain </a:t>
+            </a:r>
+            <a:r>
+              <a:rPr sz="1400" spc="-5" dirty="0">
+                <a:latin typeface="Verdana"/>
+                <a:cs typeface="Verdana"/>
+              </a:rPr>
+              <a:t>EDA, </a:t>
+            </a:r>
+            <a:r>
+              <a:rPr sz="1400" spc="10" dirty="0">
+                <a:latin typeface="Verdana"/>
+                <a:cs typeface="Verdana"/>
+              </a:rPr>
+              <a:t>lakukan </a:t>
+            </a:r>
+            <a:r>
+              <a:rPr sz="1400" spc="5" dirty="0">
+                <a:latin typeface="Verdana"/>
+                <a:cs typeface="Verdana"/>
+              </a:rPr>
+              <a:t>juga </a:t>
+            </a:r>
+            <a:r>
+              <a:rPr sz="1400" spc="10" dirty="0">
+                <a:latin typeface="Verdana"/>
+                <a:cs typeface="Verdana"/>
+              </a:rPr>
+              <a:t>beberapa </a:t>
+            </a:r>
+            <a:r>
+              <a:rPr sz="1400" spc="-15" dirty="0">
+                <a:latin typeface="Verdana"/>
+                <a:cs typeface="Verdana"/>
+              </a:rPr>
+              <a:t>analisis </a:t>
+            </a:r>
+            <a:r>
+              <a:rPr sz="1400" spc="40" dirty="0">
+                <a:latin typeface="Verdana"/>
+                <a:cs typeface="Verdana"/>
+              </a:rPr>
+              <a:t>dan </a:t>
+            </a:r>
+            <a:r>
+              <a:rPr sz="1400" spc="-20" dirty="0">
+                <a:latin typeface="Verdana"/>
+                <a:cs typeface="Verdana"/>
+              </a:rPr>
+              <a:t>visualisasi </a:t>
+            </a:r>
+            <a:r>
+              <a:rPr sz="1400" spc="40" dirty="0">
+                <a:latin typeface="Verdana"/>
+                <a:cs typeface="Verdana"/>
+              </a:rPr>
+              <a:t>untuk </a:t>
+            </a:r>
+            <a:r>
+              <a:rPr sz="1400" spc="45" dirty="0">
+                <a:latin typeface="Verdana"/>
+                <a:cs typeface="Verdana"/>
+              </a:rPr>
+              <a:t>menemukan </a:t>
+            </a:r>
+            <a:r>
+              <a:rPr sz="1400" spc="10" dirty="0">
+                <a:latin typeface="Verdana"/>
+                <a:cs typeface="Verdana"/>
+              </a:rPr>
+              <a:t>suatu  </a:t>
+            </a:r>
+            <a:r>
+              <a:rPr sz="1400" spc="5" dirty="0">
+                <a:latin typeface="Verdana"/>
+                <a:cs typeface="Verdana"/>
+              </a:rPr>
+              <a:t>business</a:t>
+            </a:r>
+            <a:r>
+              <a:rPr sz="1400" spc="-125" dirty="0">
+                <a:latin typeface="Verdana"/>
+                <a:cs typeface="Verdana"/>
+              </a:rPr>
+              <a:t> </a:t>
+            </a:r>
+            <a:r>
+              <a:rPr sz="1400" spc="-5" dirty="0">
+                <a:latin typeface="Verdana"/>
+                <a:cs typeface="Verdana"/>
+              </a:rPr>
+              <a:t>insight.</a:t>
+            </a:r>
+            <a:r>
+              <a:rPr sz="1400" spc="-120" dirty="0">
+                <a:latin typeface="Verdana"/>
+                <a:cs typeface="Verdana"/>
+              </a:rPr>
+              <a:t> </a:t>
+            </a:r>
+            <a:r>
+              <a:rPr sz="1400" spc="-10" dirty="0">
+                <a:latin typeface="Verdana"/>
+                <a:cs typeface="Verdana"/>
+              </a:rPr>
+              <a:t>Tuliskan</a:t>
+            </a:r>
+            <a:r>
+              <a:rPr sz="1400" spc="-125" dirty="0">
+                <a:latin typeface="Verdana"/>
+                <a:cs typeface="Verdana"/>
+              </a:rPr>
+              <a:t> </a:t>
+            </a:r>
+            <a:r>
+              <a:rPr sz="1400" spc="35" dirty="0">
+                <a:latin typeface="Verdana"/>
+                <a:cs typeface="Verdana"/>
+              </a:rPr>
+              <a:t>minimal</a:t>
+            </a:r>
+            <a:r>
+              <a:rPr sz="1400" spc="-120" dirty="0">
+                <a:latin typeface="Verdana"/>
+                <a:cs typeface="Verdana"/>
+              </a:rPr>
+              <a:t> </a:t>
+            </a:r>
+            <a:r>
+              <a:rPr sz="1400" spc="-105" dirty="0">
+                <a:latin typeface="Verdana"/>
+                <a:cs typeface="Verdana"/>
+              </a:rPr>
+              <a:t>3</a:t>
+            </a:r>
+            <a:r>
+              <a:rPr sz="1400" spc="-125" dirty="0">
+                <a:latin typeface="Verdana"/>
+                <a:cs typeface="Verdana"/>
+              </a:rPr>
+              <a:t> </a:t>
+            </a:r>
+            <a:r>
+              <a:rPr sz="1400" spc="-5" dirty="0">
+                <a:latin typeface="Verdana"/>
+                <a:cs typeface="Verdana"/>
+              </a:rPr>
+              <a:t>insight,</a:t>
+            </a:r>
+            <a:r>
+              <a:rPr sz="1400" spc="-120" dirty="0">
+                <a:latin typeface="Verdana"/>
+                <a:cs typeface="Verdana"/>
+              </a:rPr>
+              <a:t> </a:t>
+            </a:r>
+            <a:r>
+              <a:rPr sz="1400" spc="40" dirty="0">
+                <a:latin typeface="Verdana"/>
+                <a:cs typeface="Verdana"/>
+              </a:rPr>
+              <a:t>dan</a:t>
+            </a:r>
+            <a:r>
+              <a:rPr sz="1400" spc="-125" dirty="0">
+                <a:latin typeface="Verdana"/>
+                <a:cs typeface="Verdana"/>
+              </a:rPr>
+              <a:t> </a:t>
+            </a:r>
+            <a:r>
+              <a:rPr sz="1400" dirty="0">
+                <a:latin typeface="Verdana"/>
+                <a:cs typeface="Verdana"/>
+              </a:rPr>
+              <a:t>berdasarkan</a:t>
+            </a:r>
+            <a:r>
+              <a:rPr sz="1400" spc="-120" dirty="0">
+                <a:latin typeface="Verdana"/>
+                <a:cs typeface="Verdana"/>
+              </a:rPr>
+              <a:t> </a:t>
+            </a:r>
+            <a:r>
+              <a:rPr sz="1400" spc="20" dirty="0">
+                <a:latin typeface="Verdana"/>
+                <a:cs typeface="Verdana"/>
+              </a:rPr>
+              <a:t>insight</a:t>
+            </a:r>
+            <a:r>
+              <a:rPr sz="1400" spc="-125" dirty="0">
+                <a:latin typeface="Verdana"/>
+                <a:cs typeface="Verdana"/>
+              </a:rPr>
+              <a:t> </a:t>
+            </a:r>
+            <a:r>
+              <a:rPr sz="1400" spc="5" dirty="0">
+                <a:latin typeface="Verdana"/>
+                <a:cs typeface="Verdana"/>
+              </a:rPr>
+              <a:t>tersebut</a:t>
+            </a:r>
+            <a:r>
+              <a:rPr sz="1400" spc="-120" dirty="0">
+                <a:latin typeface="Verdana"/>
+                <a:cs typeface="Verdana"/>
+              </a:rPr>
+              <a:t> </a:t>
+            </a:r>
+            <a:r>
+              <a:rPr sz="1400" spc="-15" dirty="0">
+                <a:latin typeface="Verdana"/>
+                <a:cs typeface="Verdana"/>
+              </a:rPr>
+              <a:t>jelaskan  </a:t>
+            </a:r>
+            <a:r>
+              <a:rPr sz="1400" spc="5" dirty="0">
+                <a:latin typeface="Verdana"/>
+                <a:cs typeface="Verdana"/>
+              </a:rPr>
+              <a:t>rekomendasinya </a:t>
+            </a:r>
+            <a:r>
+              <a:rPr sz="1400" spc="40" dirty="0">
+                <a:latin typeface="Verdana"/>
+                <a:cs typeface="Verdana"/>
+              </a:rPr>
+              <a:t>untuk</a:t>
+            </a:r>
+            <a:r>
+              <a:rPr sz="1400" spc="-270" dirty="0">
+                <a:latin typeface="Verdana"/>
+                <a:cs typeface="Verdana"/>
+              </a:rPr>
+              <a:t> </a:t>
+            </a:r>
+            <a:r>
+              <a:rPr sz="1400" spc="-30" dirty="0">
+                <a:latin typeface="Verdana"/>
+                <a:cs typeface="Verdana"/>
+              </a:rPr>
+              <a:t>bisnis.</a:t>
+            </a:r>
+            <a:endParaRPr sz="1400">
+              <a:latin typeface="Verdana"/>
+              <a:cs typeface="Verdana"/>
+            </a:endParaRPr>
+          </a:p>
+        </p:txBody>
+      </p:sp>
+    </p:spTree>
+  </p:cSld>
+  <p:clrMapOvr>
+    <a:masterClrMapping/>
+  </p:clrMapOvr>
+</p:sld>
+</file>
+
+<file path=ppt/slides/slide11.xml><?xml version="1.0" encoding="utf-8"?>
+<p:sld xmlns:a="http://schemas.openxmlformats.org/drawingml/2006/main" xmlns:r="http://schemas.openxmlformats.org/officeDocument/2006/relationships" xmlns:p="http://schemas.openxmlformats.org/presentationml/2006/main">
+  <p:cSld>
+    <p:spTree>
+      <p:nvGrpSpPr>
+        <p:cNvPr id="1" name=""/>
+        <p:cNvGrpSpPr/>
+        <p:nvPr/>
+      </p:nvGrpSpPr>
+      <p:grpSpPr>
+        <a:xfrm>
+          <a:off x="0" y="0"/>
+          <a:ext cx="0" cy="0"/>
+          <a:chOff x="0" y="0"/>
+          <a:chExt cx="0" cy="0"/>
+        </a:xfrm>
+      </p:grpSpPr>
+      <p:sp>
+        <p:nvSpPr>
+          <p:cNvPr id="2" name="object 2"/>
+          <p:cNvSpPr/>
+          <p:nvPr/>
+        </p:nvSpPr>
+        <p:spPr>
+          <a:xfrm>
+            <a:off x="0" y="0"/>
+            <a:ext cx="9143981" cy="5143489"/>
+          </a:xfrm>
+          <a:prstGeom prst="rect">
+            <a:avLst/>
+          </a:prstGeom>
+          <a:blipFill>
+            <a:blip r:embed="rId2" cstate="print"/>
+            <a:stretch>
+              <a:fillRect/>
+            </a:stretch>
+          </a:blipFill>
+        </p:spPr>
+        <p:txBody>
+          <a:bodyPr wrap="square" lIns="0" tIns="0" rIns="0" bIns="0" rtlCol="0"/>
+          <a:lstStyle/>
+          <a:p>
+            <a:endParaRPr/>
+          </a:p>
+        </p:txBody>
+      </p:sp>
+      <p:sp>
+        <p:nvSpPr>
+          <p:cNvPr id="3" name="object 3"/>
+          <p:cNvSpPr txBox="1"/>
+          <p:nvPr/>
+        </p:nvSpPr>
+        <p:spPr>
+          <a:xfrm>
+            <a:off x="512374" y="200448"/>
+            <a:ext cx="4237990" cy="409575"/>
+          </a:xfrm>
+          <a:prstGeom prst="rect">
+            <a:avLst/>
+          </a:prstGeom>
+        </p:spPr>
+        <p:txBody>
+          <a:bodyPr vert="horz" wrap="square" lIns="0" tIns="15240" rIns="0" bIns="0" rtlCol="0">
+            <a:spAutoFit/>
+          </a:bodyPr>
+          <a:lstStyle/>
+          <a:p>
+            <a:pPr marL="12700">
+              <a:lnSpc>
+                <a:spcPct val="100000"/>
+              </a:lnSpc>
+              <a:spcBef>
+                <a:spcPts val="120"/>
+              </a:spcBef>
+            </a:pPr>
+            <a:r>
+              <a:rPr sz="2500" b="1" spc="-120" dirty="0">
+                <a:latin typeface="Verdana"/>
+                <a:cs typeface="Verdana"/>
+              </a:rPr>
+              <a:t>4. </a:t>
+            </a:r>
+            <a:r>
+              <a:rPr sz="2500" b="1" spc="-85" dirty="0">
+                <a:latin typeface="Verdana"/>
+                <a:cs typeface="Verdana"/>
+              </a:rPr>
+              <a:t>Business </a:t>
+            </a:r>
+            <a:r>
+              <a:rPr sz="2500" b="1" spc="-130" dirty="0">
+                <a:latin typeface="Verdana"/>
+                <a:cs typeface="Verdana"/>
+              </a:rPr>
+              <a:t>Insight </a:t>
+            </a:r>
+            <a:r>
+              <a:rPr sz="1600" b="1" spc="-160" dirty="0">
+                <a:solidFill>
+                  <a:srgbClr val="0000FF"/>
+                </a:solidFill>
+                <a:latin typeface="Verdana"/>
+                <a:cs typeface="Verdana"/>
+              </a:rPr>
+              <a:t>(30</a:t>
+            </a:r>
+            <a:r>
+              <a:rPr sz="1600" b="1" spc="-225" dirty="0">
+                <a:solidFill>
+                  <a:srgbClr val="0000FF"/>
+                </a:solidFill>
+                <a:latin typeface="Verdana"/>
+                <a:cs typeface="Verdana"/>
+              </a:rPr>
+              <a:t> </a:t>
+            </a:r>
+            <a:r>
+              <a:rPr sz="1600" b="1" spc="-75" dirty="0">
+                <a:solidFill>
+                  <a:srgbClr val="0000FF"/>
+                </a:solidFill>
+                <a:latin typeface="Verdana"/>
+                <a:cs typeface="Verdana"/>
+              </a:rPr>
+              <a:t>poin)</a:t>
+            </a:r>
+            <a:endParaRPr sz="1600">
+              <a:latin typeface="Verdana"/>
+              <a:cs typeface="Verdana"/>
+            </a:endParaRPr>
+          </a:p>
+        </p:txBody>
+      </p:sp>
+      <p:sp>
+        <p:nvSpPr>
+          <p:cNvPr id="4" name="object 4"/>
+          <p:cNvSpPr txBox="1"/>
+          <p:nvPr/>
+        </p:nvSpPr>
+        <p:spPr>
+          <a:xfrm>
+            <a:off x="585372" y="666750"/>
+            <a:ext cx="8482427" cy="4264181"/>
+          </a:xfrm>
+          <a:prstGeom prst="rect">
+            <a:avLst/>
+          </a:prstGeom>
+        </p:spPr>
+        <p:txBody>
+          <a:bodyPr vert="horz" wrap="square" lIns="0" tIns="12700" rIns="0" bIns="0" rtlCol="0">
+            <a:spAutoFit/>
+          </a:bodyPr>
+          <a:lstStyle/>
+          <a:p>
+            <a:pPr marL="12700" marR="5080">
+              <a:lnSpc>
+                <a:spcPct val="114999"/>
+              </a:lnSpc>
+              <a:spcBef>
+                <a:spcPts val="100"/>
+              </a:spcBef>
+            </a:pPr>
+            <a:r>
+              <a:rPr lang="en-US" sz="1400" spc="-10" dirty="0">
+                <a:latin typeface="Verdana"/>
+                <a:cs typeface="Verdana"/>
+              </a:rPr>
+              <a:t>Dari EDA yang </a:t>
+            </a:r>
+            <a:r>
+              <a:rPr lang="en-US" sz="1400" spc="-10" dirty="0" err="1">
+                <a:latin typeface="Verdana"/>
+                <a:cs typeface="Verdana"/>
+              </a:rPr>
+              <a:t>telah</a:t>
+            </a:r>
+            <a:r>
+              <a:rPr lang="en-US" sz="1400" spc="-10" dirty="0">
+                <a:latin typeface="Verdana"/>
+                <a:cs typeface="Verdana"/>
+              </a:rPr>
+              <a:t> </a:t>
+            </a:r>
+            <a:r>
+              <a:rPr lang="en-US" sz="1400" spc="-10" dirty="0" err="1">
+                <a:latin typeface="Verdana"/>
+                <a:cs typeface="Verdana"/>
+              </a:rPr>
+              <a:t>dilakukan</a:t>
+            </a:r>
+            <a:r>
+              <a:rPr lang="en-US" sz="1400" spc="-10" dirty="0">
+                <a:latin typeface="Verdana"/>
+                <a:cs typeface="Verdana"/>
+              </a:rPr>
+              <a:t>, </a:t>
+            </a:r>
+            <a:r>
+              <a:rPr lang="en-US" sz="1400" spc="-10" dirty="0" err="1">
+                <a:latin typeface="Verdana"/>
+                <a:cs typeface="Verdana"/>
+              </a:rPr>
+              <a:t>dapat</a:t>
+            </a:r>
+            <a:r>
+              <a:rPr lang="en-US" sz="1400" spc="-10" dirty="0">
+                <a:latin typeface="Verdana"/>
+                <a:cs typeface="Verdana"/>
+              </a:rPr>
+              <a:t> </a:t>
+            </a:r>
+            <a:r>
+              <a:rPr lang="en-US" sz="1400" spc="-10" dirty="0" err="1">
+                <a:latin typeface="Verdana"/>
+                <a:cs typeface="Verdana"/>
+              </a:rPr>
+              <a:t>ditarik</a:t>
+            </a:r>
+            <a:r>
+              <a:rPr lang="en-US" sz="1400" spc="-10" dirty="0">
+                <a:latin typeface="Verdana"/>
+                <a:cs typeface="Verdana"/>
+              </a:rPr>
+              <a:t> </a:t>
+            </a:r>
+            <a:r>
+              <a:rPr lang="en-US" sz="1400" spc="-10" dirty="0" err="1">
+                <a:latin typeface="Verdana"/>
+                <a:cs typeface="Verdana"/>
+              </a:rPr>
+              <a:t>beberapa</a:t>
+            </a:r>
+            <a:r>
+              <a:rPr lang="en-US" sz="1400" spc="-10" dirty="0">
+                <a:latin typeface="Verdana"/>
+                <a:cs typeface="Verdana"/>
+              </a:rPr>
+              <a:t> insight </a:t>
+            </a:r>
+            <a:r>
+              <a:rPr lang="en-US" sz="1400" spc="-10" dirty="0" err="1">
+                <a:latin typeface="Verdana"/>
+                <a:cs typeface="Verdana"/>
+              </a:rPr>
+              <a:t>yaitu</a:t>
+            </a:r>
+            <a:r>
+              <a:rPr lang="en-US" sz="1400" spc="-10" dirty="0">
+                <a:latin typeface="Verdana"/>
+                <a:cs typeface="Verdana"/>
+              </a:rPr>
+              <a:t>:</a:t>
+            </a:r>
+          </a:p>
+          <a:p>
+            <a:pPr marL="12700" marR="5080">
+              <a:lnSpc>
+                <a:spcPct val="114999"/>
+              </a:lnSpc>
+              <a:spcBef>
+                <a:spcPts val="100"/>
+              </a:spcBef>
+            </a:pPr>
+            <a:r>
+              <a:rPr lang="en-US" sz="1400" spc="-10" dirty="0">
+                <a:latin typeface="Verdana"/>
+                <a:cs typeface="Verdana"/>
+              </a:rPr>
+              <a:t>1. Default rate </a:t>
+            </a:r>
+            <a:r>
+              <a:rPr lang="en-US" sz="1400" spc="-10" dirty="0" err="1">
+                <a:latin typeface="Verdana"/>
+                <a:cs typeface="Verdana"/>
+              </a:rPr>
+              <a:t>dari</a:t>
+            </a:r>
+            <a:r>
+              <a:rPr lang="en-US" sz="1400" spc="-10" dirty="0">
+                <a:latin typeface="Verdana"/>
+                <a:cs typeface="Verdana"/>
+              </a:rPr>
+              <a:t> bank </a:t>
+            </a:r>
+            <a:r>
+              <a:rPr lang="en-US" sz="1400" spc="-10" dirty="0" err="1">
+                <a:latin typeface="Verdana"/>
+                <a:cs typeface="Verdana"/>
+              </a:rPr>
+              <a:t>ini</a:t>
+            </a:r>
+            <a:r>
+              <a:rPr lang="en-US" sz="1400" spc="-10" dirty="0">
+                <a:latin typeface="Verdana"/>
+                <a:cs typeface="Verdana"/>
+              </a:rPr>
+              <a:t> </a:t>
+            </a:r>
+            <a:r>
+              <a:rPr lang="en-US" sz="1400" spc="-10" dirty="0" err="1">
+                <a:latin typeface="Verdana"/>
+                <a:cs typeface="Verdana"/>
+              </a:rPr>
+              <a:t>masih</a:t>
+            </a:r>
+            <a:r>
+              <a:rPr lang="en-US" sz="1400" spc="-10" dirty="0">
+                <a:latin typeface="Verdana"/>
+                <a:cs typeface="Verdana"/>
+              </a:rPr>
+              <a:t> </a:t>
+            </a:r>
+            <a:r>
+              <a:rPr lang="en-US" sz="1400" spc="-10" dirty="0" err="1">
+                <a:latin typeface="Verdana"/>
+                <a:cs typeface="Verdana"/>
+              </a:rPr>
+              <a:t>berada</a:t>
+            </a:r>
+            <a:r>
+              <a:rPr lang="en-US" sz="1400" spc="-10" dirty="0">
+                <a:latin typeface="Verdana"/>
+                <a:cs typeface="Verdana"/>
+              </a:rPr>
+              <a:t> di </a:t>
+            </a:r>
+            <a:r>
+              <a:rPr lang="en-US" sz="1400" spc="-10" dirty="0" err="1">
+                <a:latin typeface="Verdana"/>
+                <a:cs typeface="Verdana"/>
+              </a:rPr>
+              <a:t>angka</a:t>
+            </a:r>
+            <a:r>
+              <a:rPr lang="en-US" sz="1400" spc="-10" dirty="0">
+                <a:latin typeface="Verdana"/>
+                <a:cs typeface="Verdana"/>
+              </a:rPr>
+              <a:t> 22%, </a:t>
+            </a:r>
+            <a:r>
+              <a:rPr lang="en-US" sz="1400" spc="-10" dirty="0" err="1">
+                <a:latin typeface="Verdana"/>
+                <a:cs typeface="Verdana"/>
+              </a:rPr>
+              <a:t>dimana</a:t>
+            </a:r>
+            <a:r>
+              <a:rPr lang="en-US" sz="1400" spc="-10" dirty="0">
+                <a:latin typeface="Verdana"/>
+                <a:cs typeface="Verdana"/>
+              </a:rPr>
+              <a:t> </a:t>
+            </a:r>
+            <a:r>
+              <a:rPr lang="en-US" sz="1400" spc="-10" dirty="0" err="1">
+                <a:latin typeface="Verdana"/>
+                <a:cs typeface="Verdana"/>
+              </a:rPr>
+              <a:t>angka</a:t>
+            </a:r>
+            <a:r>
+              <a:rPr lang="en-US" sz="1400" spc="-10" dirty="0">
+                <a:latin typeface="Verdana"/>
+                <a:cs typeface="Verdana"/>
+              </a:rPr>
+              <a:t> </a:t>
+            </a:r>
+            <a:r>
+              <a:rPr lang="en-US" sz="1400" spc="-10" dirty="0" err="1">
+                <a:latin typeface="Verdana"/>
+                <a:cs typeface="Verdana"/>
+              </a:rPr>
+              <a:t>ini</a:t>
+            </a:r>
+            <a:r>
+              <a:rPr lang="en-US" sz="1400" spc="-10" dirty="0">
+                <a:latin typeface="Verdana"/>
+                <a:cs typeface="Verdana"/>
+              </a:rPr>
+              <a:t> </a:t>
+            </a:r>
+            <a:r>
+              <a:rPr lang="en-US" sz="1400" spc="-10" dirty="0" err="1">
+                <a:latin typeface="Verdana"/>
+                <a:cs typeface="Verdana"/>
+              </a:rPr>
+              <a:t>masih</a:t>
+            </a:r>
+            <a:r>
+              <a:rPr lang="en-US" sz="1400" spc="-10" dirty="0">
+                <a:latin typeface="Verdana"/>
+                <a:cs typeface="Verdana"/>
+              </a:rPr>
+              <a:t> </a:t>
+            </a:r>
+            <a:r>
+              <a:rPr lang="en-US" sz="1400" spc="-10" dirty="0" err="1">
+                <a:latin typeface="Verdana"/>
+                <a:cs typeface="Verdana"/>
+              </a:rPr>
+              <a:t>tergolong</a:t>
+            </a:r>
+            <a:r>
+              <a:rPr lang="en-US" sz="1400" spc="-10" dirty="0">
+                <a:latin typeface="Verdana"/>
+                <a:cs typeface="Verdana"/>
+              </a:rPr>
+              <a:t> </a:t>
+            </a:r>
+            <a:r>
+              <a:rPr lang="en-US" sz="1400" spc="-10" dirty="0" err="1">
+                <a:latin typeface="Verdana"/>
+                <a:cs typeface="Verdana"/>
+              </a:rPr>
+              <a:t>tinggi</a:t>
+            </a:r>
+            <a:r>
+              <a:rPr lang="en-US" sz="1400" spc="-10" dirty="0">
+                <a:latin typeface="Verdana"/>
+                <a:cs typeface="Verdana"/>
+              </a:rPr>
+              <a:t> (Default rate ideal </a:t>
+            </a:r>
+            <a:r>
+              <a:rPr lang="en-US" sz="1400" spc="-10" dirty="0" err="1">
+                <a:latin typeface="Verdana"/>
+                <a:cs typeface="Verdana"/>
+              </a:rPr>
+              <a:t>bagi</a:t>
+            </a:r>
+            <a:r>
+              <a:rPr lang="en-US" sz="1400" spc="-10" dirty="0">
+                <a:latin typeface="Verdana"/>
+                <a:cs typeface="Verdana"/>
+              </a:rPr>
+              <a:t> </a:t>
+            </a:r>
+            <a:r>
+              <a:rPr lang="en-US" sz="1400" spc="-10" dirty="0" err="1">
+                <a:latin typeface="Verdana"/>
+                <a:cs typeface="Verdana"/>
+              </a:rPr>
+              <a:t>suatu</a:t>
+            </a:r>
+            <a:r>
+              <a:rPr lang="en-US" sz="1400" spc="-10" dirty="0">
+                <a:latin typeface="Verdana"/>
+                <a:cs typeface="Verdana"/>
+              </a:rPr>
+              <a:t> bank </a:t>
+            </a:r>
+            <a:r>
+              <a:rPr lang="en-US" sz="1400" spc="-10" dirty="0" err="1">
+                <a:latin typeface="Verdana"/>
+                <a:cs typeface="Verdana"/>
+              </a:rPr>
+              <a:t>adalah</a:t>
+            </a:r>
+            <a:r>
+              <a:rPr lang="en-US" sz="1400" spc="-10" dirty="0">
+                <a:latin typeface="Verdana"/>
+                <a:cs typeface="Verdana"/>
+              </a:rPr>
+              <a:t> di </a:t>
+            </a:r>
+            <a:r>
+              <a:rPr lang="en-US" sz="1400" spc="-10" dirty="0" err="1">
+                <a:latin typeface="Verdana"/>
+                <a:cs typeface="Verdana"/>
+              </a:rPr>
+              <a:t>bawah</a:t>
+            </a:r>
+            <a:r>
+              <a:rPr lang="en-US" sz="1400" spc="-10" dirty="0">
+                <a:latin typeface="Verdana"/>
+                <a:cs typeface="Verdana"/>
+              </a:rPr>
+              <a:t> 5%). </a:t>
+            </a:r>
+            <a:r>
+              <a:rPr lang="en-US" sz="1400" spc="-10" dirty="0" err="1">
+                <a:latin typeface="Verdana"/>
+                <a:cs typeface="Verdana"/>
+              </a:rPr>
+              <a:t>Masalah</a:t>
+            </a:r>
+            <a:r>
+              <a:rPr lang="en-US" sz="1400" spc="-10" dirty="0">
+                <a:latin typeface="Verdana"/>
+                <a:cs typeface="Verdana"/>
+              </a:rPr>
+              <a:t> </a:t>
+            </a:r>
+            <a:r>
+              <a:rPr lang="en-US" sz="1400" spc="-10" dirty="0" err="1">
+                <a:latin typeface="Verdana"/>
+                <a:cs typeface="Verdana"/>
+              </a:rPr>
+              <a:t>ini</a:t>
+            </a:r>
+            <a:r>
+              <a:rPr lang="en-US" sz="1400" spc="-10" dirty="0">
+                <a:latin typeface="Verdana"/>
+                <a:cs typeface="Verdana"/>
+              </a:rPr>
+              <a:t> </a:t>
+            </a:r>
+            <a:r>
+              <a:rPr lang="en-US" sz="1400" spc="-10" dirty="0" err="1">
+                <a:latin typeface="Verdana"/>
+                <a:cs typeface="Verdana"/>
+              </a:rPr>
+              <a:t>tentu</a:t>
+            </a:r>
+            <a:r>
+              <a:rPr lang="en-US" sz="1400" spc="-10" dirty="0">
+                <a:latin typeface="Verdana"/>
+                <a:cs typeface="Verdana"/>
+              </a:rPr>
+              <a:t> </a:t>
+            </a:r>
+            <a:r>
+              <a:rPr lang="en-US" sz="1400" spc="-10" dirty="0" err="1">
+                <a:latin typeface="Verdana"/>
+                <a:cs typeface="Verdana"/>
+              </a:rPr>
+              <a:t>perlu</a:t>
+            </a:r>
+            <a:r>
+              <a:rPr lang="en-US" sz="1400" spc="-10" dirty="0">
+                <a:latin typeface="Verdana"/>
+                <a:cs typeface="Verdana"/>
+              </a:rPr>
+              <a:t> </a:t>
+            </a:r>
+            <a:r>
+              <a:rPr lang="en-US" sz="1400" spc="-10" dirty="0" err="1">
+                <a:latin typeface="Verdana"/>
+                <a:cs typeface="Verdana"/>
+              </a:rPr>
+              <a:t>segera</a:t>
+            </a:r>
+            <a:r>
+              <a:rPr lang="en-US" sz="1400" spc="-10" dirty="0">
+                <a:latin typeface="Verdana"/>
+                <a:cs typeface="Verdana"/>
+              </a:rPr>
+              <a:t> </a:t>
+            </a:r>
+            <a:r>
+              <a:rPr lang="en-US" sz="1400" spc="-10" dirty="0" err="1">
+                <a:latin typeface="Verdana"/>
+                <a:cs typeface="Verdana"/>
+              </a:rPr>
+              <a:t>ditangani</a:t>
+            </a:r>
+            <a:r>
+              <a:rPr lang="en-US" sz="1400" spc="-10" dirty="0">
+                <a:latin typeface="Verdana"/>
+                <a:cs typeface="Verdana"/>
+              </a:rPr>
+              <a:t> agar bank </a:t>
+            </a:r>
+            <a:r>
+              <a:rPr lang="en-US" sz="1400" spc="-10" dirty="0" err="1">
+                <a:latin typeface="Verdana"/>
+                <a:cs typeface="Verdana"/>
+              </a:rPr>
+              <a:t>tidak</a:t>
+            </a:r>
+            <a:r>
+              <a:rPr lang="en-US" sz="1400" spc="-10" dirty="0">
+                <a:latin typeface="Verdana"/>
+                <a:cs typeface="Verdana"/>
+              </a:rPr>
+              <a:t> </a:t>
+            </a:r>
+            <a:r>
+              <a:rPr lang="en-US" sz="1400" spc="-10" dirty="0" err="1">
+                <a:latin typeface="Verdana"/>
+                <a:cs typeface="Verdana"/>
+              </a:rPr>
+              <a:t>mengalami</a:t>
+            </a:r>
+            <a:r>
+              <a:rPr lang="en-US" sz="1400" spc="-10" dirty="0">
+                <a:latin typeface="Verdana"/>
+                <a:cs typeface="Verdana"/>
+              </a:rPr>
+              <a:t> </a:t>
+            </a:r>
+            <a:r>
+              <a:rPr lang="en-US" sz="1400" spc="-10" dirty="0" err="1">
+                <a:latin typeface="Verdana"/>
+                <a:cs typeface="Verdana"/>
+              </a:rPr>
+              <a:t>kerugian</a:t>
+            </a:r>
+            <a:r>
+              <a:rPr lang="en-US" sz="1400" spc="-10" dirty="0">
+                <a:latin typeface="Verdana"/>
+                <a:cs typeface="Verdana"/>
+              </a:rPr>
+              <a:t> yang </a:t>
+            </a:r>
+            <a:r>
+              <a:rPr lang="en-US" sz="1400" spc="-10" dirty="0" err="1">
+                <a:latin typeface="Verdana"/>
+                <a:cs typeface="Verdana"/>
+              </a:rPr>
+              <a:t>besar</a:t>
+            </a:r>
+            <a:r>
+              <a:rPr lang="en-US" sz="1400" spc="-10" dirty="0">
+                <a:latin typeface="Verdana"/>
+                <a:cs typeface="Verdana"/>
+              </a:rPr>
+              <a:t>, </a:t>
+            </a:r>
+            <a:r>
+              <a:rPr lang="en-US" sz="1400" spc="-10" dirty="0" err="1">
+                <a:latin typeface="Verdana"/>
+                <a:cs typeface="Verdana"/>
+              </a:rPr>
+              <a:t>baik</a:t>
+            </a:r>
+            <a:r>
+              <a:rPr lang="en-US" sz="1400" spc="-10" dirty="0">
+                <a:latin typeface="Verdana"/>
+                <a:cs typeface="Verdana"/>
+              </a:rPr>
+              <a:t> </a:t>
+            </a:r>
+            <a:r>
+              <a:rPr lang="en-US" sz="1400" spc="-10" dirty="0" err="1">
+                <a:latin typeface="Verdana"/>
+                <a:cs typeface="Verdana"/>
+              </a:rPr>
+              <a:t>kerugian</a:t>
+            </a:r>
+            <a:r>
+              <a:rPr lang="en-US" sz="1400" spc="-10" dirty="0">
+                <a:latin typeface="Verdana"/>
+                <a:cs typeface="Verdana"/>
+              </a:rPr>
+              <a:t> </a:t>
+            </a:r>
+            <a:r>
+              <a:rPr lang="en-US" sz="1400" spc="-10" dirty="0" err="1">
+                <a:latin typeface="Verdana"/>
+                <a:cs typeface="Verdana"/>
+              </a:rPr>
+              <a:t>finansial</a:t>
+            </a:r>
+            <a:r>
+              <a:rPr lang="en-US" sz="1400" spc="-10" dirty="0">
+                <a:latin typeface="Verdana"/>
+                <a:cs typeface="Verdana"/>
+              </a:rPr>
+              <a:t> </a:t>
+            </a:r>
+            <a:r>
+              <a:rPr lang="en-US" sz="1400" spc="-10" dirty="0" err="1">
+                <a:latin typeface="Verdana"/>
+                <a:cs typeface="Verdana"/>
+              </a:rPr>
+              <a:t>maupun</a:t>
+            </a:r>
+            <a:r>
+              <a:rPr lang="en-US" sz="1400" spc="-10" dirty="0">
+                <a:latin typeface="Verdana"/>
+                <a:cs typeface="Verdana"/>
+              </a:rPr>
+              <a:t> </a:t>
+            </a:r>
+            <a:r>
+              <a:rPr lang="en-US" sz="1400" spc="-10" dirty="0" err="1">
+                <a:latin typeface="Verdana"/>
+                <a:cs typeface="Verdana"/>
+              </a:rPr>
+              <a:t>turunnya</a:t>
+            </a:r>
+            <a:r>
+              <a:rPr lang="en-US" sz="1400" spc="-10" dirty="0">
+                <a:latin typeface="Verdana"/>
+                <a:cs typeface="Verdana"/>
+              </a:rPr>
+              <a:t> </a:t>
+            </a:r>
+            <a:r>
+              <a:rPr lang="en-US" sz="1400" spc="-10" dirty="0" err="1">
+                <a:latin typeface="Verdana"/>
+                <a:cs typeface="Verdana"/>
+              </a:rPr>
+              <a:t>reputasi</a:t>
+            </a:r>
+            <a:r>
+              <a:rPr lang="en-US" sz="1400" spc="-10" dirty="0">
+                <a:latin typeface="Verdana"/>
+                <a:cs typeface="Verdana"/>
+              </a:rPr>
+              <a:t> bank di </a:t>
+            </a:r>
+            <a:r>
+              <a:rPr lang="en-US" sz="1400" spc="-10" dirty="0" err="1">
+                <a:latin typeface="Verdana"/>
+                <a:cs typeface="Verdana"/>
+              </a:rPr>
+              <a:t>mata</a:t>
+            </a:r>
+            <a:r>
+              <a:rPr lang="en-US" sz="1400" spc="-10" dirty="0">
+                <a:latin typeface="Verdana"/>
+                <a:cs typeface="Verdana"/>
+              </a:rPr>
+              <a:t> </a:t>
+            </a:r>
+            <a:r>
+              <a:rPr lang="en-US" sz="1400" spc="-10" dirty="0" err="1">
+                <a:latin typeface="Verdana"/>
+                <a:cs typeface="Verdana"/>
+              </a:rPr>
+              <a:t>nasabah</a:t>
+            </a:r>
+            <a:r>
+              <a:rPr lang="en-US" sz="1400" spc="-10" dirty="0">
+                <a:latin typeface="Verdana"/>
+                <a:cs typeface="Verdana"/>
+              </a:rPr>
+              <a:t> lain </a:t>
+            </a:r>
+            <a:r>
+              <a:rPr lang="en-US" sz="1400" spc="-10" dirty="0" err="1">
+                <a:latin typeface="Verdana"/>
+                <a:cs typeface="Verdana"/>
+              </a:rPr>
+              <a:t>maupun</a:t>
+            </a:r>
+            <a:r>
+              <a:rPr lang="en-US" sz="1400" spc="-10" dirty="0">
+                <a:latin typeface="Verdana"/>
+                <a:cs typeface="Verdana"/>
+              </a:rPr>
+              <a:t> investor.</a:t>
+            </a:r>
+          </a:p>
+          <a:p>
+            <a:pPr marL="12700" marR="5080">
+              <a:lnSpc>
+                <a:spcPct val="114999"/>
+              </a:lnSpc>
+              <a:spcBef>
+                <a:spcPts val="100"/>
+              </a:spcBef>
+            </a:pPr>
+            <a:r>
+              <a:rPr lang="en-US" sz="1400" spc="-10" dirty="0">
+                <a:latin typeface="Verdana"/>
+                <a:cs typeface="Verdana"/>
+              </a:rPr>
+              <a:t>2. User </a:t>
+            </a:r>
+            <a:r>
+              <a:rPr lang="en-US" sz="1400" spc="-10" dirty="0" err="1">
+                <a:latin typeface="Verdana"/>
+                <a:cs typeface="Verdana"/>
+              </a:rPr>
+              <a:t>terbanyak</a:t>
+            </a:r>
+            <a:r>
+              <a:rPr lang="en-US" sz="1400" spc="-10" dirty="0">
+                <a:latin typeface="Verdana"/>
+                <a:cs typeface="Verdana"/>
+              </a:rPr>
+              <a:t> yang </a:t>
+            </a:r>
+            <a:r>
+              <a:rPr lang="en-US" sz="1400" spc="-10" dirty="0" err="1">
+                <a:latin typeface="Verdana"/>
+                <a:cs typeface="Verdana"/>
+              </a:rPr>
+              <a:t>tidak</a:t>
+            </a:r>
+            <a:r>
+              <a:rPr lang="en-US" sz="1400" spc="-10" dirty="0">
+                <a:latin typeface="Verdana"/>
+                <a:cs typeface="Verdana"/>
+              </a:rPr>
+              <a:t> </a:t>
+            </a:r>
+            <a:r>
+              <a:rPr lang="en-US" sz="1400" spc="-10" dirty="0" err="1">
+                <a:latin typeface="Verdana"/>
+                <a:cs typeface="Verdana"/>
+              </a:rPr>
+              <a:t>bisa</a:t>
+            </a:r>
+            <a:r>
+              <a:rPr lang="en-US" sz="1400" spc="-10" dirty="0">
+                <a:latin typeface="Verdana"/>
+                <a:cs typeface="Verdana"/>
+              </a:rPr>
+              <a:t> </a:t>
+            </a:r>
+            <a:r>
+              <a:rPr lang="en-US" sz="1400" spc="-10" dirty="0" err="1">
+                <a:latin typeface="Verdana"/>
+                <a:cs typeface="Verdana"/>
+              </a:rPr>
+              <a:t>membayar</a:t>
+            </a:r>
+            <a:r>
+              <a:rPr lang="en-US" sz="1400" spc="-10" dirty="0">
+                <a:latin typeface="Verdana"/>
+                <a:cs typeface="Verdana"/>
+              </a:rPr>
+              <a:t> </a:t>
+            </a:r>
+            <a:r>
+              <a:rPr lang="en-US" sz="1400" spc="-10" dirty="0" err="1">
+                <a:latin typeface="Verdana"/>
+                <a:cs typeface="Verdana"/>
+              </a:rPr>
+              <a:t>tagihan</a:t>
+            </a:r>
+            <a:r>
+              <a:rPr lang="en-US" sz="1400" spc="-10" dirty="0">
+                <a:latin typeface="Verdana"/>
+                <a:cs typeface="Verdana"/>
+              </a:rPr>
+              <a:t> </a:t>
+            </a:r>
+            <a:r>
+              <a:rPr lang="en-US" sz="1400" spc="-10" dirty="0" err="1">
+                <a:latin typeface="Verdana"/>
+                <a:cs typeface="Verdana"/>
+              </a:rPr>
+              <a:t>sesuai</a:t>
+            </a:r>
+            <a:r>
+              <a:rPr lang="en-US" sz="1400" spc="-10" dirty="0">
+                <a:latin typeface="Verdana"/>
+                <a:cs typeface="Verdana"/>
+              </a:rPr>
+              <a:t> </a:t>
+            </a:r>
+            <a:r>
+              <a:rPr lang="en-US" sz="1400" spc="-10" dirty="0" err="1">
+                <a:latin typeface="Verdana"/>
+                <a:cs typeface="Verdana"/>
+              </a:rPr>
+              <a:t>dengan</a:t>
+            </a:r>
+            <a:r>
+              <a:rPr lang="en-US" sz="1400" spc="-10" dirty="0">
+                <a:latin typeface="Verdana"/>
+                <a:cs typeface="Verdana"/>
+              </a:rPr>
+              <a:t> </a:t>
+            </a:r>
+            <a:r>
+              <a:rPr lang="en-US" sz="1400" spc="-10" dirty="0" err="1">
+                <a:latin typeface="Verdana"/>
+                <a:cs typeface="Verdana"/>
+              </a:rPr>
+              <a:t>jumlahnya</a:t>
+            </a:r>
+            <a:r>
+              <a:rPr lang="en-US" sz="1400" spc="-10" dirty="0">
+                <a:latin typeface="Verdana"/>
+                <a:cs typeface="Verdana"/>
+              </a:rPr>
+              <a:t> pada </a:t>
+            </a:r>
+            <a:r>
+              <a:rPr lang="en-US" sz="1400" spc="-10" dirty="0" err="1">
+                <a:latin typeface="Verdana"/>
+                <a:cs typeface="Verdana"/>
+              </a:rPr>
+              <a:t>bulan</a:t>
+            </a:r>
+            <a:r>
+              <a:rPr lang="en-US" sz="1400" spc="-10" dirty="0">
+                <a:latin typeface="Verdana"/>
+                <a:cs typeface="Verdana"/>
+              </a:rPr>
+              <a:t> </a:t>
+            </a:r>
+            <a:r>
+              <a:rPr lang="en-US" sz="1400" spc="-10" dirty="0" err="1">
+                <a:latin typeface="Verdana"/>
+                <a:cs typeface="Verdana"/>
+              </a:rPr>
+              <a:t>tertentu</a:t>
+            </a:r>
+            <a:r>
+              <a:rPr lang="en-US" sz="1400" spc="-10" dirty="0">
+                <a:latin typeface="Verdana"/>
+                <a:cs typeface="Verdana"/>
+              </a:rPr>
+              <a:t> </a:t>
+            </a:r>
+            <a:r>
+              <a:rPr lang="en-US" sz="1400" spc="-10" dirty="0" err="1">
+                <a:latin typeface="Verdana"/>
+                <a:cs typeface="Verdana"/>
+              </a:rPr>
+              <a:t>merupakan</a:t>
+            </a:r>
+            <a:r>
+              <a:rPr lang="en-US" sz="1400" spc="-10" dirty="0">
+                <a:latin typeface="Verdana"/>
+                <a:cs typeface="Verdana"/>
+              </a:rPr>
+              <a:t> user yang </a:t>
+            </a:r>
+            <a:r>
+              <a:rPr lang="en-US" sz="1400" spc="-10" dirty="0" err="1">
+                <a:latin typeface="Verdana"/>
+                <a:cs typeface="Verdana"/>
+              </a:rPr>
+              <a:t>masih</a:t>
+            </a:r>
+            <a:r>
+              <a:rPr lang="en-US" sz="1400" spc="-10" dirty="0">
+                <a:latin typeface="Verdana"/>
+                <a:cs typeface="Verdana"/>
+              </a:rPr>
+              <a:t> single </a:t>
+            </a:r>
+            <a:r>
+              <a:rPr lang="en-US" sz="1400" spc="-10" dirty="0" err="1">
+                <a:latin typeface="Verdana"/>
+                <a:cs typeface="Verdana"/>
+              </a:rPr>
+              <a:t>dengan</a:t>
+            </a:r>
+            <a:r>
+              <a:rPr lang="en-US" sz="1400" spc="-10" dirty="0">
+                <a:latin typeface="Verdana"/>
+                <a:cs typeface="Verdana"/>
+              </a:rPr>
+              <a:t> </a:t>
+            </a:r>
+            <a:r>
+              <a:rPr lang="en-US" sz="1400" spc="-10" dirty="0" err="1">
+                <a:latin typeface="Verdana"/>
+                <a:cs typeface="Verdana"/>
+              </a:rPr>
+              <a:t>pendidikan</a:t>
+            </a:r>
+            <a:r>
+              <a:rPr lang="en-US" sz="1400" spc="-10" dirty="0">
+                <a:latin typeface="Verdana"/>
+                <a:cs typeface="Verdana"/>
+              </a:rPr>
+              <a:t> </a:t>
+            </a:r>
+            <a:r>
+              <a:rPr lang="en-US" sz="1400" spc="-10" dirty="0" err="1">
+                <a:latin typeface="Verdana"/>
+                <a:cs typeface="Verdana"/>
+              </a:rPr>
+              <a:t>tingkat</a:t>
+            </a:r>
+            <a:r>
+              <a:rPr lang="en-US" sz="1400" spc="-10" dirty="0">
+                <a:latin typeface="Verdana"/>
+                <a:cs typeface="Verdana"/>
+              </a:rPr>
+              <a:t> </a:t>
+            </a:r>
+            <a:r>
+              <a:rPr lang="en-US" sz="1400" spc="-10" dirty="0" err="1">
+                <a:latin typeface="Verdana"/>
+                <a:cs typeface="Verdana"/>
+              </a:rPr>
+              <a:t>terakhir</a:t>
+            </a:r>
+            <a:r>
+              <a:rPr lang="en-US" sz="1400" spc="-10" dirty="0">
+                <a:latin typeface="Verdana"/>
+                <a:cs typeface="Verdana"/>
+              </a:rPr>
+              <a:t> university. Karena </a:t>
+            </a:r>
+            <a:r>
+              <a:rPr lang="en-US" sz="1400" spc="-10" dirty="0" err="1">
+                <a:latin typeface="Verdana"/>
+                <a:cs typeface="Verdana"/>
+              </a:rPr>
+              <a:t>hal</a:t>
+            </a:r>
+            <a:r>
+              <a:rPr lang="en-US" sz="1400" spc="-10" dirty="0">
+                <a:latin typeface="Verdana"/>
+                <a:cs typeface="Verdana"/>
+              </a:rPr>
+              <a:t> </a:t>
+            </a:r>
+            <a:r>
+              <a:rPr lang="en-US" sz="1400" spc="-10" dirty="0" err="1">
+                <a:latin typeface="Verdana"/>
+                <a:cs typeface="Verdana"/>
+              </a:rPr>
+              <a:t>ini</a:t>
+            </a:r>
+            <a:r>
+              <a:rPr lang="en-US" sz="1400" spc="-10" dirty="0">
+                <a:latin typeface="Verdana"/>
+                <a:cs typeface="Verdana"/>
+              </a:rPr>
+              <a:t>, </a:t>
+            </a:r>
+            <a:r>
+              <a:rPr lang="en-US" sz="1400" spc="-10" dirty="0" err="1">
+                <a:latin typeface="Verdana"/>
+                <a:cs typeface="Verdana"/>
+              </a:rPr>
+              <a:t>perlu</a:t>
+            </a:r>
+            <a:r>
+              <a:rPr lang="en-US" sz="1400" spc="-10" dirty="0">
+                <a:latin typeface="Verdana"/>
+                <a:cs typeface="Verdana"/>
+              </a:rPr>
+              <a:t> </a:t>
+            </a:r>
+            <a:r>
+              <a:rPr lang="en-US" sz="1400" spc="-10" dirty="0" err="1">
+                <a:latin typeface="Verdana"/>
+                <a:cs typeface="Verdana"/>
+              </a:rPr>
+              <a:t>ada</a:t>
+            </a:r>
+            <a:r>
+              <a:rPr lang="en-US" sz="1400" spc="-10" dirty="0">
+                <a:latin typeface="Verdana"/>
+                <a:cs typeface="Verdana"/>
+              </a:rPr>
+              <a:t> </a:t>
+            </a:r>
+            <a:r>
+              <a:rPr lang="en-US" sz="1400" spc="-10" dirty="0" err="1">
+                <a:latin typeface="Verdana"/>
+                <a:cs typeface="Verdana"/>
+              </a:rPr>
+              <a:t>nya</a:t>
+            </a:r>
+            <a:r>
+              <a:rPr lang="en-US" sz="1400" spc="-10" dirty="0">
+                <a:latin typeface="Verdana"/>
+                <a:cs typeface="Verdana"/>
+              </a:rPr>
+              <a:t> </a:t>
+            </a:r>
+            <a:r>
+              <a:rPr lang="en-US" sz="1400" spc="-10" dirty="0" err="1">
+                <a:latin typeface="Verdana"/>
+                <a:cs typeface="Verdana"/>
+              </a:rPr>
+              <a:t>tinjauan</a:t>
+            </a:r>
+            <a:r>
+              <a:rPr lang="en-US" sz="1400" spc="-10" dirty="0">
+                <a:latin typeface="Verdana"/>
+                <a:cs typeface="Verdana"/>
+              </a:rPr>
+              <a:t> </a:t>
+            </a:r>
+            <a:r>
+              <a:rPr lang="en-US" sz="1400" spc="-10" dirty="0" err="1">
+                <a:latin typeface="Verdana"/>
+                <a:cs typeface="Verdana"/>
+              </a:rPr>
+              <a:t>khusus</a:t>
+            </a:r>
+            <a:r>
+              <a:rPr lang="en-US" sz="1400" spc="-10" dirty="0">
+                <a:latin typeface="Verdana"/>
+                <a:cs typeface="Verdana"/>
+              </a:rPr>
+              <a:t> </a:t>
+            </a:r>
+            <a:r>
+              <a:rPr lang="en-US" sz="1400" spc="-10" dirty="0" err="1">
+                <a:latin typeface="Verdana"/>
+                <a:cs typeface="Verdana"/>
+              </a:rPr>
+              <a:t>kedepannya</a:t>
+            </a:r>
+            <a:r>
+              <a:rPr lang="en-US" sz="1400" spc="-10" dirty="0">
+                <a:latin typeface="Verdana"/>
+                <a:cs typeface="Verdana"/>
+              </a:rPr>
+              <a:t> </a:t>
+            </a:r>
+            <a:r>
+              <a:rPr lang="en-US" sz="1400" spc="-10" dirty="0" err="1">
+                <a:latin typeface="Verdana"/>
+                <a:cs typeface="Verdana"/>
+              </a:rPr>
+              <a:t>untuk</a:t>
+            </a:r>
+            <a:r>
+              <a:rPr lang="en-US" sz="1400" spc="-10" dirty="0">
+                <a:latin typeface="Verdana"/>
+                <a:cs typeface="Verdana"/>
+              </a:rPr>
+              <a:t> </a:t>
+            </a:r>
+            <a:r>
+              <a:rPr lang="en-US" sz="1400" spc="-10" dirty="0" err="1">
+                <a:latin typeface="Verdana"/>
+                <a:cs typeface="Verdana"/>
+              </a:rPr>
+              <a:t>terkait</a:t>
+            </a:r>
+            <a:r>
+              <a:rPr lang="en-US" sz="1400" spc="-10" dirty="0">
+                <a:latin typeface="Verdana"/>
+                <a:cs typeface="Verdana"/>
+              </a:rPr>
+              <a:t> </a:t>
+            </a:r>
+            <a:r>
+              <a:rPr lang="en-US" sz="1400" spc="-10" dirty="0" err="1">
+                <a:latin typeface="Verdana"/>
+                <a:cs typeface="Verdana"/>
+              </a:rPr>
+              <a:t>masalah</a:t>
+            </a:r>
+            <a:r>
+              <a:rPr lang="en-US" sz="1400" spc="-10" dirty="0">
+                <a:latin typeface="Verdana"/>
+                <a:cs typeface="Verdana"/>
+              </a:rPr>
+              <a:t> </a:t>
+            </a:r>
+            <a:r>
+              <a:rPr lang="en-US" sz="1400" spc="-10" dirty="0" err="1">
+                <a:latin typeface="Verdana"/>
+                <a:cs typeface="Verdana"/>
+              </a:rPr>
+              <a:t>ini</a:t>
+            </a:r>
+            <a:endParaRPr lang="en-US" sz="1400" spc="-10" dirty="0">
+              <a:latin typeface="Verdana"/>
+              <a:cs typeface="Verdana"/>
+            </a:endParaRPr>
+          </a:p>
+          <a:p>
+            <a:pPr marL="12700" marR="5080">
+              <a:lnSpc>
+                <a:spcPct val="114999"/>
+              </a:lnSpc>
+              <a:spcBef>
+                <a:spcPts val="100"/>
+              </a:spcBef>
+            </a:pPr>
+            <a:endParaRPr lang="en-US" sz="1400" spc="-10" dirty="0">
+              <a:latin typeface="Verdana"/>
+              <a:cs typeface="Verdana"/>
+            </a:endParaRPr>
+          </a:p>
+          <a:p>
+            <a:pPr marL="12700" marR="5080">
+              <a:lnSpc>
+                <a:spcPct val="114999"/>
+              </a:lnSpc>
+              <a:spcBef>
+                <a:spcPts val="100"/>
+              </a:spcBef>
+            </a:pPr>
+            <a:r>
+              <a:rPr lang="en-US" sz="1400" spc="-10" dirty="0">
+                <a:latin typeface="Verdana"/>
+                <a:cs typeface="Verdana"/>
+              </a:rPr>
+              <a:t>BUSINESS RECOMMENDATION</a:t>
+            </a:r>
+          </a:p>
+          <a:p>
+            <a:pPr marL="12700" marR="5080">
+              <a:lnSpc>
+                <a:spcPct val="114999"/>
+              </a:lnSpc>
+              <a:spcBef>
+                <a:spcPts val="100"/>
+              </a:spcBef>
+            </a:pPr>
+            <a:r>
+              <a:rPr lang="en-US" sz="1400" spc="-10" dirty="0">
+                <a:latin typeface="Verdana"/>
+                <a:cs typeface="Verdana"/>
+              </a:rPr>
+              <a:t>Dari </a:t>
+            </a:r>
+            <a:r>
+              <a:rPr lang="en-US" sz="1400" spc="-10" dirty="0" err="1">
+                <a:latin typeface="Verdana"/>
+                <a:cs typeface="Verdana"/>
+              </a:rPr>
+              <a:t>beberapa</a:t>
+            </a:r>
+            <a:r>
+              <a:rPr lang="en-US" sz="1400" spc="-10" dirty="0">
+                <a:latin typeface="Verdana"/>
+                <a:cs typeface="Verdana"/>
+              </a:rPr>
+              <a:t> insight </a:t>
+            </a:r>
+            <a:r>
+              <a:rPr lang="en-US" sz="1400" spc="-10" dirty="0" err="1">
+                <a:latin typeface="Verdana"/>
+                <a:cs typeface="Verdana"/>
+              </a:rPr>
+              <a:t>tersebut</a:t>
+            </a:r>
+            <a:r>
+              <a:rPr lang="en-US" sz="1400" spc="-10" dirty="0">
+                <a:latin typeface="Verdana"/>
+                <a:cs typeface="Verdana"/>
+              </a:rPr>
+              <a:t>, </a:t>
+            </a:r>
+            <a:r>
+              <a:rPr lang="en-US" sz="1400" spc="-10" dirty="0" err="1">
+                <a:latin typeface="Verdana"/>
+                <a:cs typeface="Verdana"/>
+              </a:rPr>
+              <a:t>dapat</a:t>
+            </a:r>
+            <a:r>
+              <a:rPr lang="en-US" sz="1400" spc="-10" dirty="0">
+                <a:latin typeface="Verdana"/>
+                <a:cs typeface="Verdana"/>
+              </a:rPr>
+              <a:t> </a:t>
+            </a:r>
+            <a:r>
+              <a:rPr lang="en-US" sz="1400" spc="-10" dirty="0" err="1">
+                <a:latin typeface="Verdana"/>
+                <a:cs typeface="Verdana"/>
+              </a:rPr>
+              <a:t>diberikan</a:t>
+            </a:r>
+            <a:r>
+              <a:rPr lang="en-US" sz="1400" spc="-10" dirty="0">
+                <a:latin typeface="Verdana"/>
+                <a:cs typeface="Verdana"/>
+              </a:rPr>
+              <a:t> </a:t>
+            </a:r>
+            <a:r>
+              <a:rPr lang="en-US" sz="1400" spc="-10" dirty="0" err="1">
+                <a:latin typeface="Verdana"/>
+                <a:cs typeface="Verdana"/>
+              </a:rPr>
+              <a:t>rekomendasi</a:t>
+            </a:r>
+            <a:r>
+              <a:rPr lang="en-US" sz="1400" spc="-10" dirty="0">
+                <a:latin typeface="Verdana"/>
+                <a:cs typeface="Verdana"/>
+              </a:rPr>
+              <a:t> </a:t>
+            </a:r>
+            <a:r>
+              <a:rPr lang="en-US" sz="1400" spc="-10" dirty="0" err="1">
+                <a:latin typeface="Verdana"/>
+                <a:cs typeface="Verdana"/>
+              </a:rPr>
+              <a:t>kepada</a:t>
+            </a:r>
+            <a:r>
+              <a:rPr lang="en-US" sz="1400" spc="-10" dirty="0">
+                <a:latin typeface="Verdana"/>
+                <a:cs typeface="Verdana"/>
+              </a:rPr>
+              <a:t> bank </a:t>
+            </a:r>
+            <a:r>
+              <a:rPr lang="en-US" sz="1400" spc="-10" dirty="0" err="1">
+                <a:latin typeface="Verdana"/>
+                <a:cs typeface="Verdana"/>
+              </a:rPr>
+              <a:t>untuk</a:t>
+            </a:r>
+            <a:r>
+              <a:rPr lang="en-US" sz="1400" spc="-10" dirty="0">
+                <a:latin typeface="Verdana"/>
+                <a:cs typeface="Verdana"/>
+              </a:rPr>
+              <a:t> </a:t>
+            </a:r>
+            <a:r>
+              <a:rPr lang="en-US" sz="1400" spc="-10" dirty="0" err="1">
+                <a:latin typeface="Verdana"/>
+                <a:cs typeface="Verdana"/>
+              </a:rPr>
+              <a:t>membuat</a:t>
+            </a:r>
+            <a:r>
+              <a:rPr lang="en-US" sz="1400" spc="-10" dirty="0">
+                <a:latin typeface="Verdana"/>
+                <a:cs typeface="Verdana"/>
+              </a:rPr>
+              <a:t> </a:t>
+            </a:r>
+            <a:r>
+              <a:rPr lang="en-US" sz="1400" spc="-10" dirty="0" err="1">
+                <a:latin typeface="Verdana"/>
+                <a:cs typeface="Verdana"/>
+              </a:rPr>
+              <a:t>suatu</a:t>
+            </a:r>
+            <a:r>
+              <a:rPr lang="en-US" sz="1400" spc="-10" dirty="0">
+                <a:latin typeface="Verdana"/>
+                <a:cs typeface="Verdana"/>
+              </a:rPr>
+              <a:t> model </a:t>
+            </a:r>
+            <a:r>
+              <a:rPr lang="en-US" sz="1400" spc="-10" dirty="0" err="1">
+                <a:latin typeface="Verdana"/>
+                <a:cs typeface="Verdana"/>
+              </a:rPr>
+              <a:t>atau</a:t>
+            </a:r>
+            <a:r>
+              <a:rPr lang="en-US" sz="1400" spc="-10" dirty="0">
+                <a:latin typeface="Verdana"/>
+                <a:cs typeface="Verdana"/>
+              </a:rPr>
+              <a:t> </a:t>
+            </a:r>
+            <a:r>
+              <a:rPr lang="en-US" sz="1400" spc="-10" dirty="0" err="1">
+                <a:latin typeface="Verdana"/>
+                <a:cs typeface="Verdana"/>
+              </a:rPr>
+              <a:t>sistem</a:t>
+            </a:r>
+            <a:r>
+              <a:rPr lang="en-US" sz="1400" spc="-10" dirty="0">
+                <a:latin typeface="Verdana"/>
+                <a:cs typeface="Verdana"/>
+              </a:rPr>
+              <a:t> yang </a:t>
+            </a:r>
+            <a:r>
+              <a:rPr lang="en-US" sz="1400" spc="-10" dirty="0" err="1">
+                <a:latin typeface="Verdana"/>
+                <a:cs typeface="Verdana"/>
+              </a:rPr>
+              <a:t>dapat</a:t>
+            </a:r>
+            <a:r>
+              <a:rPr lang="en-US" sz="1400" spc="-10" dirty="0">
+                <a:latin typeface="Verdana"/>
+                <a:cs typeface="Verdana"/>
+              </a:rPr>
+              <a:t> </a:t>
+            </a:r>
+            <a:r>
+              <a:rPr lang="en-US" sz="1400" spc="-10" dirty="0" err="1">
+                <a:latin typeface="Verdana"/>
+                <a:cs typeface="Verdana"/>
+              </a:rPr>
+              <a:t>memprediksi</a:t>
+            </a:r>
+            <a:r>
+              <a:rPr lang="en-US" sz="1400" spc="-10" dirty="0">
+                <a:latin typeface="Verdana"/>
+                <a:cs typeface="Verdana"/>
+              </a:rPr>
+              <a:t> </a:t>
+            </a:r>
+            <a:r>
+              <a:rPr lang="en-US" sz="1400" spc="-10" dirty="0" err="1">
+                <a:latin typeface="Verdana"/>
+                <a:cs typeface="Verdana"/>
+              </a:rPr>
+              <a:t>apakah</a:t>
+            </a:r>
+            <a:r>
+              <a:rPr lang="en-US" sz="1400" spc="-10" dirty="0">
+                <a:latin typeface="Verdana"/>
+                <a:cs typeface="Verdana"/>
+              </a:rPr>
+              <a:t> </a:t>
+            </a:r>
+            <a:r>
+              <a:rPr lang="en-US" sz="1400" spc="-10" dirty="0" err="1">
+                <a:latin typeface="Verdana"/>
+                <a:cs typeface="Verdana"/>
+              </a:rPr>
+              <a:t>nasabah</a:t>
+            </a:r>
+            <a:r>
+              <a:rPr lang="en-US" sz="1400" spc="-10" dirty="0">
+                <a:latin typeface="Verdana"/>
+                <a:cs typeface="Verdana"/>
+              </a:rPr>
+              <a:t> </a:t>
+            </a:r>
+            <a:r>
+              <a:rPr lang="en-US" sz="1400" spc="-10" dirty="0" err="1">
+                <a:latin typeface="Verdana"/>
+                <a:cs typeface="Verdana"/>
+              </a:rPr>
+              <a:t>dapat</a:t>
+            </a:r>
+            <a:r>
+              <a:rPr lang="en-US" sz="1400" spc="-10" dirty="0">
+                <a:latin typeface="Verdana"/>
+                <a:cs typeface="Verdana"/>
+              </a:rPr>
+              <a:t> </a:t>
+            </a:r>
+            <a:r>
+              <a:rPr lang="en-US" sz="1400" spc="-10" dirty="0" err="1">
+                <a:latin typeface="Verdana"/>
+                <a:cs typeface="Verdana"/>
+              </a:rPr>
+              <a:t>membayar</a:t>
+            </a:r>
+            <a:r>
+              <a:rPr lang="en-US" sz="1400" spc="-10" dirty="0">
+                <a:latin typeface="Verdana"/>
+                <a:cs typeface="Verdana"/>
+              </a:rPr>
+              <a:t> </a:t>
+            </a:r>
+            <a:r>
+              <a:rPr lang="en-US" sz="1400" spc="-10" dirty="0" err="1">
+                <a:latin typeface="Verdana"/>
+                <a:cs typeface="Verdana"/>
+              </a:rPr>
+              <a:t>tagihan</a:t>
+            </a:r>
+            <a:r>
+              <a:rPr lang="en-US" sz="1400" spc="-10" dirty="0">
+                <a:latin typeface="Verdana"/>
+                <a:cs typeface="Verdana"/>
+              </a:rPr>
+              <a:t> </a:t>
+            </a:r>
+            <a:r>
+              <a:rPr lang="en-US" sz="1400" spc="-10" dirty="0" err="1">
+                <a:latin typeface="Verdana"/>
+                <a:cs typeface="Verdana"/>
+              </a:rPr>
+              <a:t>kartu</a:t>
+            </a:r>
+            <a:r>
+              <a:rPr lang="en-US" sz="1400" spc="-10" dirty="0">
+                <a:latin typeface="Verdana"/>
+                <a:cs typeface="Verdana"/>
+              </a:rPr>
+              <a:t> </a:t>
+            </a:r>
+            <a:r>
+              <a:rPr lang="en-US" sz="1400" spc="-10" dirty="0" err="1">
+                <a:latin typeface="Verdana"/>
+                <a:cs typeface="Verdana"/>
+              </a:rPr>
+              <a:t>kreditnya</a:t>
+            </a:r>
+            <a:r>
+              <a:rPr lang="en-US" sz="1400" spc="-10" dirty="0">
+                <a:latin typeface="Verdana"/>
+                <a:cs typeface="Verdana"/>
+              </a:rPr>
+              <a:t> </a:t>
+            </a:r>
+            <a:r>
+              <a:rPr lang="en-US" sz="1400" spc="-10" dirty="0" err="1">
+                <a:latin typeface="Verdana"/>
+                <a:cs typeface="Verdana"/>
+              </a:rPr>
+              <a:t>bulan</a:t>
+            </a:r>
+            <a:r>
+              <a:rPr lang="en-US" sz="1400" spc="-10" dirty="0">
+                <a:latin typeface="Verdana"/>
+                <a:cs typeface="Verdana"/>
+              </a:rPr>
+              <a:t> </a:t>
+            </a:r>
+            <a:r>
+              <a:rPr lang="en-US" sz="1400" spc="-10" dirty="0" err="1">
+                <a:latin typeface="Verdana"/>
+                <a:cs typeface="Verdana"/>
+              </a:rPr>
+              <a:t>depan</a:t>
+            </a:r>
+            <a:r>
+              <a:rPr lang="en-US" sz="1400" spc="-10" dirty="0">
+                <a:latin typeface="Verdana"/>
+                <a:cs typeface="Verdana"/>
+              </a:rPr>
+              <a:t>. </a:t>
+            </a:r>
+            <a:r>
+              <a:rPr lang="en-US" sz="1400" spc="-10" dirty="0" err="1">
+                <a:latin typeface="Verdana"/>
+                <a:cs typeface="Verdana"/>
+              </a:rPr>
+              <a:t>Dengan</a:t>
+            </a:r>
+            <a:r>
+              <a:rPr lang="en-US" sz="1400" spc="-10" dirty="0">
+                <a:latin typeface="Verdana"/>
+                <a:cs typeface="Verdana"/>
+              </a:rPr>
+              <a:t> model </a:t>
+            </a:r>
+            <a:r>
+              <a:rPr lang="en-US" sz="1400" spc="-10" dirty="0" err="1">
+                <a:latin typeface="Verdana"/>
+                <a:cs typeface="Verdana"/>
+              </a:rPr>
+              <a:t>ini</a:t>
+            </a:r>
+            <a:r>
+              <a:rPr lang="en-US" sz="1400" spc="-10" dirty="0">
+                <a:latin typeface="Verdana"/>
+                <a:cs typeface="Verdana"/>
+              </a:rPr>
+              <a:t>, bank </a:t>
+            </a:r>
+            <a:r>
+              <a:rPr lang="en-US" sz="1400" spc="-10" dirty="0" err="1">
+                <a:latin typeface="Verdana"/>
+                <a:cs typeface="Verdana"/>
+              </a:rPr>
+              <a:t>dapat</a:t>
+            </a:r>
+            <a:r>
+              <a:rPr lang="en-US" sz="1400" spc="-10" dirty="0">
+                <a:latin typeface="Verdana"/>
+                <a:cs typeface="Verdana"/>
+              </a:rPr>
+              <a:t> </a:t>
+            </a:r>
+            <a:r>
+              <a:rPr lang="en-US" sz="1400" spc="-10" dirty="0" err="1">
+                <a:latin typeface="Verdana"/>
+                <a:cs typeface="Verdana"/>
+              </a:rPr>
+              <a:t>memprediksi</a:t>
+            </a:r>
+            <a:r>
+              <a:rPr lang="en-US" sz="1400" spc="-10" dirty="0">
+                <a:latin typeface="Verdana"/>
+                <a:cs typeface="Verdana"/>
+              </a:rPr>
+              <a:t> </a:t>
+            </a:r>
+            <a:r>
+              <a:rPr lang="en-US" sz="1400" spc="-10" dirty="0" err="1">
+                <a:latin typeface="Verdana"/>
+                <a:cs typeface="Verdana"/>
+              </a:rPr>
+              <a:t>nasabah</a:t>
+            </a:r>
+            <a:r>
+              <a:rPr lang="en-US" sz="1400" spc="-10" dirty="0">
+                <a:latin typeface="Verdana"/>
+                <a:cs typeface="Verdana"/>
+              </a:rPr>
+              <a:t> mana </a:t>
+            </a:r>
+            <a:r>
+              <a:rPr lang="en-US" sz="1400" spc="-10" dirty="0" err="1">
+                <a:latin typeface="Verdana"/>
+                <a:cs typeface="Verdana"/>
+              </a:rPr>
+              <a:t>saja</a:t>
+            </a:r>
+            <a:r>
+              <a:rPr lang="en-US" sz="1400" spc="-10" dirty="0">
+                <a:latin typeface="Verdana"/>
+                <a:cs typeface="Verdana"/>
+              </a:rPr>
+              <a:t> yang </a:t>
+            </a:r>
+            <a:r>
+              <a:rPr lang="en-US" sz="1400" spc="-10" dirty="0" err="1">
+                <a:latin typeface="Verdana"/>
+                <a:cs typeface="Verdana"/>
+              </a:rPr>
+              <a:t>berpotensi</a:t>
+            </a:r>
+            <a:r>
+              <a:rPr lang="en-US" sz="1400" spc="-10" dirty="0">
+                <a:latin typeface="Verdana"/>
+                <a:cs typeface="Verdana"/>
+              </a:rPr>
+              <a:t> </a:t>
+            </a:r>
+            <a:r>
+              <a:rPr lang="en-US" sz="1400" spc="-10" dirty="0" err="1">
+                <a:latin typeface="Verdana"/>
+                <a:cs typeface="Verdana"/>
+              </a:rPr>
+              <a:t>untuk</a:t>
+            </a:r>
+            <a:r>
+              <a:rPr lang="en-US" sz="1400" spc="-10" dirty="0">
+                <a:latin typeface="Verdana"/>
+                <a:cs typeface="Verdana"/>
+              </a:rPr>
+              <a:t> </a:t>
+            </a:r>
+            <a:r>
+              <a:rPr lang="en-US" sz="1400" spc="-10" dirty="0" err="1">
+                <a:latin typeface="Verdana"/>
+                <a:cs typeface="Verdana"/>
+              </a:rPr>
+              <a:t>gagal</a:t>
+            </a:r>
+            <a:r>
+              <a:rPr lang="en-US" sz="1400" spc="-10" dirty="0">
+                <a:latin typeface="Verdana"/>
+                <a:cs typeface="Verdana"/>
+              </a:rPr>
+              <a:t> </a:t>
+            </a:r>
+            <a:r>
+              <a:rPr lang="en-US" sz="1400" spc="-10" dirty="0" err="1">
+                <a:latin typeface="Verdana"/>
+                <a:cs typeface="Verdana"/>
+              </a:rPr>
+              <a:t>bayar</a:t>
+            </a:r>
+            <a:r>
+              <a:rPr lang="en-US" sz="1400" spc="-10" dirty="0">
+                <a:latin typeface="Verdana"/>
+                <a:cs typeface="Verdana"/>
+              </a:rPr>
+              <a:t> di </a:t>
+            </a:r>
+            <a:r>
+              <a:rPr lang="en-US" sz="1400" spc="-10" dirty="0" err="1">
+                <a:latin typeface="Verdana"/>
+                <a:cs typeface="Verdana"/>
+              </a:rPr>
+              <a:t>bulan</a:t>
+            </a:r>
+            <a:r>
+              <a:rPr lang="en-US" sz="1400" spc="-10" dirty="0">
+                <a:latin typeface="Verdana"/>
+                <a:cs typeface="Verdana"/>
+              </a:rPr>
+              <a:t> </a:t>
+            </a:r>
+            <a:r>
+              <a:rPr lang="en-US" sz="1400" spc="-10" dirty="0" err="1">
+                <a:latin typeface="Verdana"/>
+                <a:cs typeface="Verdana"/>
+              </a:rPr>
+              <a:t>depan</a:t>
+            </a:r>
+            <a:r>
+              <a:rPr lang="en-US" sz="1400" spc="-10" dirty="0">
+                <a:latin typeface="Verdana"/>
+                <a:cs typeface="Verdana"/>
+              </a:rPr>
+              <a:t>, </a:t>
+            </a:r>
+            <a:r>
+              <a:rPr lang="en-US" sz="1400" spc="-10" dirty="0" err="1">
+                <a:latin typeface="Verdana"/>
+                <a:cs typeface="Verdana"/>
+              </a:rPr>
+              <a:t>sehingga</a:t>
+            </a:r>
+            <a:r>
+              <a:rPr lang="en-US" sz="1400" spc="-10" dirty="0">
+                <a:latin typeface="Verdana"/>
+                <a:cs typeface="Verdana"/>
+              </a:rPr>
+              <a:t> bank </a:t>
+            </a:r>
+            <a:r>
+              <a:rPr lang="en-US" sz="1400" spc="-10" dirty="0" err="1">
+                <a:latin typeface="Verdana"/>
+                <a:cs typeface="Verdana"/>
+              </a:rPr>
+              <a:t>dapat</a:t>
+            </a:r>
+            <a:r>
+              <a:rPr lang="en-US" sz="1400" spc="-10" dirty="0">
+                <a:latin typeface="Verdana"/>
+                <a:cs typeface="Verdana"/>
+              </a:rPr>
+              <a:t> </a:t>
+            </a:r>
+            <a:r>
+              <a:rPr lang="en-US" sz="1400" spc="-10" dirty="0" err="1">
+                <a:latin typeface="Verdana"/>
+                <a:cs typeface="Verdana"/>
+              </a:rPr>
+              <a:t>melakukan</a:t>
+            </a:r>
+            <a:r>
+              <a:rPr lang="en-US" sz="1400" spc="-10" dirty="0">
+                <a:latin typeface="Verdana"/>
+                <a:cs typeface="Verdana"/>
+              </a:rPr>
+              <a:t> review </a:t>
+            </a:r>
+            <a:r>
+              <a:rPr lang="en-US" sz="1400" spc="-10" dirty="0" err="1">
+                <a:latin typeface="Verdana"/>
+                <a:cs typeface="Verdana"/>
+              </a:rPr>
+              <a:t>lagi</a:t>
+            </a:r>
+            <a:r>
+              <a:rPr lang="en-US" sz="1400" spc="-10" dirty="0">
+                <a:latin typeface="Verdana"/>
+                <a:cs typeface="Verdana"/>
+              </a:rPr>
+              <a:t> dan </a:t>
+            </a:r>
+            <a:r>
+              <a:rPr lang="en-US" sz="1400" spc="-10" dirty="0" err="1">
+                <a:latin typeface="Verdana"/>
+                <a:cs typeface="Verdana"/>
+              </a:rPr>
+              <a:t>memberikan</a:t>
+            </a:r>
+            <a:r>
+              <a:rPr lang="en-US" sz="1400" spc="-10" dirty="0">
+                <a:latin typeface="Verdana"/>
+                <a:cs typeface="Verdana"/>
+              </a:rPr>
+              <a:t> treatment </a:t>
+            </a:r>
+            <a:r>
+              <a:rPr lang="en-US" sz="1400" spc="-10" dirty="0" err="1">
+                <a:latin typeface="Verdana"/>
+                <a:cs typeface="Verdana"/>
+              </a:rPr>
+              <a:t>khusus</a:t>
+            </a:r>
+            <a:r>
+              <a:rPr lang="en-US" sz="1400" spc="-10" dirty="0">
+                <a:latin typeface="Verdana"/>
+                <a:cs typeface="Verdana"/>
+              </a:rPr>
+              <a:t> </a:t>
+            </a:r>
+            <a:r>
+              <a:rPr lang="en-US" sz="1400" spc="-10" dirty="0" err="1">
+                <a:latin typeface="Verdana"/>
+                <a:cs typeface="Verdana"/>
+              </a:rPr>
+              <a:t>kepada</a:t>
+            </a:r>
+            <a:r>
+              <a:rPr lang="en-US" sz="1400" spc="-10" dirty="0">
+                <a:latin typeface="Verdana"/>
+                <a:cs typeface="Verdana"/>
+              </a:rPr>
+              <a:t> </a:t>
+            </a:r>
+            <a:r>
+              <a:rPr lang="en-US" sz="1400" spc="-10" dirty="0" err="1">
+                <a:latin typeface="Verdana"/>
+                <a:cs typeface="Verdana"/>
+              </a:rPr>
+              <a:t>nasabah</a:t>
+            </a:r>
+            <a:r>
+              <a:rPr lang="en-US" sz="1400" spc="-10" dirty="0">
+                <a:latin typeface="Verdana"/>
+                <a:cs typeface="Verdana"/>
+              </a:rPr>
+              <a:t> </a:t>
+            </a:r>
+            <a:r>
+              <a:rPr lang="en-US" sz="1400" spc="-10" dirty="0" err="1">
+                <a:latin typeface="Verdana"/>
+                <a:cs typeface="Verdana"/>
+              </a:rPr>
+              <a:t>tersebut</a:t>
+            </a:r>
+            <a:r>
+              <a:rPr lang="en-US" sz="1400" spc="-10" dirty="0">
+                <a:latin typeface="Verdana"/>
+                <a:cs typeface="Verdana"/>
+              </a:rPr>
+              <a:t> </a:t>
+            </a:r>
+            <a:r>
+              <a:rPr lang="en-US" sz="1400" spc="-10" dirty="0" err="1">
+                <a:latin typeface="Verdana"/>
+                <a:cs typeface="Verdana"/>
+              </a:rPr>
+              <a:t>seperti</a:t>
+            </a:r>
+            <a:r>
+              <a:rPr lang="en-US" sz="1400" spc="-10" dirty="0">
+                <a:latin typeface="Verdana"/>
+                <a:cs typeface="Verdana"/>
+              </a:rPr>
+              <a:t> </a:t>
+            </a:r>
+            <a:r>
+              <a:rPr lang="en-US" sz="1400" spc="-10" dirty="0" err="1">
+                <a:latin typeface="Verdana"/>
+                <a:cs typeface="Verdana"/>
+              </a:rPr>
+              <a:t>diberikan</a:t>
+            </a:r>
+            <a:r>
+              <a:rPr lang="en-US" sz="1400" spc="-10" dirty="0">
+                <a:latin typeface="Verdana"/>
+                <a:cs typeface="Verdana"/>
+              </a:rPr>
+              <a:t> reminder </a:t>
+            </a:r>
+            <a:r>
+              <a:rPr lang="en-US" sz="1400" spc="-10" dirty="0" err="1">
+                <a:latin typeface="Verdana"/>
+                <a:cs typeface="Verdana"/>
+              </a:rPr>
+              <a:t>khusus</a:t>
+            </a:r>
+            <a:r>
+              <a:rPr lang="en-US" sz="1400" spc="-10" dirty="0">
+                <a:latin typeface="Verdana"/>
+                <a:cs typeface="Verdana"/>
+              </a:rPr>
+              <a:t>, </a:t>
+            </a:r>
+            <a:r>
+              <a:rPr lang="en-US" sz="1400" spc="-10" dirty="0" err="1">
+                <a:latin typeface="Verdana"/>
+                <a:cs typeface="Verdana"/>
+              </a:rPr>
+              <a:t>membatasi</a:t>
+            </a:r>
+            <a:r>
+              <a:rPr lang="en-US" sz="1400" spc="-10" dirty="0">
+                <a:latin typeface="Verdana"/>
+                <a:cs typeface="Verdana"/>
+              </a:rPr>
+              <a:t> </a:t>
+            </a:r>
+            <a:r>
+              <a:rPr lang="en-US" sz="1400" spc="-10" dirty="0" err="1">
+                <a:latin typeface="Verdana"/>
+                <a:cs typeface="Verdana"/>
+              </a:rPr>
+              <a:t>kembali</a:t>
+            </a:r>
+            <a:r>
+              <a:rPr lang="en-US" sz="1400" spc="-10" dirty="0">
+                <a:latin typeface="Verdana"/>
+                <a:cs typeface="Verdana"/>
+              </a:rPr>
+              <a:t> limit </a:t>
+            </a:r>
+            <a:r>
+              <a:rPr lang="en-US" sz="1400" spc="-10" dirty="0" err="1">
+                <a:latin typeface="Verdana"/>
+                <a:cs typeface="Verdana"/>
+              </a:rPr>
+              <a:t>kartu</a:t>
+            </a:r>
+            <a:r>
+              <a:rPr lang="en-US" sz="1400" spc="-10" dirty="0">
+                <a:latin typeface="Verdana"/>
+                <a:cs typeface="Verdana"/>
+              </a:rPr>
+              <a:t> </a:t>
+            </a:r>
+            <a:r>
+              <a:rPr lang="en-US" sz="1400" spc="-10" dirty="0" err="1">
+                <a:latin typeface="Verdana"/>
+                <a:cs typeface="Verdana"/>
+              </a:rPr>
+              <a:t>kredit</a:t>
+            </a:r>
+            <a:r>
+              <a:rPr lang="en-US" sz="1400" spc="-10" dirty="0">
+                <a:latin typeface="Verdana"/>
+                <a:cs typeface="Verdana"/>
+              </a:rPr>
+              <a:t> yang </a:t>
+            </a:r>
+            <a:r>
+              <a:rPr lang="en-US" sz="1400" spc="-10" dirty="0" err="1">
+                <a:latin typeface="Verdana"/>
+                <a:cs typeface="Verdana"/>
+              </a:rPr>
+              <a:t>diberikan</a:t>
+            </a:r>
+            <a:r>
+              <a:rPr lang="en-US" sz="1400" spc="-10" dirty="0">
+                <a:latin typeface="Verdana"/>
+                <a:cs typeface="Verdana"/>
+              </a:rPr>
+              <a:t>, </a:t>
+            </a:r>
+            <a:r>
+              <a:rPr lang="en-US" sz="1400" spc="-10" dirty="0" err="1">
+                <a:latin typeface="Verdana"/>
+                <a:cs typeface="Verdana"/>
+              </a:rPr>
+              <a:t>atau</a:t>
+            </a:r>
+            <a:r>
+              <a:rPr lang="en-US" sz="1400" spc="-10" dirty="0">
+                <a:latin typeface="Verdana"/>
+                <a:cs typeface="Verdana"/>
+              </a:rPr>
+              <a:t> </a:t>
+            </a:r>
+            <a:r>
+              <a:rPr lang="en-US" sz="1400" spc="-10" dirty="0" err="1">
+                <a:latin typeface="Verdana"/>
+                <a:cs typeface="Verdana"/>
+              </a:rPr>
+              <a:t>bahkan</a:t>
+            </a:r>
+            <a:r>
+              <a:rPr lang="en-US" sz="1400" spc="-10" dirty="0">
+                <a:latin typeface="Verdana"/>
+                <a:cs typeface="Verdana"/>
+              </a:rPr>
+              <a:t> </a:t>
+            </a:r>
+            <a:r>
+              <a:rPr lang="en-US" sz="1400" spc="-10" dirty="0" err="1">
+                <a:latin typeface="Verdana"/>
+                <a:cs typeface="Verdana"/>
+              </a:rPr>
+              <a:t>menghentikan</a:t>
+            </a:r>
+            <a:r>
+              <a:rPr lang="en-US" sz="1400" spc="-10" dirty="0">
+                <a:latin typeface="Verdana"/>
+                <a:cs typeface="Verdana"/>
+              </a:rPr>
+              <a:t> </a:t>
+            </a:r>
+            <a:r>
+              <a:rPr lang="en-US" sz="1400" spc="-10" dirty="0" err="1">
+                <a:latin typeface="Verdana"/>
+                <a:cs typeface="Verdana"/>
+              </a:rPr>
+              <a:t>kartu</a:t>
+            </a:r>
+            <a:r>
+              <a:rPr lang="en-US" sz="1400" spc="-10" dirty="0">
+                <a:latin typeface="Verdana"/>
+                <a:cs typeface="Verdana"/>
+              </a:rPr>
+              <a:t> </a:t>
+            </a:r>
+            <a:r>
+              <a:rPr lang="en-US" sz="1400" spc="-10" dirty="0" err="1">
+                <a:latin typeface="Verdana"/>
+                <a:cs typeface="Verdana"/>
+              </a:rPr>
+              <a:t>kredit</a:t>
+            </a:r>
+            <a:r>
+              <a:rPr lang="en-US" sz="1400" spc="-10" dirty="0">
+                <a:latin typeface="Verdana"/>
+                <a:cs typeface="Verdana"/>
+              </a:rPr>
+              <a:t> </a:t>
+            </a:r>
+            <a:r>
+              <a:rPr lang="en-US" sz="1400" spc="-10" dirty="0" err="1">
+                <a:latin typeface="Verdana"/>
+                <a:cs typeface="Verdana"/>
+              </a:rPr>
+              <a:t>nasabah</a:t>
+            </a:r>
+            <a:r>
+              <a:rPr lang="en-US" sz="1400" spc="-10" dirty="0">
+                <a:latin typeface="Verdana"/>
+                <a:cs typeface="Verdana"/>
+              </a:rPr>
+              <a:t> </a:t>
+            </a:r>
+            <a:r>
+              <a:rPr lang="en-US" sz="1400" spc="-10" dirty="0" err="1">
+                <a:latin typeface="Verdana"/>
+                <a:cs typeface="Verdana"/>
+              </a:rPr>
+              <a:t>tersebut</a:t>
+            </a:r>
+            <a:r>
+              <a:rPr lang="en-US" sz="1400" spc="-10" dirty="0">
+                <a:latin typeface="Verdana"/>
+                <a:cs typeface="Verdana"/>
+              </a:rPr>
+              <a:t> pada </a:t>
+            </a:r>
+            <a:r>
+              <a:rPr lang="en-US" sz="1400" spc="-10" dirty="0" err="1">
+                <a:latin typeface="Verdana"/>
+                <a:cs typeface="Verdana"/>
+              </a:rPr>
+              <a:t>bulan</a:t>
+            </a:r>
+            <a:r>
+              <a:rPr lang="en-US" sz="1400" spc="-10" dirty="0">
+                <a:latin typeface="Verdana"/>
+                <a:cs typeface="Verdana"/>
+              </a:rPr>
+              <a:t> </a:t>
+            </a:r>
+            <a:r>
+              <a:rPr lang="en-US" sz="1400" spc="-10" dirty="0" err="1">
+                <a:latin typeface="Verdana"/>
+                <a:cs typeface="Verdana"/>
+              </a:rPr>
+              <a:t>selanjutnya</a:t>
+            </a:r>
+            <a:r>
+              <a:rPr lang="en-US" sz="1400" spc="-10" dirty="0">
+                <a:latin typeface="Verdana"/>
+                <a:cs typeface="Verdana"/>
+              </a:rPr>
+              <a:t>.</a:t>
+            </a:r>
+          </a:p>
+        </p:txBody>
+      </p:sp>
+    </p:spTree>
+    <p:extLst>
+      <p:ext uri="{BB962C8B-B14F-4D97-AF65-F5344CB8AC3E}">
+        <p14:creationId xmlns:p14="http://schemas.microsoft.com/office/powerpoint/2010/main" val="2998860100"/>
+      </p:ext>
+    </p:extLst>
+  </p:cSld>
+  <p:clrMapOvr>
+    <a:masterClrMapping/>
+  </p:clrMapOvr>
+</p:sld>
+</file>
+
+<file path=ppt/slides/slide12.xml><?xml version="1.0" encoding="utf-8"?>
+<p:sld xmlns:a="http://schemas.openxmlformats.org/drawingml/2006/main" xmlns:r="http://schemas.openxmlformats.org/officeDocument/2006/relationships" xmlns:p="http://schemas.openxmlformats.org/presentationml/2006/main">
+  <p:cSld>
+    <p:spTree>
+      <p:nvGrpSpPr>
+        <p:cNvPr id="1" name=""/>
+        <p:cNvGrpSpPr/>
+        <p:nvPr/>
+      </p:nvGrpSpPr>
+      <p:grpSpPr>
+        <a:xfrm>
+          <a:off x="0" y="0"/>
+          <a:ext cx="0" cy="0"/>
+          <a:chOff x="0" y="0"/>
+          <a:chExt cx="0" cy="0"/>
+        </a:xfrm>
+      </p:grpSpPr>
+      <p:sp>
+        <p:nvSpPr>
+          <p:cNvPr id="2" name="object 2"/>
+          <p:cNvSpPr txBox="1">
+            <a:spLocks noGrp="1"/>
+          </p:cNvSpPr>
+          <p:nvPr>
+            <p:ph type="title"/>
+          </p:nvPr>
+        </p:nvSpPr>
+        <p:spPr>
+          <a:xfrm>
+            <a:off x="512374" y="200448"/>
+            <a:ext cx="1864360" cy="409575"/>
+          </a:xfrm>
+          <a:prstGeom prst="rect">
+            <a:avLst/>
+          </a:prstGeom>
+        </p:spPr>
+        <p:txBody>
+          <a:bodyPr vert="horz" wrap="square" lIns="0" tIns="15240" rIns="0" bIns="0" rtlCol="0">
+            <a:spAutoFit/>
+          </a:bodyPr>
+          <a:lstStyle/>
+          <a:p>
+            <a:pPr marL="12700">
+              <a:lnSpc>
+                <a:spcPct val="100000"/>
+              </a:lnSpc>
+              <a:spcBef>
+                <a:spcPts val="120"/>
+              </a:spcBef>
+            </a:pPr>
+            <a:r>
+              <a:rPr sz="2500" spc="-265" dirty="0"/>
+              <a:t>5. </a:t>
+            </a:r>
+            <a:r>
+              <a:rPr sz="2500" spc="-75" dirty="0"/>
+              <a:t>Git </a:t>
+            </a:r>
+            <a:r>
+              <a:rPr sz="1600" spc="-315" dirty="0">
+                <a:solidFill>
+                  <a:srgbClr val="0000FF"/>
+                </a:solidFill>
+              </a:rPr>
+              <a:t>(15</a:t>
+            </a:r>
+            <a:r>
+              <a:rPr sz="1600" spc="-95" dirty="0">
+                <a:solidFill>
+                  <a:srgbClr val="0000FF"/>
+                </a:solidFill>
+              </a:rPr>
+              <a:t> </a:t>
+            </a:r>
+            <a:r>
+              <a:rPr sz="1600" spc="-75" dirty="0">
+                <a:solidFill>
+                  <a:srgbClr val="0000FF"/>
+                </a:solidFill>
+              </a:rPr>
+              <a:t>poin)</a:t>
+            </a:r>
+            <a:endParaRPr sz="1600"/>
+          </a:p>
+        </p:txBody>
+      </p:sp>
+      <p:sp>
+        <p:nvSpPr>
+          <p:cNvPr id="3" name="object 3"/>
+          <p:cNvSpPr txBox="1"/>
+          <p:nvPr/>
+        </p:nvSpPr>
+        <p:spPr>
+          <a:xfrm>
+            <a:off x="585373" y="1033984"/>
+            <a:ext cx="7941309" cy="1557020"/>
+          </a:xfrm>
+          <a:prstGeom prst="rect">
+            <a:avLst/>
+          </a:prstGeom>
+        </p:spPr>
+        <p:txBody>
+          <a:bodyPr vert="horz" wrap="square" lIns="0" tIns="12700" rIns="0" bIns="0" rtlCol="0">
+            <a:spAutoFit/>
+          </a:bodyPr>
+          <a:lstStyle/>
+          <a:p>
+            <a:pPr marL="12700" marR="329565">
+              <a:lnSpc>
+                <a:spcPct val="114999"/>
+              </a:lnSpc>
+              <a:spcBef>
+                <a:spcPts val="100"/>
+              </a:spcBef>
+            </a:pPr>
+            <a:r>
+              <a:rPr sz="1400" spc="35" dirty="0">
+                <a:latin typeface="Verdana"/>
+                <a:cs typeface="Verdana"/>
+              </a:rPr>
+              <a:t>Upload</a:t>
+            </a:r>
+            <a:r>
+              <a:rPr sz="1400" spc="-125" dirty="0">
+                <a:latin typeface="Verdana"/>
+                <a:cs typeface="Verdana"/>
+              </a:rPr>
+              <a:t> </a:t>
+            </a:r>
+            <a:r>
+              <a:rPr sz="1400" spc="5" dirty="0">
+                <a:latin typeface="Verdana"/>
+                <a:cs typeface="Verdana"/>
+              </a:rPr>
+              <a:t>project</a:t>
+            </a:r>
+            <a:r>
+              <a:rPr sz="1400" spc="-120" dirty="0">
+                <a:latin typeface="Verdana"/>
+                <a:cs typeface="Verdana"/>
+              </a:rPr>
+              <a:t> </a:t>
+            </a:r>
+            <a:r>
+              <a:rPr sz="1400" spc="20" dirty="0">
+                <a:latin typeface="Verdana"/>
+                <a:cs typeface="Verdana"/>
+              </a:rPr>
+              <a:t>teman-teman</a:t>
+            </a:r>
+            <a:r>
+              <a:rPr sz="1400" spc="-120" dirty="0">
+                <a:latin typeface="Verdana"/>
+                <a:cs typeface="Verdana"/>
+              </a:rPr>
+              <a:t> </a:t>
+            </a:r>
+            <a:r>
+              <a:rPr sz="1400" spc="30" dirty="0">
+                <a:latin typeface="Verdana"/>
+                <a:cs typeface="Verdana"/>
+              </a:rPr>
+              <a:t>di</a:t>
+            </a:r>
+            <a:r>
+              <a:rPr sz="1400" spc="-120" dirty="0">
+                <a:latin typeface="Verdana"/>
+                <a:cs typeface="Verdana"/>
+              </a:rPr>
+              <a:t> </a:t>
+            </a:r>
+            <a:r>
+              <a:rPr sz="1400" spc="20" dirty="0">
+                <a:latin typeface="Verdana"/>
+                <a:cs typeface="Verdana"/>
+              </a:rPr>
+              <a:t>sebuah</a:t>
+            </a:r>
+            <a:r>
+              <a:rPr sz="1400" spc="-125" dirty="0">
+                <a:latin typeface="Verdana"/>
+                <a:cs typeface="Verdana"/>
+              </a:rPr>
+              <a:t> </a:t>
+            </a:r>
+            <a:r>
+              <a:rPr sz="1400" spc="-10" dirty="0">
+                <a:latin typeface="Verdana"/>
+                <a:cs typeface="Verdana"/>
+              </a:rPr>
+              <a:t>repository</a:t>
+            </a:r>
+            <a:r>
+              <a:rPr sz="1400" spc="-120" dirty="0">
+                <a:latin typeface="Verdana"/>
+                <a:cs typeface="Verdana"/>
+              </a:rPr>
+              <a:t> </a:t>
+            </a:r>
+            <a:r>
+              <a:rPr sz="1400" spc="-30" dirty="0">
+                <a:latin typeface="Verdana"/>
+                <a:cs typeface="Verdana"/>
+              </a:rPr>
+              <a:t>git.</a:t>
+            </a:r>
+            <a:r>
+              <a:rPr sz="1400" spc="-120" dirty="0">
+                <a:latin typeface="Verdana"/>
+                <a:cs typeface="Verdana"/>
+              </a:rPr>
+              <a:t> </a:t>
+            </a:r>
+            <a:r>
+              <a:rPr sz="1400" dirty="0">
+                <a:latin typeface="Verdana"/>
+                <a:cs typeface="Verdana"/>
+              </a:rPr>
+              <a:t>Berkolaborasilah</a:t>
+            </a:r>
+            <a:r>
+              <a:rPr sz="1400" spc="-120" dirty="0">
+                <a:latin typeface="Verdana"/>
+                <a:cs typeface="Verdana"/>
+              </a:rPr>
+              <a:t> </a:t>
+            </a:r>
+            <a:r>
+              <a:rPr sz="1400" spc="30" dirty="0">
+                <a:latin typeface="Verdana"/>
+                <a:cs typeface="Verdana"/>
+              </a:rPr>
+              <a:t>di</a:t>
+            </a:r>
+            <a:r>
+              <a:rPr sz="1400" spc="-120" dirty="0">
+                <a:latin typeface="Verdana"/>
+                <a:cs typeface="Verdana"/>
+              </a:rPr>
+              <a:t> </a:t>
+            </a:r>
+            <a:r>
+              <a:rPr sz="1400" dirty="0">
+                <a:latin typeface="Verdana"/>
+                <a:cs typeface="Verdana"/>
+              </a:rPr>
+              <a:t>Git</a:t>
+            </a:r>
+            <a:r>
+              <a:rPr sz="1400" spc="-125" dirty="0">
+                <a:latin typeface="Verdana"/>
+                <a:cs typeface="Verdana"/>
+              </a:rPr>
+              <a:t> </a:t>
+            </a:r>
+            <a:r>
+              <a:rPr sz="1400" spc="-35" dirty="0">
+                <a:latin typeface="Verdana"/>
+                <a:cs typeface="Verdana"/>
+              </a:rPr>
+              <a:t>jika</a:t>
+            </a:r>
+            <a:r>
+              <a:rPr sz="1400" spc="-120" dirty="0">
+                <a:latin typeface="Verdana"/>
+                <a:cs typeface="Verdana"/>
+              </a:rPr>
+              <a:t> </a:t>
+            </a:r>
+            <a:r>
+              <a:rPr sz="1400" spc="15" dirty="0">
+                <a:latin typeface="Verdana"/>
+                <a:cs typeface="Verdana"/>
+              </a:rPr>
+              <a:t>ada  </a:t>
+            </a:r>
+            <a:r>
+              <a:rPr sz="1400" spc="30" dirty="0">
+                <a:latin typeface="Verdana"/>
+                <a:cs typeface="Verdana"/>
+              </a:rPr>
+              <a:t>perubahan</a:t>
+            </a:r>
+            <a:r>
+              <a:rPr sz="1400" spc="-135" dirty="0">
+                <a:latin typeface="Verdana"/>
+                <a:cs typeface="Verdana"/>
+              </a:rPr>
+              <a:t> </a:t>
+            </a:r>
+            <a:r>
+              <a:rPr sz="1400" spc="-15" dirty="0">
+                <a:latin typeface="Verdana"/>
+                <a:cs typeface="Verdana"/>
+              </a:rPr>
+              <a:t>version</a:t>
+            </a:r>
+            <a:r>
+              <a:rPr sz="1400" spc="-130" dirty="0">
+                <a:latin typeface="Verdana"/>
+                <a:cs typeface="Verdana"/>
+              </a:rPr>
+              <a:t> </a:t>
+            </a:r>
+            <a:r>
+              <a:rPr sz="1400" dirty="0">
+                <a:latin typeface="Verdana"/>
+                <a:cs typeface="Verdana"/>
+              </a:rPr>
+              <a:t>dari</a:t>
+            </a:r>
+            <a:r>
+              <a:rPr sz="1400" spc="-130" dirty="0">
+                <a:latin typeface="Verdana"/>
+                <a:cs typeface="Verdana"/>
+              </a:rPr>
+              <a:t> </a:t>
+            </a:r>
+            <a:r>
+              <a:rPr sz="1400" spc="25" dirty="0">
+                <a:latin typeface="Verdana"/>
+                <a:cs typeface="Verdana"/>
+              </a:rPr>
+              <a:t>waktu</a:t>
+            </a:r>
+            <a:r>
+              <a:rPr sz="1400" spc="-130" dirty="0">
+                <a:latin typeface="Verdana"/>
+                <a:cs typeface="Verdana"/>
+              </a:rPr>
+              <a:t> </a:t>
+            </a:r>
+            <a:r>
+              <a:rPr sz="1400" spc="-5" dirty="0">
+                <a:latin typeface="Verdana"/>
+                <a:cs typeface="Verdana"/>
+              </a:rPr>
+              <a:t>ke</a:t>
+            </a:r>
+            <a:r>
+              <a:rPr sz="1400" spc="-130" dirty="0">
+                <a:latin typeface="Verdana"/>
+                <a:cs typeface="Verdana"/>
+              </a:rPr>
+              <a:t> </a:t>
+            </a:r>
+            <a:r>
+              <a:rPr sz="1400" spc="-15" dirty="0">
+                <a:latin typeface="Verdana"/>
+                <a:cs typeface="Verdana"/>
+              </a:rPr>
+              <a:t>waktu.</a:t>
+            </a:r>
+            <a:endParaRPr sz="1400">
+              <a:latin typeface="Verdana"/>
+              <a:cs typeface="Verdana"/>
+            </a:endParaRPr>
+          </a:p>
+          <a:p>
+            <a:pPr marL="469900" indent="-400050">
+              <a:lnSpc>
+                <a:spcPct val="100000"/>
+              </a:lnSpc>
+              <a:spcBef>
+                <a:spcPts val="1450"/>
+              </a:spcBef>
+              <a:buAutoNum type="alphaUcPeriod"/>
+              <a:tabLst>
+                <a:tab pos="469265" algn="l"/>
+                <a:tab pos="469900" algn="l"/>
+              </a:tabLst>
+            </a:pPr>
+            <a:r>
+              <a:rPr sz="1400" spc="35" dirty="0">
+                <a:latin typeface="Verdana"/>
+                <a:cs typeface="Verdana"/>
+              </a:rPr>
+              <a:t>Buat </a:t>
+            </a:r>
+            <a:r>
+              <a:rPr sz="1400" dirty="0">
+                <a:latin typeface="Verdana"/>
+                <a:cs typeface="Verdana"/>
+              </a:rPr>
+              <a:t>Repository</a:t>
+            </a:r>
+            <a:r>
+              <a:rPr sz="1400" spc="-300" dirty="0">
+                <a:latin typeface="Verdana"/>
+                <a:cs typeface="Verdana"/>
+              </a:rPr>
+              <a:t> </a:t>
+            </a:r>
+            <a:r>
+              <a:rPr sz="1400" dirty="0">
+                <a:latin typeface="Verdana"/>
+                <a:cs typeface="Verdana"/>
+              </a:rPr>
+              <a:t>Git</a:t>
+            </a:r>
+            <a:endParaRPr sz="1400">
+              <a:latin typeface="Verdana"/>
+              <a:cs typeface="Verdana"/>
+            </a:endParaRPr>
+          </a:p>
+          <a:p>
+            <a:pPr marL="469900" indent="-400685">
+              <a:lnSpc>
+                <a:spcPct val="100000"/>
+              </a:lnSpc>
+              <a:spcBef>
+                <a:spcPts val="250"/>
+              </a:spcBef>
+              <a:buAutoNum type="alphaUcPeriod"/>
+              <a:tabLst>
+                <a:tab pos="469265" algn="l"/>
+                <a:tab pos="469900" algn="l"/>
+              </a:tabLst>
+            </a:pPr>
+            <a:r>
+              <a:rPr sz="1400" spc="35" dirty="0">
+                <a:latin typeface="Verdana"/>
+                <a:cs typeface="Verdana"/>
+              </a:rPr>
+              <a:t>Upload</a:t>
+            </a:r>
+            <a:r>
+              <a:rPr sz="1400" spc="-130" dirty="0">
+                <a:latin typeface="Verdana"/>
+                <a:cs typeface="Verdana"/>
+              </a:rPr>
+              <a:t> </a:t>
+            </a:r>
+            <a:r>
+              <a:rPr sz="1400" spc="-10" dirty="0">
+                <a:latin typeface="Verdana"/>
+                <a:cs typeface="Verdana"/>
+              </a:rPr>
+              <a:t>ﬁle</a:t>
+            </a:r>
+            <a:r>
+              <a:rPr sz="1400" spc="-125" dirty="0">
+                <a:latin typeface="Verdana"/>
+                <a:cs typeface="Verdana"/>
+              </a:rPr>
+              <a:t> </a:t>
+            </a:r>
+            <a:r>
+              <a:rPr sz="1400" spc="25" dirty="0">
+                <a:latin typeface="Verdana"/>
+                <a:cs typeface="Verdana"/>
+              </a:rPr>
+              <a:t>notebook</a:t>
+            </a:r>
+            <a:r>
+              <a:rPr sz="1400" spc="-125" dirty="0">
+                <a:latin typeface="Verdana"/>
+                <a:cs typeface="Verdana"/>
+              </a:rPr>
+              <a:t> </a:t>
+            </a:r>
+            <a:r>
+              <a:rPr sz="1400" spc="10" dirty="0">
+                <a:latin typeface="Verdana"/>
+                <a:cs typeface="Verdana"/>
+              </a:rPr>
+              <a:t>atau</a:t>
+            </a:r>
+            <a:r>
+              <a:rPr sz="1400" spc="-125" dirty="0">
+                <a:latin typeface="Verdana"/>
+                <a:cs typeface="Verdana"/>
+              </a:rPr>
+              <a:t> </a:t>
+            </a:r>
+            <a:r>
+              <a:rPr sz="1400" spc="-10" dirty="0">
+                <a:latin typeface="Verdana"/>
+                <a:cs typeface="Verdana"/>
+              </a:rPr>
+              <a:t>ﬁle</a:t>
+            </a:r>
+            <a:r>
+              <a:rPr sz="1400" spc="-125" dirty="0">
+                <a:latin typeface="Verdana"/>
+                <a:cs typeface="Verdana"/>
+              </a:rPr>
+              <a:t> </a:t>
+            </a:r>
+            <a:r>
+              <a:rPr sz="1400" spc="10" dirty="0">
+                <a:latin typeface="Verdana"/>
+                <a:cs typeface="Verdana"/>
+              </a:rPr>
+              <a:t>pengerjaan</a:t>
+            </a:r>
+            <a:r>
+              <a:rPr sz="1400" spc="-125" dirty="0">
+                <a:latin typeface="Verdana"/>
+                <a:cs typeface="Verdana"/>
+              </a:rPr>
+              <a:t> </a:t>
+            </a:r>
+            <a:r>
+              <a:rPr sz="1400" spc="-5" dirty="0">
+                <a:latin typeface="Verdana"/>
+                <a:cs typeface="Verdana"/>
+              </a:rPr>
+              <a:t>lainnya</a:t>
+            </a:r>
+            <a:r>
+              <a:rPr sz="1400" spc="-130" dirty="0">
+                <a:latin typeface="Verdana"/>
+                <a:cs typeface="Verdana"/>
+              </a:rPr>
+              <a:t> </a:t>
+            </a:r>
+            <a:r>
+              <a:rPr sz="1400" spc="25" dirty="0">
+                <a:latin typeface="Verdana"/>
+                <a:cs typeface="Verdana"/>
+              </a:rPr>
+              <a:t>pada</a:t>
+            </a:r>
+            <a:r>
+              <a:rPr sz="1400" spc="-125" dirty="0">
+                <a:latin typeface="Verdana"/>
+                <a:cs typeface="Verdana"/>
+              </a:rPr>
+              <a:t> </a:t>
+            </a:r>
+            <a:r>
+              <a:rPr sz="1400" spc="-10" dirty="0">
+                <a:latin typeface="Verdana"/>
+                <a:cs typeface="Verdana"/>
+              </a:rPr>
+              <a:t>repository</a:t>
+            </a:r>
+            <a:r>
+              <a:rPr sz="1400" spc="-125" dirty="0">
+                <a:latin typeface="Verdana"/>
+                <a:cs typeface="Verdana"/>
+              </a:rPr>
+              <a:t> </a:t>
+            </a:r>
+            <a:r>
+              <a:rPr sz="1400" spc="5" dirty="0">
+                <a:latin typeface="Verdana"/>
+                <a:cs typeface="Verdana"/>
+              </a:rPr>
+              <a:t>tersebut</a:t>
+            </a:r>
+            <a:endParaRPr sz="1400">
+              <a:latin typeface="Verdana"/>
+              <a:cs typeface="Verdana"/>
+            </a:endParaRPr>
+          </a:p>
+          <a:p>
+            <a:pPr marL="12700">
+              <a:lnSpc>
+                <a:spcPct val="100000"/>
+              </a:lnSpc>
+              <a:spcBef>
+                <a:spcPts val="1455"/>
+              </a:spcBef>
+            </a:pPr>
+            <a:r>
+              <a:rPr sz="1400" spc="45" dirty="0">
+                <a:latin typeface="Verdana"/>
+                <a:cs typeface="Verdana"/>
+              </a:rPr>
+              <a:t>Untuk</a:t>
+            </a:r>
+            <a:r>
+              <a:rPr sz="1400" spc="-125" dirty="0">
+                <a:latin typeface="Verdana"/>
+                <a:cs typeface="Verdana"/>
+              </a:rPr>
+              <a:t> </a:t>
+            </a:r>
+            <a:r>
+              <a:rPr sz="1400" spc="-10" dirty="0">
+                <a:latin typeface="Verdana"/>
+                <a:cs typeface="Verdana"/>
+              </a:rPr>
+              <a:t>ﬁle</a:t>
+            </a:r>
+            <a:r>
+              <a:rPr sz="1400" spc="-120" dirty="0">
+                <a:latin typeface="Verdana"/>
+                <a:cs typeface="Verdana"/>
+              </a:rPr>
+              <a:t> </a:t>
+            </a:r>
+            <a:r>
+              <a:rPr sz="1400" spc="30" dirty="0">
+                <a:latin typeface="Verdana"/>
+                <a:cs typeface="Verdana"/>
+              </a:rPr>
+              <a:t>README,</a:t>
+            </a:r>
+            <a:r>
+              <a:rPr sz="1400" spc="-120" dirty="0">
+                <a:latin typeface="Verdana"/>
+                <a:cs typeface="Verdana"/>
+              </a:rPr>
+              <a:t> </a:t>
+            </a:r>
+            <a:r>
+              <a:rPr sz="1400" spc="25" dirty="0">
+                <a:latin typeface="Verdana"/>
+                <a:cs typeface="Verdana"/>
+              </a:rPr>
+              <a:t>dapat</a:t>
+            </a:r>
+            <a:r>
+              <a:rPr sz="1400" spc="-120" dirty="0">
+                <a:latin typeface="Verdana"/>
+                <a:cs typeface="Verdana"/>
+              </a:rPr>
+              <a:t> </a:t>
+            </a:r>
+            <a:r>
+              <a:rPr sz="1400" spc="25" dirty="0">
+                <a:latin typeface="Verdana"/>
+                <a:cs typeface="Verdana"/>
+              </a:rPr>
+              <a:t>merupakan</a:t>
+            </a:r>
+            <a:r>
+              <a:rPr sz="1400" spc="-120" dirty="0">
+                <a:latin typeface="Verdana"/>
+                <a:cs typeface="Verdana"/>
+              </a:rPr>
+              <a:t> </a:t>
+            </a:r>
+            <a:r>
+              <a:rPr sz="1400" spc="20" dirty="0">
+                <a:latin typeface="Verdana"/>
+                <a:cs typeface="Verdana"/>
+              </a:rPr>
+              <a:t>summary</a:t>
+            </a:r>
+            <a:r>
+              <a:rPr sz="1400" spc="-125" dirty="0">
+                <a:latin typeface="Verdana"/>
+                <a:cs typeface="Verdana"/>
+              </a:rPr>
+              <a:t> </a:t>
+            </a:r>
+            <a:r>
+              <a:rPr sz="1400" spc="20" dirty="0">
+                <a:latin typeface="Verdana"/>
+                <a:cs typeface="Verdana"/>
+              </a:rPr>
+              <a:t>insight</a:t>
+            </a:r>
+            <a:r>
+              <a:rPr sz="1400" spc="-120" dirty="0">
+                <a:latin typeface="Verdana"/>
+                <a:cs typeface="Verdana"/>
+              </a:rPr>
+              <a:t> </a:t>
+            </a:r>
+            <a:r>
+              <a:rPr sz="1400" spc="5" dirty="0">
+                <a:latin typeface="Verdana"/>
+                <a:cs typeface="Verdana"/>
+              </a:rPr>
+              <a:t>yang</a:t>
+            </a:r>
+            <a:r>
+              <a:rPr sz="1400" spc="-120" dirty="0">
+                <a:latin typeface="Verdana"/>
+                <a:cs typeface="Verdana"/>
+              </a:rPr>
+              <a:t> </a:t>
+            </a:r>
+            <a:r>
+              <a:rPr sz="1400" spc="5" dirty="0">
+                <a:latin typeface="Verdana"/>
+                <a:cs typeface="Verdana"/>
+              </a:rPr>
+              <a:t>telah</a:t>
+            </a:r>
+            <a:r>
+              <a:rPr sz="1400" spc="-120" dirty="0">
+                <a:latin typeface="Verdana"/>
+                <a:cs typeface="Verdana"/>
+              </a:rPr>
+              <a:t> </a:t>
+            </a:r>
+            <a:r>
+              <a:rPr sz="1400" spc="20" dirty="0">
+                <a:latin typeface="Verdana"/>
+                <a:cs typeface="Verdana"/>
+              </a:rPr>
+              <a:t>didapatkan</a:t>
+            </a:r>
+            <a:r>
+              <a:rPr sz="1400" spc="-120" dirty="0">
+                <a:latin typeface="Verdana"/>
+                <a:cs typeface="Verdana"/>
+              </a:rPr>
+              <a:t> </a:t>
+            </a:r>
+            <a:r>
+              <a:rPr sz="1400" dirty="0">
+                <a:latin typeface="Verdana"/>
+                <a:cs typeface="Verdana"/>
+              </a:rPr>
+              <a:t>dari</a:t>
+            </a:r>
+            <a:r>
+              <a:rPr sz="1400" spc="-120" dirty="0">
+                <a:latin typeface="Verdana"/>
+                <a:cs typeface="Verdana"/>
+              </a:rPr>
+              <a:t> </a:t>
+            </a:r>
+            <a:r>
+              <a:rPr sz="1400" spc="-5" dirty="0">
+                <a:latin typeface="Verdana"/>
+                <a:cs typeface="Verdana"/>
+              </a:rPr>
+              <a:t>EDA.</a:t>
+            </a:r>
+            <a:endParaRPr sz="1400">
+              <a:latin typeface="Verdana"/>
+              <a:cs typeface="Verdana"/>
+            </a:endParaRPr>
+          </a:p>
+        </p:txBody>
+      </p:sp>
+    </p:spTree>
+  </p:cSld>
+  <p:clrMapOvr>
+    <a:masterClrMapping/>
+  </p:clrMapOvr>
+</p:sld>
+</file>
+
+<file path=ppt/slides/slide13.xml><?xml version="1.0" encoding="utf-8"?>
 <p:sld xmlns:a="http://schemas.openxmlformats.org/drawingml/2006/main" xmlns:r="http://schemas.openxmlformats.org/officeDocument/2006/relationships" xmlns:p="http://schemas.openxmlformats.org/presentationml/2006/main">
   <p:cSld>
     <p:spTree>
@@ -6289,6 +9519,775 @@
         <p:spPr>
           <a:xfrm>
             <a:off x="512374" y="200448"/>
+            <a:ext cx="4617085" cy="409575"/>
+          </a:xfrm>
+          <a:prstGeom prst="rect">
+            <a:avLst/>
+          </a:prstGeom>
+        </p:spPr>
+        <p:txBody>
+          <a:bodyPr vert="horz" wrap="square" lIns="0" tIns="15240" rIns="0" bIns="0" rtlCol="0">
+            <a:spAutoFit/>
+          </a:bodyPr>
+          <a:lstStyle/>
+          <a:p>
+            <a:pPr marL="12700">
+              <a:lnSpc>
+                <a:spcPct val="100000"/>
+              </a:lnSpc>
+              <a:spcBef>
+                <a:spcPts val="120"/>
+              </a:spcBef>
+            </a:pPr>
+            <a:r>
+              <a:rPr sz="2500" spc="-260" dirty="0"/>
+              <a:t>2. </a:t>
+            </a:r>
+            <a:r>
+              <a:rPr sz="2500" spc="-100" dirty="0"/>
+              <a:t>Univariate Analysis </a:t>
+            </a:r>
+            <a:r>
+              <a:rPr sz="1600" spc="-210" dirty="0">
+                <a:solidFill>
+                  <a:srgbClr val="0000FF"/>
+                </a:solidFill>
+              </a:rPr>
+              <a:t>(25</a:t>
+            </a:r>
+            <a:r>
+              <a:rPr sz="1600" spc="-114" dirty="0">
+                <a:solidFill>
+                  <a:srgbClr val="0000FF"/>
+                </a:solidFill>
+              </a:rPr>
+              <a:t> </a:t>
+            </a:r>
+            <a:r>
+              <a:rPr sz="1600" spc="-75" dirty="0">
+                <a:solidFill>
+                  <a:srgbClr val="0000FF"/>
+                </a:solidFill>
+              </a:rPr>
+              <a:t>poin)</a:t>
+            </a:r>
+            <a:endParaRPr sz="1600"/>
+          </a:p>
+        </p:txBody>
+      </p:sp>
+      <p:sp>
+        <p:nvSpPr>
+          <p:cNvPr id="3" name="object 3"/>
+          <p:cNvSpPr txBox="1"/>
+          <p:nvPr/>
+        </p:nvSpPr>
+        <p:spPr>
+          <a:xfrm>
+            <a:off x="585373" y="3004416"/>
+            <a:ext cx="7851140" cy="979179"/>
+          </a:xfrm>
+          <a:prstGeom prst="rect">
+            <a:avLst/>
+          </a:prstGeom>
+        </p:spPr>
+        <p:txBody>
+          <a:bodyPr vert="horz" wrap="square" lIns="0" tIns="12700" rIns="0" bIns="0" rtlCol="0">
+            <a:spAutoFit/>
+          </a:bodyPr>
+          <a:lstStyle/>
+          <a:p>
+            <a:pPr marL="298450" marR="5080" indent="-285750">
+              <a:lnSpc>
+                <a:spcPct val="114999"/>
+              </a:lnSpc>
+              <a:spcBef>
+                <a:spcPts val="100"/>
+              </a:spcBef>
+              <a:buFont typeface="Arial" panose="020B0604020202020204" pitchFamily="34" charset="0"/>
+              <a:buChar char="•"/>
+            </a:pPr>
+            <a:r>
+              <a:rPr lang="en-US" sz="1400" dirty="0" err="1">
+                <a:latin typeface="Verdana"/>
+                <a:cs typeface="Verdana"/>
+              </a:rPr>
+              <a:t>Untuk</a:t>
+            </a:r>
+            <a:r>
+              <a:rPr lang="en-US" sz="1400" dirty="0">
+                <a:latin typeface="Verdana"/>
+                <a:cs typeface="Verdana"/>
+              </a:rPr>
+              <a:t> </a:t>
+            </a:r>
+            <a:r>
+              <a:rPr lang="en-US" sz="1400" dirty="0" err="1">
+                <a:latin typeface="Verdana"/>
+                <a:cs typeface="Verdana"/>
+              </a:rPr>
+              <a:t>distribusi</a:t>
+            </a:r>
+            <a:r>
+              <a:rPr lang="en-US" sz="1400" dirty="0">
+                <a:latin typeface="Verdana"/>
+                <a:cs typeface="Verdana"/>
+              </a:rPr>
+              <a:t> data pada </a:t>
+            </a:r>
+            <a:r>
+              <a:rPr lang="en-US" sz="1400" dirty="0" err="1">
+                <a:latin typeface="Verdana"/>
+                <a:cs typeface="Verdana"/>
+              </a:rPr>
+              <a:t>tipe</a:t>
+            </a:r>
+            <a:r>
+              <a:rPr lang="en-US" sz="1400" dirty="0">
+                <a:latin typeface="Verdana"/>
+                <a:cs typeface="Verdana"/>
+              </a:rPr>
+              <a:t> data numerical, rata2 </a:t>
+            </a:r>
+            <a:r>
+              <a:rPr lang="en-US" sz="1400" dirty="0" err="1">
+                <a:latin typeface="Verdana"/>
+                <a:cs typeface="Verdana"/>
+              </a:rPr>
+              <a:t>tipe</a:t>
+            </a:r>
+            <a:r>
+              <a:rPr lang="en-US" sz="1400" dirty="0">
+                <a:latin typeface="Verdana"/>
+                <a:cs typeface="Verdana"/>
+              </a:rPr>
+              <a:t> </a:t>
+            </a:r>
+            <a:r>
+              <a:rPr lang="en-US" sz="1400" dirty="0" err="1">
+                <a:latin typeface="Verdana"/>
+                <a:cs typeface="Verdana"/>
+              </a:rPr>
+              <a:t>distirbusi</a:t>
+            </a:r>
+            <a:r>
+              <a:rPr lang="en-US" sz="1400" dirty="0">
+                <a:latin typeface="Verdana"/>
+                <a:cs typeface="Verdana"/>
+              </a:rPr>
+              <a:t> </a:t>
+            </a:r>
+            <a:r>
+              <a:rPr lang="en-US" sz="1400" dirty="0" err="1">
+                <a:latin typeface="Verdana"/>
+                <a:cs typeface="Verdana"/>
+              </a:rPr>
+              <a:t>nya</a:t>
+            </a:r>
+            <a:r>
+              <a:rPr lang="en-US" sz="1400" dirty="0">
+                <a:latin typeface="Verdana"/>
+                <a:cs typeface="Verdana"/>
+              </a:rPr>
+              <a:t> </a:t>
+            </a:r>
+            <a:r>
+              <a:rPr lang="en-US" sz="1400" dirty="0" err="1">
+                <a:latin typeface="Verdana"/>
+                <a:cs typeface="Verdana"/>
+              </a:rPr>
+              <a:t>adalah</a:t>
+            </a:r>
+            <a:r>
+              <a:rPr lang="en-US" sz="1400" dirty="0">
+                <a:latin typeface="Verdana"/>
+                <a:cs typeface="Verdana"/>
+              </a:rPr>
+              <a:t> positively skewed. Karena </a:t>
+            </a:r>
+            <a:r>
+              <a:rPr lang="en-US" sz="1400" dirty="0" err="1">
+                <a:latin typeface="Verdana"/>
+                <a:cs typeface="Verdana"/>
+              </a:rPr>
+              <a:t>hal</a:t>
+            </a:r>
+            <a:r>
+              <a:rPr lang="en-US" sz="1400" dirty="0">
+                <a:latin typeface="Verdana"/>
+                <a:cs typeface="Verdana"/>
+              </a:rPr>
+              <a:t> </a:t>
+            </a:r>
+            <a:r>
+              <a:rPr lang="en-US" sz="1400" dirty="0" err="1">
+                <a:latin typeface="Verdana"/>
+                <a:cs typeface="Verdana"/>
+              </a:rPr>
+              <a:t>ini</a:t>
+            </a:r>
+            <a:r>
+              <a:rPr lang="en-US" sz="1400" dirty="0">
+                <a:latin typeface="Verdana"/>
+                <a:cs typeface="Verdana"/>
+              </a:rPr>
+              <a:t> </a:t>
+            </a:r>
+            <a:r>
+              <a:rPr lang="en-US" sz="1400" dirty="0" err="1">
+                <a:latin typeface="Verdana"/>
+                <a:cs typeface="Verdana"/>
+              </a:rPr>
+              <a:t>maka</a:t>
+            </a:r>
+            <a:r>
+              <a:rPr lang="en-US" sz="1400" dirty="0">
+                <a:latin typeface="Verdana"/>
+                <a:cs typeface="Verdana"/>
+              </a:rPr>
+              <a:t> </a:t>
+            </a:r>
+            <a:r>
+              <a:rPr lang="en-US" sz="1400" dirty="0" err="1">
+                <a:latin typeface="Verdana"/>
+                <a:cs typeface="Verdana"/>
+              </a:rPr>
+              <a:t>kedepannya</a:t>
+            </a:r>
+            <a:r>
+              <a:rPr lang="en-US" sz="1400" dirty="0">
+                <a:latin typeface="Verdana"/>
+                <a:cs typeface="Verdana"/>
+              </a:rPr>
+              <a:t> </a:t>
+            </a:r>
+            <a:r>
+              <a:rPr lang="en-US" sz="1400" dirty="0" err="1">
+                <a:latin typeface="Verdana"/>
+                <a:cs typeface="Verdana"/>
+              </a:rPr>
+              <a:t>perlu</a:t>
+            </a:r>
+            <a:r>
+              <a:rPr lang="en-US" sz="1400" dirty="0">
+                <a:latin typeface="Verdana"/>
+                <a:cs typeface="Verdana"/>
+              </a:rPr>
+              <a:t> </a:t>
+            </a:r>
+            <a:r>
+              <a:rPr lang="en-US" sz="1400" dirty="0" err="1">
+                <a:latin typeface="Verdana"/>
+                <a:cs typeface="Verdana"/>
+              </a:rPr>
+              <a:t>dilakukan</a:t>
+            </a:r>
+            <a:r>
+              <a:rPr lang="en-US" sz="1400" dirty="0">
+                <a:latin typeface="Verdana"/>
+                <a:cs typeface="Verdana"/>
+              </a:rPr>
+              <a:t> feature transform </a:t>
+            </a:r>
+            <a:r>
+              <a:rPr lang="en-US" sz="1400" dirty="0" err="1">
+                <a:latin typeface="Verdana"/>
+                <a:cs typeface="Verdana"/>
+              </a:rPr>
+              <a:t>supaya</a:t>
+            </a:r>
+            <a:r>
+              <a:rPr lang="en-US" sz="1400" dirty="0">
+                <a:latin typeface="Verdana"/>
+                <a:cs typeface="Verdana"/>
+              </a:rPr>
+              <a:t> </a:t>
+            </a:r>
+            <a:r>
+              <a:rPr lang="en-US" sz="1400" dirty="0" err="1">
+                <a:latin typeface="Verdana"/>
+                <a:cs typeface="Verdana"/>
+              </a:rPr>
+              <a:t>persebaran</a:t>
+            </a:r>
+            <a:r>
+              <a:rPr lang="en-US" sz="1400" dirty="0">
+                <a:latin typeface="Verdana"/>
+                <a:cs typeface="Verdana"/>
+              </a:rPr>
+              <a:t> data </a:t>
+            </a:r>
+            <a:r>
+              <a:rPr lang="en-US" sz="1400" dirty="0" err="1">
+                <a:latin typeface="Verdana"/>
+                <a:cs typeface="Verdana"/>
+              </a:rPr>
+              <a:t>nya</a:t>
+            </a:r>
+            <a:r>
+              <a:rPr lang="en-US" sz="1400" dirty="0">
+                <a:latin typeface="Verdana"/>
+                <a:cs typeface="Verdana"/>
+              </a:rPr>
+              <a:t> </a:t>
+            </a:r>
+            <a:r>
+              <a:rPr lang="en-US" sz="1400" dirty="0" err="1">
+                <a:latin typeface="Verdana"/>
+                <a:cs typeface="Verdana"/>
+              </a:rPr>
+              <a:t>mendekati</a:t>
+            </a:r>
+            <a:r>
+              <a:rPr lang="en-US" sz="1400" dirty="0">
+                <a:latin typeface="Verdana"/>
+                <a:cs typeface="Verdana"/>
+              </a:rPr>
+              <a:t> </a:t>
+            </a:r>
+            <a:r>
+              <a:rPr lang="en-US" sz="1400" dirty="0" err="1">
+                <a:latin typeface="Verdana"/>
+                <a:cs typeface="Verdana"/>
+              </a:rPr>
+              <a:t>tipe</a:t>
+            </a:r>
+            <a:r>
+              <a:rPr lang="en-US" sz="1400" dirty="0">
+                <a:latin typeface="Verdana"/>
+                <a:cs typeface="Verdana"/>
+              </a:rPr>
+              <a:t> </a:t>
+            </a:r>
+            <a:r>
+              <a:rPr lang="en-US" sz="1400" dirty="0" err="1">
+                <a:latin typeface="Verdana"/>
+                <a:cs typeface="Verdana"/>
+              </a:rPr>
+              <a:t>distribusi</a:t>
+            </a:r>
+            <a:r>
+              <a:rPr lang="en-US" sz="1400" dirty="0">
+                <a:latin typeface="Verdana"/>
+                <a:cs typeface="Verdana"/>
+              </a:rPr>
+              <a:t> normal, </a:t>
+            </a:r>
+            <a:r>
+              <a:rPr lang="en-US" sz="1400" dirty="0" err="1">
+                <a:latin typeface="Verdana"/>
+                <a:cs typeface="Verdana"/>
+              </a:rPr>
+              <a:t>baik</a:t>
+            </a:r>
+            <a:r>
+              <a:rPr lang="en-US" sz="1400" dirty="0">
+                <a:latin typeface="Verdana"/>
+                <a:cs typeface="Verdana"/>
+              </a:rPr>
+              <a:t> </a:t>
+            </a:r>
+            <a:r>
+              <a:rPr lang="en-US" sz="1400" dirty="0" err="1">
+                <a:latin typeface="Verdana"/>
+                <a:cs typeface="Verdana"/>
+              </a:rPr>
+              <a:t>dengan</a:t>
+            </a:r>
+            <a:r>
+              <a:rPr lang="en-US" sz="1400" dirty="0">
+                <a:latin typeface="Verdana"/>
+                <a:cs typeface="Verdana"/>
+              </a:rPr>
+              <a:t> normalization, standardization </a:t>
+            </a:r>
+            <a:r>
+              <a:rPr lang="en-US" sz="1400" dirty="0" err="1">
+                <a:latin typeface="Verdana"/>
+                <a:cs typeface="Verdana"/>
+              </a:rPr>
+              <a:t>ataupun</a:t>
+            </a:r>
+            <a:r>
+              <a:rPr lang="en-US" sz="1400" dirty="0">
+                <a:latin typeface="Verdana"/>
+                <a:cs typeface="Verdana"/>
+              </a:rPr>
+              <a:t> log transform</a:t>
+            </a:r>
+            <a:endParaRPr sz="1400" dirty="0">
+              <a:latin typeface="Verdana"/>
+              <a:cs typeface="Verdana"/>
+            </a:endParaRPr>
+          </a:p>
+        </p:txBody>
+      </p:sp>
+      <p:sp>
+        <p:nvSpPr>
+          <p:cNvPr id="4" name="object 3">
+            <a:extLst>
+              <a:ext uri="{FF2B5EF4-FFF2-40B4-BE49-F238E27FC236}">
+                <a16:creationId xmlns:a16="http://schemas.microsoft.com/office/drawing/2014/main" id="{5E514308-4946-4AEE-9139-383C6D2D45EB}"/>
+              </a:ext>
+            </a:extLst>
+          </p:cNvPr>
+          <p:cNvSpPr txBox="1"/>
+          <p:nvPr/>
+        </p:nvSpPr>
+        <p:spPr>
+          <a:xfrm>
+            <a:off x="585373" y="1428750"/>
+            <a:ext cx="7851140" cy="731419"/>
+          </a:xfrm>
+          <a:prstGeom prst="rect">
+            <a:avLst/>
+          </a:prstGeom>
+        </p:spPr>
+        <p:txBody>
+          <a:bodyPr vert="horz" wrap="square" lIns="0" tIns="12700" rIns="0" bIns="0" rtlCol="0">
+            <a:spAutoFit/>
+          </a:bodyPr>
+          <a:lstStyle/>
+          <a:p>
+            <a:pPr marL="298450" marR="5080" indent="-285750">
+              <a:lnSpc>
+                <a:spcPct val="114999"/>
+              </a:lnSpc>
+              <a:spcBef>
+                <a:spcPts val="100"/>
+              </a:spcBef>
+              <a:buFont typeface="Arial" panose="020B0604020202020204" pitchFamily="34" charset="0"/>
+              <a:buChar char="•"/>
+            </a:pPr>
+            <a:r>
+              <a:rPr lang="en-US" sz="1400" dirty="0" err="1">
+                <a:latin typeface="Verdana"/>
+                <a:cs typeface="Verdana"/>
+              </a:rPr>
+              <a:t>Kemudian</a:t>
+            </a:r>
+            <a:r>
+              <a:rPr lang="en-US" sz="1400" dirty="0">
+                <a:latin typeface="Verdana"/>
+                <a:cs typeface="Verdana"/>
+              </a:rPr>
+              <a:t> </a:t>
+            </a:r>
+            <a:r>
+              <a:rPr lang="en-US" sz="1400" dirty="0" err="1">
+                <a:latin typeface="Verdana"/>
+                <a:cs typeface="Verdana"/>
+              </a:rPr>
+              <a:t>terdapat</a:t>
+            </a:r>
+            <a:r>
+              <a:rPr lang="en-US" sz="1400" dirty="0">
+                <a:latin typeface="Verdana"/>
+                <a:cs typeface="Verdana"/>
+              </a:rPr>
+              <a:t> </a:t>
+            </a:r>
+            <a:r>
+              <a:rPr lang="en-US" sz="1400" dirty="0" err="1">
+                <a:latin typeface="Verdana"/>
+                <a:cs typeface="Verdana"/>
+              </a:rPr>
+              <a:t>kemungkinan</a:t>
+            </a:r>
+            <a:r>
+              <a:rPr lang="en-US" sz="1400" dirty="0">
+                <a:latin typeface="Verdana"/>
+                <a:cs typeface="Verdana"/>
+              </a:rPr>
+              <a:t> </a:t>
+            </a:r>
+            <a:r>
+              <a:rPr lang="en-US" sz="1400" dirty="0" err="1">
+                <a:latin typeface="Verdana"/>
+                <a:cs typeface="Verdana"/>
+              </a:rPr>
+              <a:t>nilai</a:t>
+            </a:r>
+            <a:r>
+              <a:rPr lang="en-US" sz="1400" dirty="0">
+                <a:latin typeface="Verdana"/>
+                <a:cs typeface="Verdana"/>
+              </a:rPr>
+              <a:t> outlier pada Feature BILL_AMT dan PAY_AMT, </a:t>
+            </a:r>
+            <a:r>
+              <a:rPr lang="en-US" sz="1400" dirty="0" err="1">
+                <a:latin typeface="Verdana"/>
+                <a:cs typeface="Verdana"/>
+              </a:rPr>
+              <a:t>maka</a:t>
+            </a:r>
+            <a:r>
+              <a:rPr lang="en-US" sz="1400" dirty="0">
+                <a:latin typeface="Verdana"/>
+                <a:cs typeface="Verdana"/>
+              </a:rPr>
+              <a:t> </a:t>
+            </a:r>
+            <a:r>
+              <a:rPr lang="en-US" sz="1400" dirty="0" err="1">
+                <a:latin typeface="Verdana"/>
+                <a:cs typeface="Verdana"/>
+              </a:rPr>
+              <a:t>kedepannya</a:t>
+            </a:r>
+            <a:r>
+              <a:rPr lang="en-US" sz="1400" dirty="0">
+                <a:latin typeface="Verdana"/>
+                <a:cs typeface="Verdana"/>
+              </a:rPr>
+              <a:t> </a:t>
+            </a:r>
+            <a:r>
+              <a:rPr lang="en-US" sz="1400" dirty="0" err="1">
+                <a:latin typeface="Verdana"/>
+                <a:cs typeface="Verdana"/>
+              </a:rPr>
+              <a:t>kemungkinan</a:t>
+            </a:r>
+            <a:r>
+              <a:rPr lang="en-US" sz="1400" dirty="0">
+                <a:latin typeface="Verdana"/>
+                <a:cs typeface="Verdana"/>
+              </a:rPr>
+              <a:t> </a:t>
+            </a:r>
+            <a:r>
+              <a:rPr lang="en-US" sz="1400" dirty="0" err="1">
+                <a:latin typeface="Verdana"/>
+                <a:cs typeface="Verdana"/>
+              </a:rPr>
+              <a:t>nilai</a:t>
+            </a:r>
+            <a:r>
+              <a:rPr lang="en-US" sz="1400" dirty="0">
+                <a:latin typeface="Verdana"/>
+                <a:cs typeface="Verdana"/>
+              </a:rPr>
+              <a:t> outlier </a:t>
+            </a:r>
+            <a:r>
+              <a:rPr lang="en-US" sz="1400" dirty="0" err="1">
+                <a:latin typeface="Verdana"/>
+                <a:cs typeface="Verdana"/>
+              </a:rPr>
+              <a:t>ini</a:t>
+            </a:r>
+            <a:r>
+              <a:rPr lang="en-US" sz="1400" dirty="0">
+                <a:latin typeface="Verdana"/>
+                <a:cs typeface="Verdana"/>
+              </a:rPr>
+              <a:t> </a:t>
+            </a:r>
+            <a:r>
+              <a:rPr lang="en-US" sz="1400" dirty="0" err="1">
+                <a:latin typeface="Verdana"/>
+                <a:cs typeface="Verdana"/>
+              </a:rPr>
+              <a:t>harus</a:t>
+            </a:r>
+            <a:r>
+              <a:rPr lang="en-US" sz="1400" dirty="0">
+                <a:latin typeface="Verdana"/>
+                <a:cs typeface="Verdana"/>
+              </a:rPr>
+              <a:t> </a:t>
+            </a:r>
+            <a:r>
+              <a:rPr lang="en-US" sz="1400" dirty="0" err="1">
+                <a:latin typeface="Verdana"/>
+                <a:cs typeface="Verdana"/>
+              </a:rPr>
+              <a:t>dihapus</a:t>
+            </a:r>
+            <a:r>
+              <a:rPr lang="en-US" sz="1400" dirty="0">
+                <a:latin typeface="Verdana"/>
+                <a:cs typeface="Verdana"/>
+              </a:rPr>
+              <a:t> </a:t>
+            </a:r>
+            <a:r>
+              <a:rPr lang="en-US" sz="1400" dirty="0" err="1">
+                <a:latin typeface="Verdana"/>
+                <a:cs typeface="Verdana"/>
+              </a:rPr>
+              <a:t>supaya</a:t>
+            </a:r>
+            <a:r>
+              <a:rPr lang="en-US" sz="1400" dirty="0">
+                <a:latin typeface="Verdana"/>
+                <a:cs typeface="Verdana"/>
+              </a:rPr>
+              <a:t> </a:t>
+            </a:r>
+            <a:r>
+              <a:rPr lang="en-US" sz="1400" dirty="0" err="1">
+                <a:latin typeface="Verdana"/>
+                <a:cs typeface="Verdana"/>
+              </a:rPr>
+              <a:t>distibusi</a:t>
+            </a:r>
+            <a:r>
+              <a:rPr lang="en-US" sz="1400" dirty="0">
+                <a:latin typeface="Verdana"/>
+                <a:cs typeface="Verdana"/>
+              </a:rPr>
+              <a:t> data </a:t>
+            </a:r>
+            <a:r>
+              <a:rPr lang="en-US" sz="1400" dirty="0" err="1">
+                <a:latin typeface="Verdana"/>
+                <a:cs typeface="Verdana"/>
+              </a:rPr>
+              <a:t>nya</a:t>
+            </a:r>
+            <a:r>
+              <a:rPr lang="en-US" sz="1400" dirty="0">
+                <a:latin typeface="Verdana"/>
+                <a:cs typeface="Verdana"/>
+              </a:rPr>
+              <a:t> </a:t>
+            </a:r>
+            <a:r>
+              <a:rPr lang="en-US" sz="1400" dirty="0" err="1">
+                <a:latin typeface="Verdana"/>
+                <a:cs typeface="Verdana"/>
+              </a:rPr>
+              <a:t>bisa</a:t>
+            </a:r>
+            <a:r>
+              <a:rPr lang="en-US" sz="1400" dirty="0">
+                <a:latin typeface="Verdana"/>
+                <a:cs typeface="Verdana"/>
+              </a:rPr>
+              <a:t> </a:t>
+            </a:r>
+            <a:r>
+              <a:rPr lang="en-US" sz="1400" dirty="0" err="1">
+                <a:latin typeface="Verdana"/>
+                <a:cs typeface="Verdana"/>
+              </a:rPr>
+              <a:t>mendekati</a:t>
+            </a:r>
+            <a:r>
+              <a:rPr lang="en-US" sz="1400" dirty="0">
+                <a:latin typeface="Verdana"/>
+                <a:cs typeface="Verdana"/>
+              </a:rPr>
+              <a:t> normal, </a:t>
+            </a:r>
+            <a:r>
+              <a:rPr lang="en-US" sz="1400" dirty="0" err="1">
+                <a:latin typeface="Verdana"/>
+                <a:cs typeface="Verdana"/>
+              </a:rPr>
+              <a:t>baik</a:t>
+            </a:r>
+            <a:r>
+              <a:rPr lang="en-US" sz="1400" dirty="0">
+                <a:latin typeface="Verdana"/>
+                <a:cs typeface="Verdana"/>
+              </a:rPr>
+              <a:t> </a:t>
+            </a:r>
+            <a:r>
+              <a:rPr lang="en-US" sz="1400" dirty="0" err="1">
+                <a:latin typeface="Verdana"/>
+                <a:cs typeface="Verdana"/>
+              </a:rPr>
+              <a:t>menggunakan</a:t>
+            </a:r>
+            <a:r>
+              <a:rPr lang="en-US" sz="1400" dirty="0">
+                <a:latin typeface="Verdana"/>
+                <a:cs typeface="Verdana"/>
+              </a:rPr>
+              <a:t> </a:t>
+            </a:r>
+            <a:r>
+              <a:rPr lang="en-US" sz="1400" dirty="0" err="1">
+                <a:latin typeface="Verdana"/>
+                <a:cs typeface="Verdana"/>
+              </a:rPr>
+              <a:t>metode</a:t>
+            </a:r>
+            <a:r>
+              <a:rPr lang="en-US" sz="1400" dirty="0">
+                <a:latin typeface="Verdana"/>
+                <a:cs typeface="Verdana"/>
+              </a:rPr>
+              <a:t> abs z score </a:t>
+            </a:r>
+            <a:r>
+              <a:rPr lang="en-US" sz="1400" dirty="0" err="1">
+                <a:latin typeface="Verdana"/>
+                <a:cs typeface="Verdana"/>
+              </a:rPr>
+              <a:t>atau</a:t>
+            </a:r>
+            <a:r>
+              <a:rPr lang="en-US" sz="1400" dirty="0">
+                <a:latin typeface="Verdana"/>
+                <a:cs typeface="Verdana"/>
+              </a:rPr>
+              <a:t> IQR</a:t>
+            </a:r>
+            <a:endParaRPr sz="1400" dirty="0">
+              <a:latin typeface="Verdana"/>
+              <a:cs typeface="Verdana"/>
+            </a:endParaRPr>
+          </a:p>
+        </p:txBody>
+      </p:sp>
+    </p:spTree>
+    <p:extLst>
+      <p:ext uri="{BB962C8B-B14F-4D97-AF65-F5344CB8AC3E}">
+        <p14:creationId xmlns:p14="http://schemas.microsoft.com/office/powerpoint/2010/main" val="2810219246"/>
+      </p:ext>
+    </p:extLst>
+  </p:cSld>
+  <p:clrMapOvr>
+    <a:masterClrMapping/>
+  </p:clrMapOvr>
+</p:sld>
+</file>
+
+<file path=ppt/slides/slide8.xml><?xml version="1.0" encoding="utf-8"?>
+<p:sld xmlns:a="http://schemas.openxmlformats.org/drawingml/2006/main" xmlns:r="http://schemas.openxmlformats.org/officeDocument/2006/relationships" xmlns:p="http://schemas.openxmlformats.org/presentationml/2006/main">
+  <p:cSld>
+    <p:spTree>
+      <p:nvGrpSpPr>
+        <p:cNvPr id="1" name=""/>
+        <p:cNvGrpSpPr/>
+        <p:nvPr/>
+      </p:nvGrpSpPr>
+      <p:grpSpPr>
+        <a:xfrm>
+          <a:off x="0" y="0"/>
+          <a:ext cx="0" cy="0"/>
+          <a:chOff x="0" y="0"/>
+          <a:chExt cx="0" cy="0"/>
+        </a:xfrm>
+      </p:grpSpPr>
+      <p:sp>
+        <p:nvSpPr>
+          <p:cNvPr id="2" name="object 2"/>
+          <p:cNvSpPr txBox="1">
+            <a:spLocks noGrp="1"/>
+          </p:cNvSpPr>
+          <p:nvPr>
+            <p:ph type="title"/>
+          </p:nvPr>
+        </p:nvSpPr>
+        <p:spPr>
+          <a:xfrm>
+            <a:off x="512374" y="200448"/>
             <a:ext cx="4875530" cy="409575"/>
           </a:xfrm>
           <a:prstGeom prst="rect">
@@ -6871,435 +10870,6 @@
               <a:rPr spc="-10" dirty="0"/>
               <a:t>berkorelasi</a:t>
             </a:r>
-          </a:p>
-        </p:txBody>
-      </p:sp>
-    </p:spTree>
-  </p:cSld>
-  <p:clrMapOvr>
-    <a:masterClrMapping/>
-  </p:clrMapOvr>
-</p:sld>
-</file>
-
-<file path=ppt/slides/slide8.xml><?xml version="1.0" encoding="utf-8"?>
-<p:sld xmlns:a="http://schemas.openxmlformats.org/drawingml/2006/main" xmlns:r="http://schemas.openxmlformats.org/officeDocument/2006/relationships" xmlns:p="http://schemas.openxmlformats.org/presentationml/2006/main" showMasterSp="0">
-  <p:cSld>
-    <p:spTree>
-      <p:nvGrpSpPr>
-        <p:cNvPr id="1" name=""/>
-        <p:cNvGrpSpPr/>
-        <p:nvPr/>
-      </p:nvGrpSpPr>
-      <p:grpSpPr>
-        <a:xfrm>
-          <a:off x="0" y="0"/>
-          <a:ext cx="0" cy="0"/>
-          <a:chOff x="0" y="0"/>
-          <a:chExt cx="0" cy="0"/>
-        </a:xfrm>
-      </p:grpSpPr>
-      <p:sp>
-        <p:nvSpPr>
-          <p:cNvPr id="2" name="object 2"/>
-          <p:cNvSpPr/>
-          <p:nvPr/>
-        </p:nvSpPr>
-        <p:spPr>
-          <a:xfrm>
-            <a:off x="0" y="0"/>
-            <a:ext cx="9143981" cy="5143489"/>
-          </a:xfrm>
-          <a:prstGeom prst="rect">
-            <a:avLst/>
-          </a:prstGeom>
-          <a:blipFill>
-            <a:blip r:embed="rId2" cstate="print"/>
-            <a:stretch>
-              <a:fillRect/>
-            </a:stretch>
-          </a:blipFill>
-        </p:spPr>
-        <p:txBody>
-          <a:bodyPr wrap="square" lIns="0" tIns="0" rIns="0" bIns="0" rtlCol="0"/>
-          <a:lstStyle/>
-          <a:p>
-            <a:endParaRPr/>
-          </a:p>
-        </p:txBody>
-      </p:sp>
-      <p:sp>
-        <p:nvSpPr>
-          <p:cNvPr id="3" name="object 3"/>
-          <p:cNvSpPr txBox="1"/>
-          <p:nvPr/>
-        </p:nvSpPr>
-        <p:spPr>
-          <a:xfrm>
-            <a:off x="512374" y="200448"/>
-            <a:ext cx="4237990" cy="409575"/>
-          </a:xfrm>
-          <a:prstGeom prst="rect">
-            <a:avLst/>
-          </a:prstGeom>
-        </p:spPr>
-        <p:txBody>
-          <a:bodyPr vert="horz" wrap="square" lIns="0" tIns="15240" rIns="0" bIns="0" rtlCol="0">
-            <a:spAutoFit/>
-          </a:bodyPr>
-          <a:lstStyle/>
-          <a:p>
-            <a:pPr marL="12700">
-              <a:lnSpc>
-                <a:spcPct val="100000"/>
-              </a:lnSpc>
-              <a:spcBef>
-                <a:spcPts val="120"/>
-              </a:spcBef>
-            </a:pPr>
-            <a:r>
-              <a:rPr sz="2500" b="1" spc="-120" dirty="0">
-                <a:latin typeface="Verdana"/>
-                <a:cs typeface="Verdana"/>
-              </a:rPr>
-              <a:t>4. </a:t>
-            </a:r>
-            <a:r>
-              <a:rPr sz="2500" b="1" spc="-85" dirty="0">
-                <a:latin typeface="Verdana"/>
-                <a:cs typeface="Verdana"/>
-              </a:rPr>
-              <a:t>Business </a:t>
-            </a:r>
-            <a:r>
-              <a:rPr sz="2500" b="1" spc="-130" dirty="0">
-                <a:latin typeface="Verdana"/>
-                <a:cs typeface="Verdana"/>
-              </a:rPr>
-              <a:t>Insight </a:t>
-            </a:r>
-            <a:r>
-              <a:rPr sz="1600" b="1" spc="-160" dirty="0">
-                <a:solidFill>
-                  <a:srgbClr val="0000FF"/>
-                </a:solidFill>
-                <a:latin typeface="Verdana"/>
-                <a:cs typeface="Verdana"/>
-              </a:rPr>
-              <a:t>(30</a:t>
-            </a:r>
-            <a:r>
-              <a:rPr sz="1600" b="1" spc="-225" dirty="0">
-                <a:solidFill>
-                  <a:srgbClr val="0000FF"/>
-                </a:solidFill>
-                <a:latin typeface="Verdana"/>
-                <a:cs typeface="Verdana"/>
-              </a:rPr>
-              <a:t> </a:t>
-            </a:r>
-            <a:r>
-              <a:rPr sz="1600" b="1" spc="-75" dirty="0">
-                <a:solidFill>
-                  <a:srgbClr val="0000FF"/>
-                </a:solidFill>
-                <a:latin typeface="Verdana"/>
-                <a:cs typeface="Verdana"/>
-              </a:rPr>
-              <a:t>poin)</a:t>
-            </a:r>
-            <a:endParaRPr sz="1600">
-              <a:latin typeface="Verdana"/>
-              <a:cs typeface="Verdana"/>
-            </a:endParaRPr>
-          </a:p>
-        </p:txBody>
-      </p:sp>
-      <p:sp>
-        <p:nvSpPr>
-          <p:cNvPr id="4" name="object 4"/>
-          <p:cNvSpPr txBox="1"/>
-          <p:nvPr/>
-        </p:nvSpPr>
-        <p:spPr>
-          <a:xfrm>
-            <a:off x="585373" y="1033984"/>
-            <a:ext cx="7713980" cy="762000"/>
-          </a:xfrm>
-          <a:prstGeom prst="rect">
-            <a:avLst/>
-          </a:prstGeom>
-        </p:spPr>
-        <p:txBody>
-          <a:bodyPr vert="horz" wrap="square" lIns="0" tIns="12700" rIns="0" bIns="0" rtlCol="0">
-            <a:spAutoFit/>
-          </a:bodyPr>
-          <a:lstStyle/>
-          <a:p>
-            <a:pPr marL="12700" marR="5080">
-              <a:lnSpc>
-                <a:spcPct val="114999"/>
-              </a:lnSpc>
-              <a:spcBef>
-                <a:spcPts val="100"/>
-              </a:spcBef>
-            </a:pPr>
-            <a:r>
-              <a:rPr sz="1400" spc="-10" dirty="0">
-                <a:latin typeface="Verdana"/>
-                <a:cs typeface="Verdana"/>
-              </a:rPr>
-              <a:t>Selain </a:t>
-            </a:r>
-            <a:r>
-              <a:rPr sz="1400" spc="-5" dirty="0">
-                <a:latin typeface="Verdana"/>
-                <a:cs typeface="Verdana"/>
-              </a:rPr>
-              <a:t>EDA, </a:t>
-            </a:r>
-            <a:r>
-              <a:rPr sz="1400" spc="10" dirty="0">
-                <a:latin typeface="Verdana"/>
-                <a:cs typeface="Verdana"/>
-              </a:rPr>
-              <a:t>lakukan </a:t>
-            </a:r>
-            <a:r>
-              <a:rPr sz="1400" spc="5" dirty="0">
-                <a:latin typeface="Verdana"/>
-                <a:cs typeface="Verdana"/>
-              </a:rPr>
-              <a:t>juga </a:t>
-            </a:r>
-            <a:r>
-              <a:rPr sz="1400" spc="10" dirty="0">
-                <a:latin typeface="Verdana"/>
-                <a:cs typeface="Verdana"/>
-              </a:rPr>
-              <a:t>beberapa </a:t>
-            </a:r>
-            <a:r>
-              <a:rPr sz="1400" spc="-15" dirty="0">
-                <a:latin typeface="Verdana"/>
-                <a:cs typeface="Verdana"/>
-              </a:rPr>
-              <a:t>analisis </a:t>
-            </a:r>
-            <a:r>
-              <a:rPr sz="1400" spc="40" dirty="0">
-                <a:latin typeface="Verdana"/>
-                <a:cs typeface="Verdana"/>
-              </a:rPr>
-              <a:t>dan </a:t>
-            </a:r>
-            <a:r>
-              <a:rPr sz="1400" spc="-20" dirty="0">
-                <a:latin typeface="Verdana"/>
-                <a:cs typeface="Verdana"/>
-              </a:rPr>
-              <a:t>visualisasi </a:t>
-            </a:r>
-            <a:r>
-              <a:rPr sz="1400" spc="40" dirty="0">
-                <a:latin typeface="Verdana"/>
-                <a:cs typeface="Verdana"/>
-              </a:rPr>
-              <a:t>untuk </a:t>
-            </a:r>
-            <a:r>
-              <a:rPr sz="1400" spc="45" dirty="0">
-                <a:latin typeface="Verdana"/>
-                <a:cs typeface="Verdana"/>
-              </a:rPr>
-              <a:t>menemukan </a:t>
-            </a:r>
-            <a:r>
-              <a:rPr sz="1400" spc="10" dirty="0">
-                <a:latin typeface="Verdana"/>
-                <a:cs typeface="Verdana"/>
-              </a:rPr>
-              <a:t>suatu  </a:t>
-            </a:r>
-            <a:r>
-              <a:rPr sz="1400" spc="5" dirty="0">
-                <a:latin typeface="Verdana"/>
-                <a:cs typeface="Verdana"/>
-              </a:rPr>
-              <a:t>business</a:t>
-            </a:r>
-            <a:r>
-              <a:rPr sz="1400" spc="-125" dirty="0">
-                <a:latin typeface="Verdana"/>
-                <a:cs typeface="Verdana"/>
-              </a:rPr>
-              <a:t> </a:t>
-            </a:r>
-            <a:r>
-              <a:rPr sz="1400" spc="-5" dirty="0">
-                <a:latin typeface="Verdana"/>
-                <a:cs typeface="Verdana"/>
-              </a:rPr>
-              <a:t>insight.</a:t>
-            </a:r>
-            <a:r>
-              <a:rPr sz="1400" spc="-120" dirty="0">
-                <a:latin typeface="Verdana"/>
-                <a:cs typeface="Verdana"/>
-              </a:rPr>
-              <a:t> </a:t>
-            </a:r>
-            <a:r>
-              <a:rPr sz="1400" spc="-10" dirty="0">
-                <a:latin typeface="Verdana"/>
-                <a:cs typeface="Verdana"/>
-              </a:rPr>
-              <a:t>Tuliskan</a:t>
-            </a:r>
-            <a:r>
-              <a:rPr sz="1400" spc="-125" dirty="0">
-                <a:latin typeface="Verdana"/>
-                <a:cs typeface="Verdana"/>
-              </a:rPr>
-              <a:t> </a:t>
-            </a:r>
-            <a:r>
-              <a:rPr sz="1400" spc="35" dirty="0">
-                <a:latin typeface="Verdana"/>
-                <a:cs typeface="Verdana"/>
-              </a:rPr>
-              <a:t>minimal</a:t>
-            </a:r>
-            <a:r>
-              <a:rPr sz="1400" spc="-120" dirty="0">
-                <a:latin typeface="Verdana"/>
-                <a:cs typeface="Verdana"/>
-              </a:rPr>
-              <a:t> </a:t>
-            </a:r>
-            <a:r>
-              <a:rPr sz="1400" spc="-105" dirty="0">
-                <a:latin typeface="Verdana"/>
-                <a:cs typeface="Verdana"/>
-              </a:rPr>
-              <a:t>3</a:t>
-            </a:r>
-            <a:r>
-              <a:rPr sz="1400" spc="-125" dirty="0">
-                <a:latin typeface="Verdana"/>
-                <a:cs typeface="Verdana"/>
-              </a:rPr>
-              <a:t> </a:t>
-            </a:r>
-            <a:r>
-              <a:rPr sz="1400" spc="-5" dirty="0">
-                <a:latin typeface="Verdana"/>
-                <a:cs typeface="Verdana"/>
-              </a:rPr>
-              <a:t>insight,</a:t>
-            </a:r>
-            <a:r>
-              <a:rPr sz="1400" spc="-120" dirty="0">
-                <a:latin typeface="Verdana"/>
-                <a:cs typeface="Verdana"/>
-              </a:rPr>
-              <a:t> </a:t>
-            </a:r>
-            <a:r>
-              <a:rPr sz="1400" spc="40" dirty="0">
-                <a:latin typeface="Verdana"/>
-                <a:cs typeface="Verdana"/>
-              </a:rPr>
-              <a:t>dan</a:t>
-            </a:r>
-            <a:r>
-              <a:rPr sz="1400" spc="-125" dirty="0">
-                <a:latin typeface="Verdana"/>
-                <a:cs typeface="Verdana"/>
-              </a:rPr>
-              <a:t> </a:t>
-            </a:r>
-            <a:r>
-              <a:rPr sz="1400" dirty="0">
-                <a:latin typeface="Verdana"/>
-                <a:cs typeface="Verdana"/>
-              </a:rPr>
-              <a:t>berdasarkan</a:t>
-            </a:r>
-            <a:r>
-              <a:rPr sz="1400" spc="-120" dirty="0">
-                <a:latin typeface="Verdana"/>
-                <a:cs typeface="Verdana"/>
-              </a:rPr>
-              <a:t> </a:t>
-            </a:r>
-            <a:r>
-              <a:rPr sz="1400" spc="20" dirty="0">
-                <a:latin typeface="Verdana"/>
-                <a:cs typeface="Verdana"/>
-              </a:rPr>
-              <a:t>insight</a:t>
-            </a:r>
-            <a:r>
-              <a:rPr sz="1400" spc="-125" dirty="0">
-                <a:latin typeface="Verdana"/>
-                <a:cs typeface="Verdana"/>
-              </a:rPr>
-              <a:t> </a:t>
-            </a:r>
-            <a:r>
-              <a:rPr sz="1400" spc="5" dirty="0">
-                <a:latin typeface="Verdana"/>
-                <a:cs typeface="Verdana"/>
-              </a:rPr>
-              <a:t>tersebut</a:t>
-            </a:r>
-            <a:r>
-              <a:rPr sz="1400" spc="-120" dirty="0">
-                <a:latin typeface="Verdana"/>
-                <a:cs typeface="Verdana"/>
-              </a:rPr>
-              <a:t> </a:t>
-            </a:r>
-            <a:r>
-              <a:rPr sz="1400" spc="-15" dirty="0">
-                <a:latin typeface="Verdana"/>
-                <a:cs typeface="Verdana"/>
-              </a:rPr>
-              <a:t>jelaskan  </a:t>
-            </a:r>
-            <a:r>
-              <a:rPr sz="1400" spc="5" dirty="0">
-                <a:latin typeface="Verdana"/>
-                <a:cs typeface="Verdana"/>
-              </a:rPr>
-              <a:t>rekomendasinya </a:t>
-            </a:r>
-            <a:r>
-              <a:rPr sz="1400" spc="40" dirty="0">
-                <a:latin typeface="Verdana"/>
-                <a:cs typeface="Verdana"/>
-              </a:rPr>
-              <a:t>untuk</a:t>
-            </a:r>
-            <a:r>
-              <a:rPr sz="1400" spc="-270" dirty="0">
-                <a:latin typeface="Verdana"/>
-                <a:cs typeface="Verdana"/>
-              </a:rPr>
-              <a:t> </a:t>
-            </a:r>
-            <a:r>
-              <a:rPr sz="1400" spc="-30" dirty="0">
-                <a:latin typeface="Verdana"/>
-                <a:cs typeface="Verdana"/>
-              </a:rPr>
-              <a:t>bisnis.</a:t>
-            </a:r>
-            <a:endParaRPr sz="1400">
-              <a:latin typeface="Verdana"/>
-              <a:cs typeface="Verdana"/>
-            </a:endParaRPr>
           </a:p>
         </p:txBody>
       </p:sp>
@@ -7341,7 +10911,7 @@
         <p:spPr>
           <a:xfrm>
             <a:off x="512374" y="200448"/>
-            <a:ext cx="1864360" cy="409575"/>
+            <a:ext cx="4875530" cy="409575"/>
           </a:xfrm>
           <a:prstGeom prst="rect">
             <a:avLst/>
@@ -7363,11 +10933,15 @@
             </a:pPr>
             <a:r>
               <a:rPr sz="2500" spc="-265" dirty="0"/>
-              <a:t>5. </a:t>
-            </a:r>
-            <a:r>
-              <a:rPr sz="2500" spc="-75" dirty="0"/>
-              <a:t>Git </a:t>
+              <a:t>3. </a:t>
+            </a:r>
+            <a:r>
+              <a:rPr sz="2500" spc="-85" dirty="0"/>
+              <a:t>Multivariate </a:t>
+            </a:r>
+            <a:r>
+              <a:rPr sz="2500" spc="-100" dirty="0"/>
+              <a:t>Analysis </a:t>
             </a:r>
             <a:r>
               <a:rPr sz="1600" spc="-315" dirty="0">
@@ -7378,7 +10952,7 @@
               <a:t>(15</a:t>
             </a:r>
             <a:r>
-              <a:rPr sz="1600" spc="-95" dirty="0">
+              <a:rPr sz="1600" spc="-85" dirty="0">
                 <a:solidFill>
                   <a:srgbClr val="0000FF"/>
                 </a:solidFill>
@@ -7400,13 +10974,17 @@
       <p:sp>
         <p:nvSpPr>
           <p:cNvPr id="3" name="object 3"/>
-          <p:cNvSpPr txBox="1"/>
-          <p:nvPr/>
+          <p:cNvSpPr txBox="1">
+            <a:spLocks noGrp="1"/>
+          </p:cNvSpPr>
+          <p:nvPr>
+            <p:ph type="body" idx="1"/>
+          </p:nvPr>
         </p:nvSpPr>
         <p:spPr>
           <a:xfrm>
-            <a:off x="585373" y="1033984"/>
-            <a:ext cx="7941309" cy="1557020"/>
+            <a:off x="481426" y="1033984"/>
+            <a:ext cx="8181147" cy="979179"/>
           </a:xfrm>
           <a:prstGeom prst="rect">
             <a:avLst/>
@@ -7418,634 +10996,670 @@
           </a:bodyPr>
           <a:lstStyle/>
           <a:p>
-            <a:pPr marL="12700" marR="329565">
+            <a:pPr marL="401955" marR="5080" indent="-285750">
               <a:lnSpc>
                 <a:spcPct val="114999"/>
               </a:lnSpc>
               <a:spcBef>
                 <a:spcPts val="100"/>
               </a:spcBef>
+              <a:buFont typeface="Arial" panose="020B0604020202020204" pitchFamily="34" charset="0"/>
+              <a:buChar char="•"/>
             </a:pPr>
             <a:r>
-              <a:rPr sz="1400" spc="35" dirty="0">
-                <a:latin typeface="Verdana"/>
-                <a:cs typeface="Verdana"/>
-              </a:rPr>
-              <a:t>Upload</a:t>
-            </a:r>
-            <a:r>
-              <a:rPr sz="1400" spc="-125" dirty="0">
-                <a:latin typeface="Verdana"/>
-                <a:cs typeface="Verdana"/>
-              </a:rPr>
-              <a:t> </a:t>
-            </a:r>
-            <a:r>
-              <a:rPr sz="1400" spc="5" dirty="0">
-                <a:latin typeface="Verdana"/>
-                <a:cs typeface="Verdana"/>
-              </a:rPr>
-              <a:t>project</a:t>
-            </a:r>
-            <a:r>
-              <a:rPr sz="1400" spc="-120" dirty="0">
-                <a:latin typeface="Verdana"/>
-                <a:cs typeface="Verdana"/>
-              </a:rPr>
-              <a:t> </a:t>
-            </a:r>
-            <a:r>
-              <a:rPr sz="1400" spc="20" dirty="0">
-                <a:latin typeface="Verdana"/>
-                <a:cs typeface="Verdana"/>
-              </a:rPr>
-              <a:t>teman-teman</a:t>
-            </a:r>
-            <a:r>
-              <a:rPr sz="1400" spc="-120" dirty="0">
-                <a:latin typeface="Verdana"/>
-                <a:cs typeface="Verdana"/>
-              </a:rPr>
-              <a:t> </a:t>
-            </a:r>
-            <a:r>
-              <a:rPr sz="1400" spc="30" dirty="0">
-                <a:latin typeface="Verdana"/>
-                <a:cs typeface="Verdana"/>
-              </a:rPr>
-              <a:t>di</a:t>
-            </a:r>
-            <a:r>
-              <a:rPr sz="1400" spc="-120" dirty="0">
-                <a:latin typeface="Verdana"/>
-                <a:cs typeface="Verdana"/>
-              </a:rPr>
-              <a:t> </a:t>
-            </a:r>
-            <a:r>
-              <a:rPr sz="1400" spc="20" dirty="0">
-                <a:latin typeface="Verdana"/>
-                <a:cs typeface="Verdana"/>
-              </a:rPr>
-              <a:t>sebuah</a:t>
-            </a:r>
-            <a:r>
-              <a:rPr sz="1400" spc="-125" dirty="0">
-                <a:latin typeface="Verdana"/>
-                <a:cs typeface="Verdana"/>
-              </a:rPr>
-              <a:t> </a:t>
-            </a:r>
-            <a:r>
-              <a:rPr sz="1400" spc="-10" dirty="0">
-                <a:latin typeface="Verdana"/>
-                <a:cs typeface="Verdana"/>
-              </a:rPr>
-              <a:t>repository</a:t>
-            </a:r>
-            <a:r>
-              <a:rPr sz="1400" spc="-120" dirty="0">
-                <a:latin typeface="Verdana"/>
-                <a:cs typeface="Verdana"/>
-              </a:rPr>
-              <a:t> </a:t>
-            </a:r>
-            <a:r>
-              <a:rPr sz="1400" spc="-30" dirty="0">
-                <a:latin typeface="Verdana"/>
-                <a:cs typeface="Verdana"/>
-              </a:rPr>
-              <a:t>git.</a:t>
-            </a:r>
-            <a:r>
-              <a:rPr sz="1400" spc="-120" dirty="0">
-                <a:latin typeface="Verdana"/>
-                <a:cs typeface="Verdana"/>
-              </a:rPr>
-              <a:t> </a:t>
-            </a:r>
-            <a:r>
-              <a:rPr sz="1400" dirty="0">
-                <a:latin typeface="Verdana"/>
-                <a:cs typeface="Verdana"/>
-              </a:rPr>
-              <a:t>Berkolaborasilah</a:t>
-            </a:r>
-            <a:r>
-              <a:rPr sz="1400" spc="-120" dirty="0">
-                <a:latin typeface="Verdana"/>
-                <a:cs typeface="Verdana"/>
-              </a:rPr>
-              <a:t> </a:t>
-            </a:r>
-            <a:r>
-              <a:rPr sz="1400" spc="30" dirty="0">
-                <a:latin typeface="Verdana"/>
-                <a:cs typeface="Verdana"/>
-              </a:rPr>
-              <a:t>di</a:t>
-            </a:r>
-            <a:r>
-              <a:rPr sz="1400" spc="-120" dirty="0">
-                <a:latin typeface="Verdana"/>
-                <a:cs typeface="Verdana"/>
-              </a:rPr>
-              <a:t> </a:t>
-            </a:r>
-            <a:r>
-              <a:rPr sz="1400" dirty="0">
-                <a:latin typeface="Verdana"/>
-                <a:cs typeface="Verdana"/>
-              </a:rPr>
-              <a:t>Git</a:t>
-            </a:r>
-            <a:r>
-              <a:rPr sz="1400" spc="-125" dirty="0">
-                <a:latin typeface="Verdana"/>
-                <a:cs typeface="Verdana"/>
-              </a:rPr>
-              <a:t> </a:t>
-            </a:r>
-            <a:r>
-              <a:rPr sz="1400" spc="-35" dirty="0">
-                <a:latin typeface="Verdana"/>
-                <a:cs typeface="Verdana"/>
-              </a:rPr>
-              <a:t>jika</a:t>
-            </a:r>
-            <a:r>
-              <a:rPr sz="1400" spc="-120" dirty="0">
-                <a:latin typeface="Verdana"/>
-                <a:cs typeface="Verdana"/>
-              </a:rPr>
-              <a:t> </a:t>
-            </a:r>
-            <a:r>
-              <a:rPr sz="1400" spc="15" dirty="0">
-                <a:latin typeface="Verdana"/>
-                <a:cs typeface="Verdana"/>
-              </a:rPr>
-              <a:t>ada  </a:t>
-            </a:r>
-            <a:r>
-              <a:rPr sz="1400" spc="30" dirty="0">
-                <a:latin typeface="Verdana"/>
-                <a:cs typeface="Verdana"/>
-              </a:rPr>
-              <a:t>perubahan</a:t>
-            </a:r>
-            <a:r>
-              <a:rPr sz="1400" spc="-135" dirty="0">
-                <a:latin typeface="Verdana"/>
-                <a:cs typeface="Verdana"/>
-              </a:rPr>
-              <a:t> </a:t>
-            </a:r>
-            <a:r>
-              <a:rPr sz="1400" spc="-15" dirty="0">
-                <a:latin typeface="Verdana"/>
-                <a:cs typeface="Verdana"/>
-              </a:rPr>
-              <a:t>version</a:t>
-            </a:r>
-            <a:r>
-              <a:rPr sz="1400" spc="-130" dirty="0">
-                <a:latin typeface="Verdana"/>
-                <a:cs typeface="Verdana"/>
-              </a:rPr>
-              <a:t> </a:t>
-            </a:r>
-            <a:r>
-              <a:rPr sz="1400" dirty="0">
-                <a:latin typeface="Verdana"/>
-                <a:cs typeface="Verdana"/>
-              </a:rPr>
-              <a:t>dari</a:t>
-            </a:r>
-            <a:r>
-              <a:rPr sz="1400" spc="-130" dirty="0">
-                <a:latin typeface="Verdana"/>
-                <a:cs typeface="Verdana"/>
-              </a:rPr>
-              <a:t> </a:t>
-            </a:r>
-            <a:r>
-              <a:rPr sz="1400" spc="25" dirty="0">
-                <a:latin typeface="Verdana"/>
-                <a:cs typeface="Verdana"/>
-              </a:rPr>
-              <a:t>waktu</a:t>
-            </a:r>
-            <a:r>
-              <a:rPr sz="1400" spc="-130" dirty="0">
-                <a:latin typeface="Verdana"/>
-                <a:cs typeface="Verdana"/>
-              </a:rPr>
-              <a:t> </a:t>
-            </a:r>
-            <a:r>
-              <a:rPr sz="1400" spc="-5" dirty="0">
-                <a:latin typeface="Verdana"/>
-                <a:cs typeface="Verdana"/>
-              </a:rPr>
-              <a:t>ke</a:t>
-            </a:r>
-            <a:r>
-              <a:rPr sz="1400" spc="-130" dirty="0">
-                <a:latin typeface="Verdana"/>
-                <a:cs typeface="Verdana"/>
-              </a:rPr>
-              <a:t> </a:t>
-            </a:r>
-            <a:r>
-              <a:rPr sz="1400" spc="-15" dirty="0">
-                <a:latin typeface="Verdana"/>
-                <a:cs typeface="Verdana"/>
-              </a:rPr>
-              <a:t>waktu.</a:t>
-            </a:r>
-            <a:endParaRPr sz="1400">
-              <a:latin typeface="Verdana"/>
-              <a:cs typeface="Verdana"/>
-            </a:endParaRPr>
+              <a:rPr lang="en-US" spc="15" dirty="0"/>
+              <a:t>Dari </a:t>
+            </a:r>
+            <a:r>
+              <a:rPr lang="en-US" spc="15" dirty="0" err="1"/>
+              <a:t>hasil</a:t>
+            </a:r>
+            <a:r>
+              <a:rPr lang="en-US" spc="15" dirty="0"/>
+              <a:t> </a:t>
+            </a:r>
+            <a:r>
+              <a:rPr lang="en-US" spc="15" dirty="0" err="1"/>
+              <a:t>visualisasi</a:t>
+            </a:r>
+            <a:r>
+              <a:rPr lang="en-US" spc="15" dirty="0"/>
+              <a:t> heatmap, </a:t>
+            </a:r>
+            <a:r>
+              <a:rPr lang="en-US" spc="15" dirty="0" err="1"/>
+              <a:t>untuk</a:t>
+            </a:r>
+            <a:r>
+              <a:rPr lang="en-US" spc="15" dirty="0"/>
+              <a:t> </a:t>
+            </a:r>
+            <a:r>
+              <a:rPr lang="en-US" spc="15" dirty="0" err="1"/>
+              <a:t>nilai</a:t>
+            </a:r>
+            <a:r>
+              <a:rPr lang="en-US" spc="15" dirty="0"/>
+              <a:t> </a:t>
+            </a:r>
+            <a:r>
+              <a:rPr lang="en-US" spc="15" dirty="0" err="1"/>
+              <a:t>koef</a:t>
+            </a:r>
+            <a:r>
+              <a:rPr lang="en-US" spc="15" dirty="0"/>
+              <a:t> r masing2 feature </a:t>
+            </a:r>
+            <a:r>
+              <a:rPr lang="en-US" spc="15" dirty="0" err="1"/>
+              <a:t>terhadap</a:t>
+            </a:r>
+            <a:r>
+              <a:rPr lang="en-US" spc="15" dirty="0"/>
+              <a:t> data target (</a:t>
+            </a:r>
+            <a:r>
+              <a:rPr lang="en-US" spc="15" dirty="0" err="1"/>
+              <a:t>default_payment_rate</a:t>
+            </a:r>
+            <a:r>
+              <a:rPr lang="en-US" spc="15" dirty="0"/>
+              <a:t>) </a:t>
+            </a:r>
+            <a:r>
+              <a:rPr lang="en-US" spc="15" dirty="0" err="1"/>
+              <a:t>nilainya</a:t>
+            </a:r>
+            <a:r>
+              <a:rPr lang="en-US" spc="15" dirty="0"/>
+              <a:t> &lt; 0,25. Hal </a:t>
+            </a:r>
+            <a:r>
+              <a:rPr lang="en-US" spc="15" dirty="0" err="1"/>
+              <a:t>ini</a:t>
+            </a:r>
+            <a:r>
+              <a:rPr lang="en-US" spc="15" dirty="0"/>
+              <a:t> </a:t>
+            </a:r>
+            <a:r>
+              <a:rPr lang="en-US" spc="15" dirty="0" err="1"/>
+              <a:t>kemungkinan</a:t>
+            </a:r>
+            <a:r>
+              <a:rPr lang="en-US" spc="15" dirty="0"/>
+              <a:t> </a:t>
+            </a:r>
+            <a:r>
+              <a:rPr lang="en-US" spc="15" dirty="0" err="1"/>
+              <a:t>dapat</a:t>
+            </a:r>
+            <a:r>
+              <a:rPr lang="en-US" spc="15" dirty="0"/>
+              <a:t> </a:t>
+            </a:r>
+            <a:r>
+              <a:rPr lang="en-US" spc="15" dirty="0" err="1"/>
+              <a:t>mengindikasikan</a:t>
+            </a:r>
+            <a:r>
+              <a:rPr lang="en-US" spc="15" dirty="0"/>
+              <a:t> </a:t>
+            </a:r>
+            <a:r>
+              <a:rPr lang="en-US" spc="15" dirty="0" err="1"/>
+              <a:t>bahwa</a:t>
+            </a:r>
+            <a:r>
+              <a:rPr lang="en-US" spc="15" dirty="0"/>
+              <a:t> data target </a:t>
+            </a:r>
+            <a:r>
+              <a:rPr lang="en-US" spc="15" dirty="0" err="1"/>
+              <a:t>tidak</a:t>
+            </a:r>
+            <a:r>
+              <a:rPr lang="en-US" spc="15" dirty="0"/>
+              <a:t> </a:t>
+            </a:r>
+            <a:r>
+              <a:rPr lang="en-US" spc="15" dirty="0" err="1"/>
+              <a:t>memiliki</a:t>
+            </a:r>
+            <a:r>
+              <a:rPr lang="en-US" spc="15" dirty="0"/>
+              <a:t> </a:t>
+            </a:r>
+            <a:r>
+              <a:rPr lang="en-US" spc="15" dirty="0" err="1"/>
+              <a:t>korelasi</a:t>
+            </a:r>
+            <a:r>
+              <a:rPr lang="en-US" spc="15" dirty="0"/>
+              <a:t> linier </a:t>
+            </a:r>
+            <a:r>
+              <a:rPr lang="en-US" spc="15" dirty="0" err="1"/>
+              <a:t>terhadapt</a:t>
+            </a:r>
+            <a:r>
+              <a:rPr lang="en-US" spc="15" dirty="0"/>
+              <a:t> feature </a:t>
+            </a:r>
+            <a:r>
+              <a:rPr lang="en-US" spc="15" dirty="0" err="1"/>
+              <a:t>numerikal</a:t>
+            </a:r>
+            <a:endParaRPr spc="-10" dirty="0"/>
           </a:p>
+        </p:txBody>
+      </p:sp>
+      <p:sp>
+        <p:nvSpPr>
+          <p:cNvPr id="4" name="object 3">
+            <a:extLst>
+              <a:ext uri="{FF2B5EF4-FFF2-40B4-BE49-F238E27FC236}">
+                <a16:creationId xmlns:a16="http://schemas.microsoft.com/office/drawing/2014/main" id="{28CC7A53-DF34-6600-845A-7C9E7D29D4D2}"/>
+              </a:ext>
+            </a:extLst>
+          </p:cNvPr>
+          <p:cNvSpPr txBox="1">
+            <a:spLocks/>
+          </p:cNvSpPr>
+          <p:nvPr/>
+        </p:nvSpPr>
+        <p:spPr>
+          <a:xfrm>
+            <a:off x="512374" y="2195294"/>
+            <a:ext cx="8181147" cy="483659"/>
+          </a:xfrm>
+          <a:prstGeom prst="rect">
+            <a:avLst/>
+          </a:prstGeom>
+        </p:spPr>
+        <p:txBody>
+          <a:bodyPr vert="horz" wrap="square" lIns="0" tIns="12700" rIns="0" bIns="0" rtlCol="0">
+            <a:spAutoFit/>
+          </a:bodyPr>
+          <a:lstStyle>
+            <a:lvl1pPr marL="0">
+              <a:defRPr sz="1400" b="0" i="0">
+                <a:solidFill>
+                  <a:schemeClr val="tx1"/>
+                </a:solidFill>
+                <a:latin typeface="Verdana"/>
+                <a:ea typeface="+mn-ea"/>
+                <a:cs typeface="Verdana"/>
+              </a:defRPr>
+            </a:lvl1pPr>
+            <a:lvl2pPr marL="457200">
+              <a:defRPr>
+                <a:latin typeface="+mn-lt"/>
+                <a:ea typeface="+mn-ea"/>
+                <a:cs typeface="+mn-cs"/>
+              </a:defRPr>
+            </a:lvl2pPr>
+            <a:lvl3pPr marL="914400">
+              <a:defRPr>
+                <a:latin typeface="+mn-lt"/>
+                <a:ea typeface="+mn-ea"/>
+                <a:cs typeface="+mn-cs"/>
+              </a:defRPr>
+            </a:lvl3pPr>
+            <a:lvl4pPr marL="1371600">
+              <a:defRPr>
+                <a:latin typeface="+mn-lt"/>
+                <a:ea typeface="+mn-ea"/>
+                <a:cs typeface="+mn-cs"/>
+              </a:defRPr>
+            </a:lvl4pPr>
+            <a:lvl5pPr marL="1828800">
+              <a:defRPr>
+                <a:latin typeface="+mn-lt"/>
+                <a:ea typeface="+mn-ea"/>
+                <a:cs typeface="+mn-cs"/>
+              </a:defRPr>
+            </a:lvl5pPr>
+            <a:lvl6pPr marL="2286000">
+              <a:defRPr>
+                <a:latin typeface="+mn-lt"/>
+                <a:ea typeface="+mn-ea"/>
+                <a:cs typeface="+mn-cs"/>
+              </a:defRPr>
+            </a:lvl6pPr>
+            <a:lvl7pPr marL="2743200">
+              <a:defRPr>
+                <a:latin typeface="+mn-lt"/>
+                <a:ea typeface="+mn-ea"/>
+                <a:cs typeface="+mn-cs"/>
+              </a:defRPr>
+            </a:lvl7pPr>
+            <a:lvl8pPr marL="3200400">
+              <a:defRPr>
+                <a:latin typeface="+mn-lt"/>
+                <a:ea typeface="+mn-ea"/>
+                <a:cs typeface="+mn-cs"/>
+              </a:defRPr>
+            </a:lvl8pPr>
+            <a:lvl9pPr marL="3657600">
+              <a:defRPr>
+                <a:latin typeface="+mn-lt"/>
+                <a:ea typeface="+mn-ea"/>
+                <a:cs typeface="+mn-cs"/>
+              </a:defRPr>
+            </a:lvl9pPr>
+          </a:lstStyle>
           <a:p>
-            <a:pPr marL="469900" indent="-400050">
+            <a:pPr marL="401955" marR="5080" indent="-285750">
               <a:lnSpc>
-                <a:spcPct val="100000"/>
+                <a:spcPct val="114999"/>
               </a:lnSpc>
               <a:spcBef>
-                <a:spcPts val="1450"/>
+                <a:spcPts val="100"/>
               </a:spcBef>
-              <a:buAutoNum type="alphaUcPeriod"/>
-              <a:tabLst>
-                <a:tab pos="469265" algn="l"/>
-                <a:tab pos="469900" algn="l"/>
-              </a:tabLst>
+              <a:buFont typeface="Arial" panose="020B0604020202020204" pitchFamily="34" charset="0"/>
+              <a:buChar char="•"/>
             </a:pPr>
             <a:r>
-              <a:rPr sz="1400" spc="35" dirty="0">
-                <a:latin typeface="Verdana"/>
-                <a:cs typeface="Verdana"/>
-              </a:rPr>
-              <a:t>Buat </a:t>
-            </a:r>
-            <a:r>
-              <a:rPr sz="1400" dirty="0">
-                <a:latin typeface="Verdana"/>
-                <a:cs typeface="Verdana"/>
-              </a:rPr>
-              <a:t>Repository</a:t>
-            </a:r>
-            <a:r>
-              <a:rPr sz="1400" spc="-300" dirty="0">
-                <a:latin typeface="Verdana"/>
-                <a:cs typeface="Verdana"/>
-              </a:rPr>
-              <a:t> </a:t>
-            </a:r>
-            <a:r>
-              <a:rPr sz="1400" dirty="0">
-                <a:latin typeface="Verdana"/>
-                <a:cs typeface="Verdana"/>
-              </a:rPr>
-              <a:t>Git</a:t>
-            </a:r>
-            <a:endParaRPr sz="1400">
-              <a:latin typeface="Verdana"/>
-              <a:cs typeface="Verdana"/>
-            </a:endParaRPr>
+              <a:rPr lang="en-US" kern="0" spc="15" dirty="0" err="1"/>
+              <a:t>Terdapat</a:t>
+            </a:r>
+            <a:r>
+              <a:rPr lang="en-US" kern="0" spc="15" dirty="0"/>
+              <a:t> </a:t>
+            </a:r>
+            <a:r>
+              <a:rPr lang="en-US" kern="0" spc="15" dirty="0" err="1"/>
+              <a:t>kemungkinan</a:t>
+            </a:r>
+            <a:r>
+              <a:rPr lang="en-US" kern="0" spc="15" dirty="0"/>
+              <a:t> </a:t>
+            </a:r>
+            <a:r>
+              <a:rPr lang="en-US" kern="0" spc="15" dirty="0" err="1"/>
+              <a:t>indikasi</a:t>
+            </a:r>
+            <a:r>
+              <a:rPr lang="en-US" kern="0" spc="15" dirty="0"/>
+              <a:t> </a:t>
+            </a:r>
+            <a:r>
+              <a:rPr lang="en-US" kern="0" spc="15" dirty="0" err="1"/>
+              <a:t>korelasi</a:t>
+            </a:r>
+            <a:r>
+              <a:rPr lang="en-US" kern="0" spc="15" dirty="0"/>
+              <a:t> linier yang </a:t>
+            </a:r>
+            <a:r>
+              <a:rPr lang="en-US" kern="0" spc="15" dirty="0" err="1"/>
+              <a:t>cukup</a:t>
+            </a:r>
+            <a:r>
+              <a:rPr lang="en-US" kern="0" spc="15" dirty="0"/>
+              <a:t> </a:t>
+            </a:r>
+            <a:r>
+              <a:rPr lang="en-US" kern="0" spc="15" dirty="0" err="1"/>
+              <a:t>antara</a:t>
+            </a:r>
+            <a:r>
+              <a:rPr lang="en-US" kern="0" spc="15" dirty="0"/>
+              <a:t> feature </a:t>
+            </a:r>
+            <a:r>
+              <a:rPr lang="en-US" kern="0" spc="15" dirty="0" err="1"/>
+              <a:t>bill_amt</a:t>
+            </a:r>
+            <a:r>
+              <a:rPr lang="en-US" kern="0" spc="15" dirty="0"/>
+              <a:t> </a:t>
+            </a:r>
+            <a:r>
+              <a:rPr lang="en-US" kern="0" spc="15" dirty="0" err="1"/>
+              <a:t>dengan</a:t>
+            </a:r>
+            <a:r>
+              <a:rPr lang="en-US" kern="0" spc="15" dirty="0"/>
+              <a:t> </a:t>
+            </a:r>
+            <a:r>
+              <a:rPr lang="en-US" kern="0" spc="15" dirty="0" err="1"/>
+              <a:t>pay_amt</a:t>
+            </a:r>
+            <a:endParaRPr lang="en-US" kern="0" spc="-10" dirty="0"/>
           </a:p>
+        </p:txBody>
+      </p:sp>
+      <p:sp>
+        <p:nvSpPr>
+          <p:cNvPr id="5" name="object 3">
+            <a:extLst>
+              <a:ext uri="{FF2B5EF4-FFF2-40B4-BE49-F238E27FC236}">
+                <a16:creationId xmlns:a16="http://schemas.microsoft.com/office/drawing/2014/main" id="{A4D83CBF-AC89-876D-28AE-65A1E4B16C67}"/>
+              </a:ext>
+            </a:extLst>
+          </p:cNvPr>
+          <p:cNvSpPr txBox="1">
+            <a:spLocks/>
+          </p:cNvSpPr>
+          <p:nvPr/>
+        </p:nvSpPr>
+        <p:spPr>
+          <a:xfrm>
+            <a:off x="481426" y="3028950"/>
+            <a:ext cx="8181147" cy="979179"/>
+          </a:xfrm>
+          <a:prstGeom prst="rect">
+            <a:avLst/>
+          </a:prstGeom>
+        </p:spPr>
+        <p:txBody>
+          <a:bodyPr vert="horz" wrap="square" lIns="0" tIns="12700" rIns="0" bIns="0" rtlCol="0">
+            <a:spAutoFit/>
+          </a:bodyPr>
+          <a:lstStyle>
+            <a:lvl1pPr marL="0">
+              <a:defRPr sz="1400" b="0" i="0">
+                <a:solidFill>
+                  <a:schemeClr val="tx1"/>
+                </a:solidFill>
+                <a:latin typeface="Verdana"/>
+                <a:ea typeface="+mn-ea"/>
+                <a:cs typeface="Verdana"/>
+              </a:defRPr>
+            </a:lvl1pPr>
+            <a:lvl2pPr marL="457200">
+              <a:defRPr>
+                <a:latin typeface="+mn-lt"/>
+                <a:ea typeface="+mn-ea"/>
+                <a:cs typeface="+mn-cs"/>
+              </a:defRPr>
+            </a:lvl2pPr>
+            <a:lvl3pPr marL="914400">
+              <a:defRPr>
+                <a:latin typeface="+mn-lt"/>
+                <a:ea typeface="+mn-ea"/>
+                <a:cs typeface="+mn-cs"/>
+              </a:defRPr>
+            </a:lvl3pPr>
+            <a:lvl4pPr marL="1371600">
+              <a:defRPr>
+                <a:latin typeface="+mn-lt"/>
+                <a:ea typeface="+mn-ea"/>
+                <a:cs typeface="+mn-cs"/>
+              </a:defRPr>
+            </a:lvl4pPr>
+            <a:lvl5pPr marL="1828800">
+              <a:defRPr>
+                <a:latin typeface="+mn-lt"/>
+                <a:ea typeface="+mn-ea"/>
+                <a:cs typeface="+mn-cs"/>
+              </a:defRPr>
+            </a:lvl5pPr>
+            <a:lvl6pPr marL="2286000">
+              <a:defRPr>
+                <a:latin typeface="+mn-lt"/>
+                <a:ea typeface="+mn-ea"/>
+                <a:cs typeface="+mn-cs"/>
+              </a:defRPr>
+            </a:lvl6pPr>
+            <a:lvl7pPr marL="2743200">
+              <a:defRPr>
+                <a:latin typeface="+mn-lt"/>
+                <a:ea typeface="+mn-ea"/>
+                <a:cs typeface="+mn-cs"/>
+              </a:defRPr>
+            </a:lvl7pPr>
+            <a:lvl8pPr marL="3200400">
+              <a:defRPr>
+                <a:latin typeface="+mn-lt"/>
+                <a:ea typeface="+mn-ea"/>
+                <a:cs typeface="+mn-cs"/>
+              </a:defRPr>
+            </a:lvl8pPr>
+            <a:lvl9pPr marL="3657600">
+              <a:defRPr>
+                <a:latin typeface="+mn-lt"/>
+                <a:ea typeface="+mn-ea"/>
+                <a:cs typeface="+mn-cs"/>
+              </a:defRPr>
+            </a:lvl9pPr>
+          </a:lstStyle>
           <a:p>
-            <a:pPr marL="469900" indent="-400685">
+            <a:pPr marL="401955" marR="5080" indent="-285750">
               <a:lnSpc>
-                <a:spcPct val="100000"/>
+                <a:spcPct val="114999"/>
               </a:lnSpc>
               <a:spcBef>
-                <a:spcPts val="250"/>
+                <a:spcPts val="100"/>
               </a:spcBef>
-              <a:buAutoNum type="alphaUcPeriod"/>
-              <a:tabLst>
-                <a:tab pos="469265" algn="l"/>
-                <a:tab pos="469900" algn="l"/>
-              </a:tabLst>
+              <a:buFont typeface="Arial" panose="020B0604020202020204" pitchFamily="34" charset="0"/>
+              <a:buChar char="•"/>
             </a:pPr>
             <a:r>
-              <a:rPr sz="1400" spc="35" dirty="0">
-                <a:latin typeface="Verdana"/>
-                <a:cs typeface="Verdana"/>
-              </a:rPr>
-              <a:t>Upload</a:t>
-            </a:r>
-            <a:r>
-              <a:rPr sz="1400" spc="-130" dirty="0">
-                <a:latin typeface="Verdana"/>
-                <a:cs typeface="Verdana"/>
-              </a:rPr>
-              <a:t> </a:t>
-            </a:r>
-            <a:r>
-              <a:rPr sz="1400" spc="-10" dirty="0">
-                <a:latin typeface="Verdana"/>
-                <a:cs typeface="Verdana"/>
-              </a:rPr>
-              <a:t>ﬁle</a:t>
-            </a:r>
-            <a:r>
-              <a:rPr sz="1400" spc="-125" dirty="0">
-                <a:latin typeface="Verdana"/>
-                <a:cs typeface="Verdana"/>
-              </a:rPr>
-              <a:t> </a:t>
-            </a:r>
-            <a:r>
-              <a:rPr sz="1400" spc="25" dirty="0">
-                <a:latin typeface="Verdana"/>
-                <a:cs typeface="Verdana"/>
-              </a:rPr>
-              <a:t>notebook</a:t>
-            </a:r>
-            <a:r>
-              <a:rPr sz="1400" spc="-125" dirty="0">
-                <a:latin typeface="Verdana"/>
-                <a:cs typeface="Verdana"/>
-              </a:rPr>
-              <a:t> </a:t>
-            </a:r>
-            <a:r>
-              <a:rPr sz="1400" spc="10" dirty="0">
-                <a:latin typeface="Verdana"/>
-                <a:cs typeface="Verdana"/>
-              </a:rPr>
-              <a:t>atau</a:t>
-            </a:r>
-            <a:r>
-              <a:rPr sz="1400" spc="-125" dirty="0">
-                <a:latin typeface="Verdana"/>
-                <a:cs typeface="Verdana"/>
-              </a:rPr>
-              <a:t> </a:t>
-            </a:r>
-            <a:r>
-              <a:rPr sz="1400" spc="-10" dirty="0">
-                <a:latin typeface="Verdana"/>
-                <a:cs typeface="Verdana"/>
-              </a:rPr>
-              <a:t>ﬁle</a:t>
-            </a:r>
-            <a:r>
-              <a:rPr sz="1400" spc="-125" dirty="0">
-                <a:latin typeface="Verdana"/>
-                <a:cs typeface="Verdana"/>
-              </a:rPr>
-              <a:t> </a:t>
-            </a:r>
-            <a:r>
-              <a:rPr sz="1400" spc="10" dirty="0">
-                <a:latin typeface="Verdana"/>
-                <a:cs typeface="Verdana"/>
-              </a:rPr>
-              <a:t>pengerjaan</a:t>
-            </a:r>
-            <a:r>
-              <a:rPr sz="1400" spc="-125" dirty="0">
-                <a:latin typeface="Verdana"/>
-                <a:cs typeface="Verdana"/>
-              </a:rPr>
-              <a:t> </a:t>
-            </a:r>
-            <a:r>
-              <a:rPr sz="1400" spc="-5" dirty="0">
-                <a:latin typeface="Verdana"/>
-                <a:cs typeface="Verdana"/>
-              </a:rPr>
-              <a:t>lainnya</a:t>
-            </a:r>
-            <a:r>
-              <a:rPr sz="1400" spc="-130" dirty="0">
-                <a:latin typeface="Verdana"/>
-                <a:cs typeface="Verdana"/>
-              </a:rPr>
-              <a:t> </a:t>
-            </a:r>
-            <a:r>
-              <a:rPr sz="1400" spc="25" dirty="0">
-                <a:latin typeface="Verdana"/>
-                <a:cs typeface="Verdana"/>
-              </a:rPr>
-              <a:t>pada</a:t>
-            </a:r>
-            <a:r>
-              <a:rPr sz="1400" spc="-125" dirty="0">
-                <a:latin typeface="Verdana"/>
-                <a:cs typeface="Verdana"/>
-              </a:rPr>
-              <a:t> </a:t>
-            </a:r>
-            <a:r>
-              <a:rPr sz="1400" spc="-10" dirty="0">
-                <a:latin typeface="Verdana"/>
-                <a:cs typeface="Verdana"/>
-              </a:rPr>
-              <a:t>repository</a:t>
-            </a:r>
-            <a:r>
-              <a:rPr sz="1400" spc="-125" dirty="0">
-                <a:latin typeface="Verdana"/>
-                <a:cs typeface="Verdana"/>
-              </a:rPr>
-              <a:t> </a:t>
-            </a:r>
-            <a:r>
-              <a:rPr sz="1400" spc="5" dirty="0">
-                <a:latin typeface="Verdana"/>
-                <a:cs typeface="Verdana"/>
-              </a:rPr>
-              <a:t>tersebut</a:t>
-            </a:r>
-            <a:endParaRPr sz="1400">
-              <a:latin typeface="Verdana"/>
-              <a:cs typeface="Verdana"/>
-            </a:endParaRPr>
-          </a:p>
-          <a:p>
-            <a:pPr marL="12700">
-              <a:lnSpc>
-                <a:spcPct val="100000"/>
-              </a:lnSpc>
-              <a:spcBef>
-                <a:spcPts val="1455"/>
-              </a:spcBef>
-            </a:pPr>
-            <a:r>
-              <a:rPr sz="1400" spc="45" dirty="0">
-                <a:latin typeface="Verdana"/>
-                <a:cs typeface="Verdana"/>
-              </a:rPr>
-              <a:t>Untuk</a:t>
-            </a:r>
-            <a:r>
-              <a:rPr sz="1400" spc="-125" dirty="0">
-                <a:latin typeface="Verdana"/>
-                <a:cs typeface="Verdana"/>
-              </a:rPr>
-              <a:t> </a:t>
-            </a:r>
-            <a:r>
-              <a:rPr sz="1400" spc="-10" dirty="0">
-                <a:latin typeface="Verdana"/>
-                <a:cs typeface="Verdana"/>
-              </a:rPr>
-              <a:t>ﬁle</a:t>
-            </a:r>
-            <a:r>
-              <a:rPr sz="1400" spc="-120" dirty="0">
-                <a:latin typeface="Verdana"/>
-                <a:cs typeface="Verdana"/>
-              </a:rPr>
-              <a:t> </a:t>
-            </a:r>
-            <a:r>
-              <a:rPr sz="1400" spc="30" dirty="0">
-                <a:latin typeface="Verdana"/>
-                <a:cs typeface="Verdana"/>
-              </a:rPr>
-              <a:t>README,</a:t>
-            </a:r>
-            <a:r>
-              <a:rPr sz="1400" spc="-120" dirty="0">
-                <a:latin typeface="Verdana"/>
-                <a:cs typeface="Verdana"/>
-              </a:rPr>
-              <a:t> </a:t>
-            </a:r>
-            <a:r>
-              <a:rPr sz="1400" spc="25" dirty="0">
-                <a:latin typeface="Verdana"/>
-                <a:cs typeface="Verdana"/>
-              </a:rPr>
+              <a:rPr lang="en-US" kern="0" spc="15" dirty="0"/>
+              <a:t>Dari data </a:t>
+            </a:r>
+            <a:r>
+              <a:rPr lang="en-US" kern="0" spc="15" dirty="0" err="1"/>
+              <a:t>visualisasi</a:t>
+            </a:r>
+            <a:r>
+              <a:rPr lang="en-US" kern="0" spc="15" dirty="0"/>
+              <a:t> </a:t>
+            </a:r>
+            <a:r>
+              <a:rPr lang="en-US" kern="0" spc="15" dirty="0" err="1"/>
+              <a:t>antara</a:t>
+            </a:r>
+            <a:r>
+              <a:rPr lang="en-US" kern="0" spc="15" dirty="0"/>
+              <a:t> feature </a:t>
+            </a:r>
+            <a:r>
+              <a:rPr lang="en-US" kern="0" spc="15" dirty="0" err="1"/>
+              <a:t>tipe</a:t>
+            </a:r>
+            <a:r>
+              <a:rPr lang="en-US" kern="0" spc="15" dirty="0"/>
+              <a:t> data </a:t>
+            </a:r>
+            <a:r>
+              <a:rPr lang="en-US" kern="0" spc="15" dirty="0" err="1"/>
+              <a:t>kategorikal</a:t>
+            </a:r>
+            <a:r>
+              <a:rPr lang="en-US" kern="0" spc="15" dirty="0"/>
+              <a:t> “</a:t>
+            </a:r>
+            <a:r>
+              <a:rPr lang="en-US" kern="0" spc="15" dirty="0" err="1"/>
+              <a:t>edukasi</a:t>
+            </a:r>
+            <a:r>
+              <a:rPr lang="en-US" kern="0" spc="15" dirty="0"/>
+              <a:t>” dan “marital status”, </a:t>
+            </a:r>
+            <a:r>
+              <a:rPr lang="en-US" kern="0" spc="15" dirty="0" err="1"/>
+              <a:t>kita</a:t>
+            </a:r>
+            <a:r>
+              <a:rPr lang="en-US" kern="0" spc="15" dirty="0"/>
+              <a:t> </a:t>
+            </a:r>
+            <a:r>
+              <a:rPr lang="en-US" kern="0" spc="15" dirty="0" err="1"/>
               <a:t>dapat</a:t>
             </a:r>
             <a:r>
-              <a:rPr sz="1400" spc="-120" dirty="0">
-                <a:latin typeface="Verdana"/>
-                <a:cs typeface="Verdana"/>
-              </a:rPr>
-              <a:t> </a:t>
-            </a:r>
-            <a:r>
-              <a:rPr sz="1400" spc="25" dirty="0">
-                <a:latin typeface="Verdana"/>
-                <a:cs typeface="Verdana"/>
-              </a:rPr>
-              <a:t>merupakan</a:t>
-            </a:r>
-            <a:r>
-              <a:rPr sz="1400" spc="-120" dirty="0">
-                <a:latin typeface="Verdana"/>
-                <a:cs typeface="Verdana"/>
-              </a:rPr>
-              <a:t> </a:t>
-            </a:r>
-            <a:r>
-              <a:rPr sz="1400" spc="20" dirty="0">
-                <a:latin typeface="Verdana"/>
-                <a:cs typeface="Verdana"/>
-              </a:rPr>
-              <a:t>summary</a:t>
-            </a:r>
-            <a:r>
-              <a:rPr sz="1400" spc="-125" dirty="0">
-                <a:latin typeface="Verdana"/>
-                <a:cs typeface="Verdana"/>
-              </a:rPr>
-              <a:t> </a:t>
-            </a:r>
-            <a:r>
-              <a:rPr sz="1400" spc="20" dirty="0">
-                <a:latin typeface="Verdana"/>
-                <a:cs typeface="Verdana"/>
-              </a:rPr>
-              <a:t>insight</a:t>
-            </a:r>
-            <a:r>
-              <a:rPr sz="1400" spc="-120" dirty="0">
-                <a:latin typeface="Verdana"/>
-                <a:cs typeface="Verdana"/>
-              </a:rPr>
-              <a:t> </a:t>
-            </a:r>
-            <a:r>
-              <a:rPr sz="1400" spc="5" dirty="0">
-                <a:latin typeface="Verdana"/>
-                <a:cs typeface="Verdana"/>
-              </a:rPr>
-              <a:t>yang</a:t>
-            </a:r>
-            <a:r>
-              <a:rPr sz="1400" spc="-120" dirty="0">
-                <a:latin typeface="Verdana"/>
-                <a:cs typeface="Verdana"/>
-              </a:rPr>
-              <a:t> </a:t>
-            </a:r>
-            <a:r>
-              <a:rPr sz="1400" spc="5" dirty="0">
-                <a:latin typeface="Verdana"/>
-                <a:cs typeface="Verdana"/>
-              </a:rPr>
-              <a:t>telah</a:t>
-            </a:r>
-            <a:r>
-              <a:rPr sz="1400" spc="-120" dirty="0">
-                <a:latin typeface="Verdana"/>
-                <a:cs typeface="Verdana"/>
-              </a:rPr>
-              <a:t> </a:t>
-            </a:r>
-            <a:r>
-              <a:rPr sz="1400" spc="20" dirty="0">
-                <a:latin typeface="Verdana"/>
-                <a:cs typeface="Verdana"/>
-              </a:rPr>
-              <a:t>didapatkan</a:t>
-            </a:r>
-            <a:r>
-              <a:rPr sz="1400" spc="-120" dirty="0">
-                <a:latin typeface="Verdana"/>
-                <a:cs typeface="Verdana"/>
-              </a:rPr>
-              <a:t> </a:t>
-            </a:r>
-            <a:r>
-              <a:rPr sz="1400" dirty="0">
-                <a:latin typeface="Verdana"/>
-                <a:cs typeface="Verdana"/>
-              </a:rPr>
-              <a:t>dari</a:t>
-            </a:r>
-            <a:r>
-              <a:rPr sz="1400" spc="-120" dirty="0">
-                <a:latin typeface="Verdana"/>
-                <a:cs typeface="Verdana"/>
-              </a:rPr>
-              <a:t> </a:t>
-            </a:r>
-            <a:r>
-              <a:rPr sz="1400" spc="-5" dirty="0">
-                <a:latin typeface="Verdana"/>
-                <a:cs typeface="Verdana"/>
-              </a:rPr>
-              <a:t>EDA.</a:t>
-            </a:r>
-            <a:endParaRPr sz="1400">
-              <a:latin typeface="Verdana"/>
-              <a:cs typeface="Verdana"/>
-            </a:endParaRPr>
+              <a:rPr lang="en-US" kern="0" spc="15" dirty="0"/>
+              <a:t> </a:t>
+            </a:r>
+            <a:r>
+              <a:rPr lang="en-US" kern="0" spc="15" dirty="0" err="1"/>
+              <a:t>mengetahui</a:t>
+            </a:r>
+            <a:r>
+              <a:rPr lang="en-US" kern="0" spc="15" dirty="0"/>
+              <a:t> </a:t>
+            </a:r>
+            <a:r>
+              <a:rPr lang="en-US" kern="0" spc="15" dirty="0" err="1"/>
+              <a:t>bahwa</a:t>
+            </a:r>
+            <a:r>
+              <a:rPr lang="en-US" kern="0" spc="15" dirty="0"/>
+              <a:t> user yang </a:t>
+            </a:r>
+            <a:r>
+              <a:rPr lang="en-US" kern="0" spc="15" dirty="0" err="1"/>
+              <a:t>tidak</a:t>
+            </a:r>
+            <a:r>
+              <a:rPr lang="en-US" kern="0" spc="15" dirty="0"/>
+              <a:t> </a:t>
+            </a:r>
+            <a:r>
+              <a:rPr lang="en-US" kern="0" spc="15" dirty="0" err="1"/>
+              <a:t>bisa</a:t>
+            </a:r>
+            <a:r>
+              <a:rPr lang="en-US" kern="0" spc="15" dirty="0"/>
+              <a:t> </a:t>
+            </a:r>
+            <a:r>
+              <a:rPr lang="en-US" kern="0" spc="15" dirty="0" err="1"/>
+              <a:t>membayar</a:t>
+            </a:r>
+            <a:r>
+              <a:rPr lang="en-US" kern="0" spc="15" dirty="0"/>
+              <a:t> </a:t>
+            </a:r>
+            <a:r>
+              <a:rPr lang="en-US" kern="0" spc="15" dirty="0" err="1"/>
+              <a:t>dengan</a:t>
+            </a:r>
+            <a:r>
+              <a:rPr lang="en-US" kern="0" spc="15" dirty="0"/>
+              <a:t> </a:t>
+            </a:r>
+            <a:r>
+              <a:rPr lang="en-US" kern="0" spc="15" dirty="0" err="1"/>
+              <a:t>jumlah</a:t>
+            </a:r>
+            <a:r>
+              <a:rPr lang="en-US" kern="0" spc="15" dirty="0"/>
+              <a:t> </a:t>
+            </a:r>
+            <a:r>
+              <a:rPr lang="en-US" kern="0" spc="15" dirty="0" err="1"/>
+              <a:t>tagihan</a:t>
+            </a:r>
+            <a:r>
+              <a:rPr lang="en-US" kern="0" spc="15" dirty="0"/>
+              <a:t> yang </a:t>
+            </a:r>
+            <a:r>
+              <a:rPr lang="en-US" kern="0" spc="15" dirty="0" err="1"/>
+              <a:t>sudah</a:t>
+            </a:r>
+            <a:r>
+              <a:rPr lang="en-US" kern="0" spc="15" dirty="0"/>
+              <a:t> </a:t>
+            </a:r>
+            <a:r>
+              <a:rPr lang="en-US" kern="0" spc="15" dirty="0" err="1"/>
+              <a:t>ditentukan</a:t>
+            </a:r>
+            <a:r>
+              <a:rPr lang="en-US" kern="0" spc="15" dirty="0"/>
+              <a:t> pada </a:t>
+            </a:r>
+            <a:r>
+              <a:rPr lang="en-US" kern="0" spc="15" dirty="0" err="1"/>
+              <a:t>bulan</a:t>
+            </a:r>
+            <a:r>
+              <a:rPr lang="en-US" kern="0" spc="15" dirty="0"/>
+              <a:t> </a:t>
+            </a:r>
+            <a:r>
+              <a:rPr lang="en-US" kern="0" spc="15" dirty="0" err="1"/>
+              <a:t>tertentu</a:t>
+            </a:r>
+            <a:r>
+              <a:rPr lang="en-US" kern="0" spc="15" dirty="0"/>
+              <a:t> paling </a:t>
+            </a:r>
+            <a:r>
+              <a:rPr lang="en-US" kern="0" spc="15" dirty="0" err="1"/>
+              <a:t>banyak</a:t>
+            </a:r>
+            <a:r>
+              <a:rPr lang="en-US" kern="0" spc="15" dirty="0"/>
+              <a:t> </a:t>
+            </a:r>
+            <a:r>
+              <a:rPr lang="en-US" kern="0" spc="15" dirty="0" err="1"/>
+              <a:t>adalah</a:t>
+            </a:r>
+            <a:r>
+              <a:rPr lang="en-US" kern="0" spc="15" dirty="0"/>
+              <a:t> user yang </a:t>
+            </a:r>
+            <a:r>
+              <a:rPr lang="en-US" kern="0" spc="15" dirty="0" err="1"/>
+              <a:t>masih</a:t>
+            </a:r>
+            <a:r>
+              <a:rPr lang="en-US" kern="0" spc="15" dirty="0"/>
+              <a:t> single </a:t>
+            </a:r>
+            <a:r>
+              <a:rPr lang="en-US" kern="0" spc="15" dirty="0" err="1"/>
+              <a:t>dengan</a:t>
+            </a:r>
+            <a:r>
+              <a:rPr lang="en-US" kern="0" spc="15" dirty="0"/>
+              <a:t> </a:t>
+            </a:r>
+            <a:r>
+              <a:rPr lang="en-US" kern="0" spc="15" dirty="0" err="1"/>
+              <a:t>tingkat</a:t>
+            </a:r>
+            <a:r>
+              <a:rPr lang="en-US" kern="0" spc="15" dirty="0"/>
+              <a:t> </a:t>
+            </a:r>
+            <a:r>
+              <a:rPr lang="en-US" kern="0" spc="15" dirty="0" err="1"/>
+              <a:t>pendidikan</a:t>
+            </a:r>
+            <a:r>
+              <a:rPr lang="en-US" kern="0" spc="15" dirty="0"/>
+              <a:t> </a:t>
+            </a:r>
+            <a:r>
+              <a:rPr lang="en-US" kern="0" spc="15" dirty="0" err="1"/>
+              <a:t>terakhir</a:t>
+            </a:r>
+            <a:r>
+              <a:rPr lang="en-US" kern="0" spc="15" dirty="0"/>
+              <a:t> university </a:t>
+            </a:r>
+            <a:endParaRPr lang="en-US" kern="0" spc="-10" dirty="0"/>
           </a:p>
         </p:txBody>
       </p:sp>
     </p:spTree>
+    <p:extLst>
+      <p:ext uri="{BB962C8B-B14F-4D97-AF65-F5344CB8AC3E}">
+        <p14:creationId xmlns:p14="http://schemas.microsoft.com/office/powerpoint/2010/main" val="397598015"/>
+      </p:ext>
+    </p:extLst>
   </p:cSld>
   <p:clrMapOvr>
     <a:masterClrMapping/>

--- a/EDA - DATA MAGICIAN.pptx
+++ b/EDA - DATA MAGICIAN.pptx
@@ -2274,7 +2274,7 @@
         <p:spPr>
           <a:xfrm>
             <a:off x="585372" y="666750"/>
-            <a:ext cx="8482427" cy="4264181"/>
+            <a:ext cx="8482427" cy="3794693"/>
           </a:xfrm>
           <a:prstGeom prst="rect">
             <a:avLst/>
@@ -2295,91 +2295,91 @@
               </a:spcBef>
             </a:pPr>
             <a:r>
-              <a:rPr lang="en-US" sz="1400" spc="-10" dirty="0">
+              <a:rPr lang="en-US" sz="1100" spc="-10" dirty="0">
                 <a:latin typeface="Verdana"/>
                 <a:cs typeface="Verdana"/>
               </a:rPr>
               <a:t>Dari EDA yang </a:t>
             </a:r>
             <a:r>
-              <a:rPr lang="en-US" sz="1400" spc="-10" dirty="0" err="1">
+              <a:rPr lang="en-US" sz="1100" spc="-10" dirty="0" err="1">
                 <a:latin typeface="Verdana"/>
                 <a:cs typeface="Verdana"/>
               </a:rPr>
               <a:t>telah</a:t>
             </a:r>
             <a:r>
-              <a:rPr lang="en-US" sz="1400" spc="-10" dirty="0">
-                <a:latin typeface="Verdana"/>
-                <a:cs typeface="Verdana"/>
-              </a:rPr>
-              <a:t> </a:t>
-            </a:r>
-            <a:r>
-              <a:rPr lang="en-US" sz="1400" spc="-10" dirty="0" err="1">
+              <a:rPr lang="en-US" sz="1100" spc="-10" dirty="0">
+                <a:latin typeface="Verdana"/>
+                <a:cs typeface="Verdana"/>
+              </a:rPr>
+              <a:t> </a:t>
+            </a:r>
+            <a:r>
+              <a:rPr lang="en-US" sz="1100" spc="-10" dirty="0" err="1">
                 <a:latin typeface="Verdana"/>
                 <a:cs typeface="Verdana"/>
               </a:rPr>
               <a:t>dilakukan</a:t>
             </a:r>
             <a:r>
-              <a:rPr lang="en-US" sz="1400" spc="-10" dirty="0">
+              <a:rPr lang="en-US" sz="1100" spc="-10" dirty="0">
                 <a:latin typeface="Verdana"/>
                 <a:cs typeface="Verdana"/>
               </a:rPr>
               <a:t>, </a:t>
             </a:r>
             <a:r>
-              <a:rPr lang="en-US" sz="1400" spc="-10" dirty="0" err="1">
+              <a:rPr lang="en-US" sz="1100" spc="-10" dirty="0" err="1">
                 <a:latin typeface="Verdana"/>
                 <a:cs typeface="Verdana"/>
               </a:rPr>
               <a:t>dapat</a:t>
             </a:r>
             <a:r>
-              <a:rPr lang="en-US" sz="1400" spc="-10" dirty="0">
-                <a:latin typeface="Verdana"/>
-                <a:cs typeface="Verdana"/>
-              </a:rPr>
-              <a:t> </a:t>
-            </a:r>
-            <a:r>
-              <a:rPr lang="en-US" sz="1400" spc="-10" dirty="0" err="1">
+              <a:rPr lang="en-US" sz="1100" spc="-10" dirty="0">
+                <a:latin typeface="Verdana"/>
+                <a:cs typeface="Verdana"/>
+              </a:rPr>
+              <a:t> </a:t>
+            </a:r>
+            <a:r>
+              <a:rPr lang="en-US" sz="1100" spc="-10" dirty="0" err="1">
                 <a:latin typeface="Verdana"/>
                 <a:cs typeface="Verdana"/>
               </a:rPr>
               <a:t>ditarik</a:t>
             </a:r>
             <a:r>
-              <a:rPr lang="en-US" sz="1400" spc="-10" dirty="0">
-                <a:latin typeface="Verdana"/>
-                <a:cs typeface="Verdana"/>
-              </a:rPr>
-              <a:t> </a:t>
-            </a:r>
-            <a:r>
-              <a:rPr lang="en-US" sz="1400" spc="-10" dirty="0" err="1">
+              <a:rPr lang="en-US" sz="1100" spc="-10" dirty="0">
+                <a:latin typeface="Verdana"/>
+                <a:cs typeface="Verdana"/>
+              </a:rPr>
+              <a:t> </a:t>
+            </a:r>
+            <a:r>
+              <a:rPr lang="en-US" sz="1100" spc="-10" dirty="0" err="1">
                 <a:latin typeface="Verdana"/>
                 <a:cs typeface="Verdana"/>
               </a:rPr>
               <a:t>beberapa</a:t>
             </a:r>
             <a:r>
-              <a:rPr lang="en-US" sz="1400" spc="-10" dirty="0">
+              <a:rPr lang="en-US" sz="1100" spc="-10" dirty="0">
                 <a:latin typeface="Verdana"/>
                 <a:cs typeface="Verdana"/>
               </a:rPr>
               <a:t> insight </a:t>
             </a:r>
             <a:r>
-              <a:rPr lang="en-US" sz="1400" spc="-10" dirty="0" err="1">
+              <a:rPr lang="en-US" sz="1100" spc="-10" dirty="0" err="1">
                 <a:latin typeface="Verdana"/>
                 <a:cs typeface="Verdana"/>
               </a:rPr>
               <a:t>yaitu</a:t>
             </a:r>
             <a:r>
-              <a:rPr lang="en-US" sz="1400" spc="-10" dirty="0">
+              <a:rPr lang="en-US" sz="1100" spc="-10" dirty="0">
                 <a:latin typeface="Verdana"/>
                 <a:cs typeface="Verdana"/>
               </a:rPr>
@@ -2396,483 +2396,483 @@
               </a:spcBef>
             </a:pPr>
             <a:r>
-              <a:rPr lang="en-US" sz="1400" spc="-10" dirty="0">
+              <a:rPr lang="en-US" sz="1100" spc="-10" dirty="0">
                 <a:latin typeface="Verdana"/>
                 <a:cs typeface="Verdana"/>
               </a:rPr>
               <a:t>1. Default rate </a:t>
             </a:r>
             <a:r>
-              <a:rPr lang="en-US" sz="1400" spc="-10" dirty="0" err="1">
+              <a:rPr lang="en-US" sz="1100" spc="-10" dirty="0" err="1">
                 <a:latin typeface="Verdana"/>
                 <a:cs typeface="Verdana"/>
               </a:rPr>
               <a:t>dari</a:t>
             </a:r>
             <a:r>
-              <a:rPr lang="en-US" sz="1400" spc="-10" dirty="0">
+              <a:rPr lang="en-US" sz="1100" spc="-10" dirty="0">
                 <a:latin typeface="Verdana"/>
                 <a:cs typeface="Verdana"/>
               </a:rPr>
               <a:t> bank </a:t>
             </a:r>
             <a:r>
-              <a:rPr lang="en-US" sz="1400" spc="-10" dirty="0" err="1">
+              <a:rPr lang="en-US" sz="1100" spc="-10" dirty="0" err="1">
                 <a:latin typeface="Verdana"/>
                 <a:cs typeface="Verdana"/>
               </a:rPr>
               <a:t>ini</a:t>
             </a:r>
             <a:r>
-              <a:rPr lang="en-US" sz="1400" spc="-10" dirty="0">
-                <a:latin typeface="Verdana"/>
-                <a:cs typeface="Verdana"/>
-              </a:rPr>
-              <a:t> </a:t>
-            </a:r>
-            <a:r>
-              <a:rPr lang="en-US" sz="1400" spc="-10" dirty="0" err="1">
+              <a:rPr lang="en-US" sz="1100" spc="-10" dirty="0">
+                <a:latin typeface="Verdana"/>
+                <a:cs typeface="Verdana"/>
+              </a:rPr>
+              <a:t> </a:t>
+            </a:r>
+            <a:r>
+              <a:rPr lang="en-US" sz="1100" spc="-10" dirty="0" err="1">
                 <a:latin typeface="Verdana"/>
                 <a:cs typeface="Verdana"/>
               </a:rPr>
               <a:t>masih</a:t>
             </a:r>
             <a:r>
-              <a:rPr lang="en-US" sz="1400" spc="-10" dirty="0">
-                <a:latin typeface="Verdana"/>
-                <a:cs typeface="Verdana"/>
-              </a:rPr>
-              <a:t> </a:t>
-            </a:r>
-            <a:r>
-              <a:rPr lang="en-US" sz="1400" spc="-10" dirty="0" err="1">
+              <a:rPr lang="en-US" sz="1100" spc="-10" dirty="0">
+                <a:latin typeface="Verdana"/>
+                <a:cs typeface="Verdana"/>
+              </a:rPr>
+              <a:t> </a:t>
+            </a:r>
+            <a:r>
+              <a:rPr lang="en-US" sz="1100" spc="-10" dirty="0" err="1">
                 <a:latin typeface="Verdana"/>
                 <a:cs typeface="Verdana"/>
               </a:rPr>
               <a:t>berada</a:t>
             </a:r>
             <a:r>
-              <a:rPr lang="en-US" sz="1400" spc="-10" dirty="0">
+              <a:rPr lang="en-US" sz="1100" spc="-10" dirty="0">
                 <a:latin typeface="Verdana"/>
                 <a:cs typeface="Verdana"/>
               </a:rPr>
               <a:t> di </a:t>
             </a:r>
             <a:r>
-              <a:rPr lang="en-US" sz="1400" spc="-10" dirty="0" err="1">
+              <a:rPr lang="en-US" sz="1100" spc="-10" dirty="0" err="1">
                 <a:latin typeface="Verdana"/>
                 <a:cs typeface="Verdana"/>
               </a:rPr>
               <a:t>angka</a:t>
             </a:r>
             <a:r>
-              <a:rPr lang="en-US" sz="1400" spc="-10" dirty="0">
+              <a:rPr lang="en-US" sz="1100" spc="-10" dirty="0">
                 <a:latin typeface="Verdana"/>
                 <a:cs typeface="Verdana"/>
               </a:rPr>
               <a:t> 22%, </a:t>
             </a:r>
             <a:r>
-              <a:rPr lang="en-US" sz="1400" spc="-10" dirty="0" err="1">
+              <a:rPr lang="en-US" sz="1100" spc="-10" dirty="0" err="1">
                 <a:latin typeface="Verdana"/>
                 <a:cs typeface="Verdana"/>
               </a:rPr>
               <a:t>dimana</a:t>
             </a:r>
             <a:r>
-              <a:rPr lang="en-US" sz="1400" spc="-10" dirty="0">
-                <a:latin typeface="Verdana"/>
-                <a:cs typeface="Verdana"/>
-              </a:rPr>
-              <a:t> </a:t>
-            </a:r>
-            <a:r>
-              <a:rPr lang="en-US" sz="1400" spc="-10" dirty="0" err="1">
+              <a:rPr lang="en-US" sz="1100" spc="-10" dirty="0">
+                <a:latin typeface="Verdana"/>
+                <a:cs typeface="Verdana"/>
+              </a:rPr>
+              <a:t> </a:t>
+            </a:r>
+            <a:r>
+              <a:rPr lang="en-US" sz="1100" spc="-10" dirty="0" err="1">
                 <a:latin typeface="Verdana"/>
                 <a:cs typeface="Verdana"/>
               </a:rPr>
               <a:t>angka</a:t>
             </a:r>
             <a:r>
-              <a:rPr lang="en-US" sz="1400" spc="-10" dirty="0">
-                <a:latin typeface="Verdana"/>
-                <a:cs typeface="Verdana"/>
-              </a:rPr>
-              <a:t> </a:t>
-            </a:r>
-            <a:r>
-              <a:rPr lang="en-US" sz="1400" spc="-10" dirty="0" err="1">
+              <a:rPr lang="en-US" sz="1100" spc="-10" dirty="0">
+                <a:latin typeface="Verdana"/>
+                <a:cs typeface="Verdana"/>
+              </a:rPr>
+              <a:t> </a:t>
+            </a:r>
+            <a:r>
+              <a:rPr lang="en-US" sz="1100" spc="-10" dirty="0" err="1">
                 <a:latin typeface="Verdana"/>
                 <a:cs typeface="Verdana"/>
               </a:rPr>
               <a:t>ini</a:t>
             </a:r>
             <a:r>
-              <a:rPr lang="en-US" sz="1400" spc="-10" dirty="0">
-                <a:latin typeface="Verdana"/>
-                <a:cs typeface="Verdana"/>
-              </a:rPr>
-              <a:t> </a:t>
-            </a:r>
-            <a:r>
-              <a:rPr lang="en-US" sz="1400" spc="-10" dirty="0" err="1">
+              <a:rPr lang="en-US" sz="1100" spc="-10" dirty="0">
+                <a:latin typeface="Verdana"/>
+                <a:cs typeface="Verdana"/>
+              </a:rPr>
+              <a:t> </a:t>
+            </a:r>
+            <a:r>
+              <a:rPr lang="en-US" sz="1100" spc="-10" dirty="0" err="1">
                 <a:latin typeface="Verdana"/>
                 <a:cs typeface="Verdana"/>
               </a:rPr>
               <a:t>masih</a:t>
             </a:r>
             <a:r>
-              <a:rPr lang="en-US" sz="1400" spc="-10" dirty="0">
-                <a:latin typeface="Verdana"/>
-                <a:cs typeface="Verdana"/>
-              </a:rPr>
-              <a:t> </a:t>
-            </a:r>
-            <a:r>
-              <a:rPr lang="en-US" sz="1400" spc="-10" dirty="0" err="1">
+              <a:rPr lang="en-US" sz="1100" spc="-10" dirty="0">
+                <a:latin typeface="Verdana"/>
+                <a:cs typeface="Verdana"/>
+              </a:rPr>
+              <a:t> </a:t>
+            </a:r>
+            <a:r>
+              <a:rPr lang="en-US" sz="1100" spc="-10" dirty="0" err="1">
                 <a:latin typeface="Verdana"/>
                 <a:cs typeface="Verdana"/>
               </a:rPr>
               <a:t>tergolong</a:t>
             </a:r>
             <a:r>
-              <a:rPr lang="en-US" sz="1400" spc="-10" dirty="0">
-                <a:latin typeface="Verdana"/>
-                <a:cs typeface="Verdana"/>
-              </a:rPr>
-              <a:t> </a:t>
-            </a:r>
-            <a:r>
-              <a:rPr lang="en-US" sz="1400" spc="-10" dirty="0" err="1">
+              <a:rPr lang="en-US" sz="1100" spc="-10" dirty="0">
+                <a:latin typeface="Verdana"/>
+                <a:cs typeface="Verdana"/>
+              </a:rPr>
+              <a:t> </a:t>
+            </a:r>
+            <a:r>
+              <a:rPr lang="en-US" sz="1100" spc="-10" dirty="0" err="1">
                 <a:latin typeface="Verdana"/>
                 <a:cs typeface="Verdana"/>
               </a:rPr>
               <a:t>tinggi</a:t>
             </a:r>
             <a:r>
-              <a:rPr lang="en-US" sz="1400" spc="-10" dirty="0">
+              <a:rPr lang="en-US" sz="1100" spc="-10" dirty="0">
                 <a:latin typeface="Verdana"/>
                 <a:cs typeface="Verdana"/>
               </a:rPr>
               <a:t> (Default rate ideal </a:t>
             </a:r>
             <a:r>
-              <a:rPr lang="en-US" sz="1400" spc="-10" dirty="0" err="1">
+              <a:rPr lang="en-US" sz="1100" spc="-10" dirty="0" err="1">
                 <a:latin typeface="Verdana"/>
                 <a:cs typeface="Verdana"/>
               </a:rPr>
               <a:t>bagi</a:t>
             </a:r>
             <a:r>
-              <a:rPr lang="en-US" sz="1400" spc="-10" dirty="0">
-                <a:latin typeface="Verdana"/>
-                <a:cs typeface="Verdana"/>
-              </a:rPr>
-              <a:t> </a:t>
-            </a:r>
-            <a:r>
-              <a:rPr lang="en-US" sz="1400" spc="-10" dirty="0" err="1">
+              <a:rPr lang="en-US" sz="1100" spc="-10" dirty="0">
+                <a:latin typeface="Verdana"/>
+                <a:cs typeface="Verdana"/>
+              </a:rPr>
+              <a:t> </a:t>
+            </a:r>
+            <a:r>
+              <a:rPr lang="en-US" sz="1100" spc="-10" dirty="0" err="1">
                 <a:latin typeface="Verdana"/>
                 <a:cs typeface="Verdana"/>
               </a:rPr>
               <a:t>suatu</a:t>
             </a:r>
             <a:r>
-              <a:rPr lang="en-US" sz="1400" spc="-10" dirty="0">
+              <a:rPr lang="en-US" sz="1100" spc="-10" dirty="0">
                 <a:latin typeface="Verdana"/>
                 <a:cs typeface="Verdana"/>
               </a:rPr>
               <a:t> bank </a:t>
             </a:r>
             <a:r>
-              <a:rPr lang="en-US" sz="1400" spc="-10" dirty="0" err="1">
+              <a:rPr lang="en-US" sz="1100" spc="-10" dirty="0" err="1">
                 <a:latin typeface="Verdana"/>
                 <a:cs typeface="Verdana"/>
               </a:rPr>
               <a:t>adalah</a:t>
             </a:r>
             <a:r>
-              <a:rPr lang="en-US" sz="1400" spc="-10" dirty="0">
+              <a:rPr lang="en-US" sz="1100" spc="-10" dirty="0">
                 <a:latin typeface="Verdana"/>
                 <a:cs typeface="Verdana"/>
               </a:rPr>
               <a:t> di </a:t>
             </a:r>
             <a:r>
-              <a:rPr lang="en-US" sz="1400" spc="-10" dirty="0" err="1">
+              <a:rPr lang="en-US" sz="1100" spc="-10" dirty="0" err="1">
                 <a:latin typeface="Verdana"/>
                 <a:cs typeface="Verdana"/>
               </a:rPr>
               <a:t>bawah</a:t>
             </a:r>
             <a:r>
-              <a:rPr lang="en-US" sz="1400" spc="-10" dirty="0">
+              <a:rPr lang="en-US" sz="1100" spc="-10" dirty="0">
                 <a:latin typeface="Verdana"/>
                 <a:cs typeface="Verdana"/>
               </a:rPr>
               <a:t> 5%). </a:t>
             </a:r>
             <a:r>
-              <a:rPr lang="en-US" sz="1400" spc="-10" dirty="0" err="1">
+              <a:rPr lang="en-US" sz="1100" spc="-10" dirty="0" err="1">
                 <a:latin typeface="Verdana"/>
                 <a:cs typeface="Verdana"/>
               </a:rPr>
               <a:t>Masalah</a:t>
             </a:r>
             <a:r>
-              <a:rPr lang="en-US" sz="1400" spc="-10" dirty="0">
-                <a:latin typeface="Verdana"/>
-                <a:cs typeface="Verdana"/>
-              </a:rPr>
-              <a:t> </a:t>
-            </a:r>
-            <a:r>
-              <a:rPr lang="en-US" sz="1400" spc="-10" dirty="0" err="1">
+              <a:rPr lang="en-US" sz="1100" spc="-10" dirty="0">
+                <a:latin typeface="Verdana"/>
+                <a:cs typeface="Verdana"/>
+              </a:rPr>
+              <a:t> </a:t>
+            </a:r>
+            <a:r>
+              <a:rPr lang="en-US" sz="1100" spc="-10" dirty="0" err="1">
                 <a:latin typeface="Verdana"/>
                 <a:cs typeface="Verdana"/>
               </a:rPr>
               <a:t>ini</a:t>
             </a:r>
             <a:r>
-              <a:rPr lang="en-US" sz="1400" spc="-10" dirty="0">
-                <a:latin typeface="Verdana"/>
-                <a:cs typeface="Verdana"/>
-              </a:rPr>
-              <a:t> </a:t>
-            </a:r>
-            <a:r>
-              <a:rPr lang="en-US" sz="1400" spc="-10" dirty="0" err="1">
+              <a:rPr lang="en-US" sz="1100" spc="-10" dirty="0">
+                <a:latin typeface="Verdana"/>
+                <a:cs typeface="Verdana"/>
+              </a:rPr>
+              <a:t> </a:t>
+            </a:r>
+            <a:r>
+              <a:rPr lang="en-US" sz="1100" spc="-10" dirty="0" err="1">
                 <a:latin typeface="Verdana"/>
                 <a:cs typeface="Verdana"/>
               </a:rPr>
               <a:t>tentu</a:t>
             </a:r>
             <a:r>
-              <a:rPr lang="en-US" sz="1400" spc="-10" dirty="0">
-                <a:latin typeface="Verdana"/>
-                <a:cs typeface="Verdana"/>
-              </a:rPr>
-              <a:t> </a:t>
-            </a:r>
-            <a:r>
-              <a:rPr lang="en-US" sz="1400" spc="-10" dirty="0" err="1">
+              <a:rPr lang="en-US" sz="1100" spc="-10" dirty="0">
+                <a:latin typeface="Verdana"/>
+                <a:cs typeface="Verdana"/>
+              </a:rPr>
+              <a:t> </a:t>
+            </a:r>
+            <a:r>
+              <a:rPr lang="en-US" sz="1100" spc="-10" dirty="0" err="1">
                 <a:latin typeface="Verdana"/>
                 <a:cs typeface="Verdana"/>
               </a:rPr>
               <a:t>perlu</a:t>
             </a:r>
             <a:r>
-              <a:rPr lang="en-US" sz="1400" spc="-10" dirty="0">
-                <a:latin typeface="Verdana"/>
-                <a:cs typeface="Verdana"/>
-              </a:rPr>
-              <a:t> </a:t>
-            </a:r>
-            <a:r>
-              <a:rPr lang="en-US" sz="1400" spc="-10" dirty="0" err="1">
+              <a:rPr lang="en-US" sz="1100" spc="-10" dirty="0">
+                <a:latin typeface="Verdana"/>
+                <a:cs typeface="Verdana"/>
+              </a:rPr>
+              <a:t> </a:t>
+            </a:r>
+            <a:r>
+              <a:rPr lang="en-US" sz="1100" spc="-10" dirty="0" err="1">
                 <a:latin typeface="Verdana"/>
                 <a:cs typeface="Verdana"/>
               </a:rPr>
               <a:t>segera</a:t>
             </a:r>
             <a:r>
-              <a:rPr lang="en-US" sz="1400" spc="-10" dirty="0">
-                <a:latin typeface="Verdana"/>
-                <a:cs typeface="Verdana"/>
-              </a:rPr>
-              <a:t> </a:t>
-            </a:r>
-            <a:r>
-              <a:rPr lang="en-US" sz="1400" spc="-10" dirty="0" err="1">
+              <a:rPr lang="en-US" sz="1100" spc="-10" dirty="0">
+                <a:latin typeface="Verdana"/>
+                <a:cs typeface="Verdana"/>
+              </a:rPr>
+              <a:t> </a:t>
+            </a:r>
+            <a:r>
+              <a:rPr lang="en-US" sz="1100" spc="-10" dirty="0" err="1">
                 <a:latin typeface="Verdana"/>
                 <a:cs typeface="Verdana"/>
               </a:rPr>
               <a:t>ditangani</a:t>
             </a:r>
             <a:r>
-              <a:rPr lang="en-US" sz="1400" spc="-10" dirty="0">
+              <a:rPr lang="en-US" sz="1100" spc="-10" dirty="0">
                 <a:latin typeface="Verdana"/>
                 <a:cs typeface="Verdana"/>
               </a:rPr>
               <a:t> agar bank </a:t>
             </a:r>
             <a:r>
-              <a:rPr lang="en-US" sz="1400" spc="-10" dirty="0" err="1">
+              <a:rPr lang="en-US" sz="1100" spc="-10" dirty="0" err="1">
                 <a:latin typeface="Verdana"/>
                 <a:cs typeface="Verdana"/>
               </a:rPr>
               <a:t>tidak</a:t>
             </a:r>
             <a:r>
-              <a:rPr lang="en-US" sz="1400" spc="-10" dirty="0">
-                <a:latin typeface="Verdana"/>
-                <a:cs typeface="Verdana"/>
-              </a:rPr>
-              <a:t> </a:t>
-            </a:r>
-            <a:r>
-              <a:rPr lang="en-US" sz="1400" spc="-10" dirty="0" err="1">
+              <a:rPr lang="en-US" sz="1100" spc="-10" dirty="0">
+                <a:latin typeface="Verdana"/>
+                <a:cs typeface="Verdana"/>
+              </a:rPr>
+              <a:t> </a:t>
+            </a:r>
+            <a:r>
+              <a:rPr lang="en-US" sz="1100" spc="-10" dirty="0" err="1">
                 <a:latin typeface="Verdana"/>
                 <a:cs typeface="Verdana"/>
               </a:rPr>
               <a:t>mengalami</a:t>
             </a:r>
             <a:r>
-              <a:rPr lang="en-US" sz="1400" spc="-10" dirty="0">
-                <a:latin typeface="Verdana"/>
-                <a:cs typeface="Verdana"/>
-              </a:rPr>
-              <a:t> </a:t>
-            </a:r>
-            <a:r>
-              <a:rPr lang="en-US" sz="1400" spc="-10" dirty="0" err="1">
+              <a:rPr lang="en-US" sz="1100" spc="-10" dirty="0">
+                <a:latin typeface="Verdana"/>
+                <a:cs typeface="Verdana"/>
+              </a:rPr>
+              <a:t> </a:t>
+            </a:r>
+            <a:r>
+              <a:rPr lang="en-US" sz="1100" spc="-10" dirty="0" err="1">
                 <a:latin typeface="Verdana"/>
                 <a:cs typeface="Verdana"/>
               </a:rPr>
               <a:t>kerugian</a:t>
             </a:r>
             <a:r>
-              <a:rPr lang="en-US" sz="1400" spc="-10" dirty="0">
+              <a:rPr lang="en-US" sz="1100" spc="-10" dirty="0">
                 <a:latin typeface="Verdana"/>
                 <a:cs typeface="Verdana"/>
               </a:rPr>
               <a:t> yang </a:t>
             </a:r>
             <a:r>
-              <a:rPr lang="en-US" sz="1400" spc="-10" dirty="0" err="1">
+              <a:rPr lang="en-US" sz="1100" spc="-10" dirty="0" err="1">
                 <a:latin typeface="Verdana"/>
                 <a:cs typeface="Verdana"/>
               </a:rPr>
               <a:t>besar</a:t>
             </a:r>
             <a:r>
-              <a:rPr lang="en-US" sz="1400" spc="-10" dirty="0">
+              <a:rPr lang="en-US" sz="1100" spc="-10" dirty="0">
                 <a:latin typeface="Verdana"/>
                 <a:cs typeface="Verdana"/>
               </a:rPr>
               <a:t>, </a:t>
             </a:r>
             <a:r>
-              <a:rPr lang="en-US" sz="1400" spc="-10" dirty="0" err="1">
+              <a:rPr lang="en-US" sz="1100" spc="-10" dirty="0" err="1">
                 <a:latin typeface="Verdana"/>
                 <a:cs typeface="Verdana"/>
               </a:rPr>
               <a:t>baik</a:t>
             </a:r>
             <a:r>
-              <a:rPr lang="en-US" sz="1400" spc="-10" dirty="0">
-                <a:latin typeface="Verdana"/>
-                <a:cs typeface="Verdana"/>
-              </a:rPr>
-              <a:t> </a:t>
-            </a:r>
-            <a:r>
-              <a:rPr lang="en-US" sz="1400" spc="-10" dirty="0" err="1">
+              <a:rPr lang="en-US" sz="1100" spc="-10" dirty="0">
+                <a:latin typeface="Verdana"/>
+                <a:cs typeface="Verdana"/>
+              </a:rPr>
+              <a:t> </a:t>
+            </a:r>
+            <a:r>
+              <a:rPr lang="en-US" sz="1100" spc="-10" dirty="0" err="1">
                 <a:latin typeface="Verdana"/>
                 <a:cs typeface="Verdana"/>
               </a:rPr>
               <a:t>kerugian</a:t>
             </a:r>
             <a:r>
-              <a:rPr lang="en-US" sz="1400" spc="-10" dirty="0">
-                <a:latin typeface="Verdana"/>
-                <a:cs typeface="Verdana"/>
-              </a:rPr>
-              <a:t> </a:t>
-            </a:r>
-            <a:r>
-              <a:rPr lang="en-US" sz="1400" spc="-10" dirty="0" err="1">
+              <a:rPr lang="en-US" sz="1100" spc="-10" dirty="0">
+                <a:latin typeface="Verdana"/>
+                <a:cs typeface="Verdana"/>
+              </a:rPr>
+              <a:t> </a:t>
+            </a:r>
+            <a:r>
+              <a:rPr lang="en-US" sz="1100" spc="-10" dirty="0" err="1">
                 <a:latin typeface="Verdana"/>
                 <a:cs typeface="Verdana"/>
               </a:rPr>
               <a:t>finansial</a:t>
             </a:r>
             <a:r>
-              <a:rPr lang="en-US" sz="1400" spc="-10" dirty="0">
-                <a:latin typeface="Verdana"/>
-                <a:cs typeface="Verdana"/>
-              </a:rPr>
-              <a:t> </a:t>
-            </a:r>
-            <a:r>
-              <a:rPr lang="en-US" sz="1400" spc="-10" dirty="0" err="1">
+              <a:rPr lang="en-US" sz="1100" spc="-10" dirty="0">
+                <a:latin typeface="Verdana"/>
+                <a:cs typeface="Verdana"/>
+              </a:rPr>
+              <a:t> </a:t>
+            </a:r>
+            <a:r>
+              <a:rPr lang="en-US" sz="1100" spc="-10" dirty="0" err="1">
                 <a:latin typeface="Verdana"/>
                 <a:cs typeface="Verdana"/>
               </a:rPr>
               <a:t>maupun</a:t>
             </a:r>
             <a:r>
-              <a:rPr lang="en-US" sz="1400" spc="-10" dirty="0">
-                <a:latin typeface="Verdana"/>
-                <a:cs typeface="Verdana"/>
-              </a:rPr>
-              <a:t> </a:t>
-            </a:r>
-            <a:r>
-              <a:rPr lang="en-US" sz="1400" spc="-10" dirty="0" err="1">
+              <a:rPr lang="en-US" sz="1100" spc="-10" dirty="0">
+                <a:latin typeface="Verdana"/>
+                <a:cs typeface="Verdana"/>
+              </a:rPr>
+              <a:t> </a:t>
+            </a:r>
+            <a:r>
+              <a:rPr lang="en-US" sz="1100" spc="-10" dirty="0" err="1">
                 <a:latin typeface="Verdana"/>
                 <a:cs typeface="Verdana"/>
               </a:rPr>
               <a:t>turunnya</a:t>
             </a:r>
             <a:r>
-              <a:rPr lang="en-US" sz="1400" spc="-10" dirty="0">
-                <a:latin typeface="Verdana"/>
-                <a:cs typeface="Verdana"/>
-              </a:rPr>
-              <a:t> </a:t>
-            </a:r>
-            <a:r>
-              <a:rPr lang="en-US" sz="1400" spc="-10" dirty="0" err="1">
+              <a:rPr lang="en-US" sz="1100" spc="-10" dirty="0">
+                <a:latin typeface="Verdana"/>
+                <a:cs typeface="Verdana"/>
+              </a:rPr>
+              <a:t> </a:t>
+            </a:r>
+            <a:r>
+              <a:rPr lang="en-US" sz="1100" spc="-10" dirty="0" err="1">
                 <a:latin typeface="Verdana"/>
                 <a:cs typeface="Verdana"/>
               </a:rPr>
               <a:t>reputasi</a:t>
             </a:r>
             <a:r>
-              <a:rPr lang="en-US" sz="1400" spc="-10" dirty="0">
+              <a:rPr lang="en-US" sz="1100" spc="-10" dirty="0">
                 <a:latin typeface="Verdana"/>
                 <a:cs typeface="Verdana"/>
               </a:rPr>
               <a:t> bank di </a:t>
             </a:r>
             <a:r>
-              <a:rPr lang="en-US" sz="1400" spc="-10" dirty="0" err="1">
+              <a:rPr lang="en-US" sz="1100" spc="-10" dirty="0" err="1">
                 <a:latin typeface="Verdana"/>
                 <a:cs typeface="Verdana"/>
               </a:rPr>
               <a:t>mata</a:t>
             </a:r>
             <a:r>
-              <a:rPr lang="en-US" sz="1400" spc="-10" dirty="0">
-                <a:latin typeface="Verdana"/>
-                <a:cs typeface="Verdana"/>
-              </a:rPr>
-              <a:t> </a:t>
-            </a:r>
-            <a:r>
-              <a:rPr lang="en-US" sz="1400" spc="-10" dirty="0" err="1">
+              <a:rPr lang="en-US" sz="1100" spc="-10" dirty="0">
+                <a:latin typeface="Verdana"/>
+                <a:cs typeface="Verdana"/>
+              </a:rPr>
+              <a:t> </a:t>
+            </a:r>
+            <a:r>
+              <a:rPr lang="en-US" sz="1100" spc="-10" dirty="0" err="1">
                 <a:latin typeface="Verdana"/>
                 <a:cs typeface="Verdana"/>
               </a:rPr>
               <a:t>nasabah</a:t>
             </a:r>
             <a:r>
-              <a:rPr lang="en-US" sz="1400" spc="-10" dirty="0">
+              <a:rPr lang="en-US" sz="1100" spc="-10" dirty="0">
                 <a:latin typeface="Verdana"/>
                 <a:cs typeface="Verdana"/>
               </a:rPr>
               <a:t> lain </a:t>
             </a:r>
             <a:r>
-              <a:rPr lang="en-US" sz="1400" spc="-10" dirty="0" err="1">
+              <a:rPr lang="en-US" sz="1100" spc="-10" dirty="0" err="1">
                 <a:latin typeface="Verdana"/>
                 <a:cs typeface="Verdana"/>
               </a:rPr>
               <a:t>maupun</a:t>
             </a:r>
             <a:r>
-              <a:rPr lang="en-US" sz="1400" spc="-10" dirty="0">
+              <a:rPr lang="en-US" sz="1100" spc="-10" dirty="0">
                 <a:latin typeface="Verdana"/>
                 <a:cs typeface="Verdana"/>
               </a:rPr>
@@ -2889,398 +2889,398 @@
               </a:spcBef>
             </a:pPr>
             <a:r>
-              <a:rPr lang="en-US" sz="1400" spc="-10" dirty="0">
+              <a:rPr lang="en-US" sz="1100" spc="-10" dirty="0">
                 <a:latin typeface="Verdana"/>
                 <a:cs typeface="Verdana"/>
               </a:rPr>
               <a:t>2. User </a:t>
             </a:r>
             <a:r>
-              <a:rPr lang="en-US" sz="1400" spc="-10" dirty="0" err="1">
+              <a:rPr lang="en-US" sz="1100" spc="-10" dirty="0" err="1">
                 <a:latin typeface="Verdana"/>
                 <a:cs typeface="Verdana"/>
               </a:rPr>
               <a:t>terbanyak</a:t>
             </a:r>
             <a:r>
-              <a:rPr lang="en-US" sz="1400" spc="-10" dirty="0">
+              <a:rPr lang="en-US" sz="1100" spc="-10" dirty="0">
                 <a:latin typeface="Verdana"/>
                 <a:cs typeface="Verdana"/>
               </a:rPr>
               <a:t> yang </a:t>
             </a:r>
             <a:r>
-              <a:rPr lang="en-US" sz="1400" spc="-10" dirty="0" err="1">
+              <a:rPr lang="en-US" sz="1100" spc="-10" dirty="0" err="1">
                 <a:latin typeface="Verdana"/>
                 <a:cs typeface="Verdana"/>
               </a:rPr>
               <a:t>tidak</a:t>
             </a:r>
             <a:r>
-              <a:rPr lang="en-US" sz="1400" spc="-10" dirty="0">
-                <a:latin typeface="Verdana"/>
-                <a:cs typeface="Verdana"/>
-              </a:rPr>
-              <a:t> </a:t>
-            </a:r>
-            <a:r>
-              <a:rPr lang="en-US" sz="1400" spc="-10" dirty="0" err="1">
+              <a:rPr lang="en-US" sz="1100" spc="-10" dirty="0">
+                <a:latin typeface="Verdana"/>
+                <a:cs typeface="Verdana"/>
+              </a:rPr>
+              <a:t> </a:t>
+            </a:r>
+            <a:r>
+              <a:rPr lang="en-US" sz="1100" spc="-10" dirty="0" err="1">
                 <a:latin typeface="Verdana"/>
                 <a:cs typeface="Verdana"/>
               </a:rPr>
               <a:t>bisa</a:t>
             </a:r>
             <a:r>
-              <a:rPr lang="en-US" sz="1400" spc="-10" dirty="0">
-                <a:latin typeface="Verdana"/>
-                <a:cs typeface="Verdana"/>
-              </a:rPr>
-              <a:t> </a:t>
-            </a:r>
-            <a:r>
-              <a:rPr lang="en-US" sz="1400" spc="-10" dirty="0" err="1">
+              <a:rPr lang="en-US" sz="1100" spc="-10" dirty="0">
+                <a:latin typeface="Verdana"/>
+                <a:cs typeface="Verdana"/>
+              </a:rPr>
+              <a:t> </a:t>
+            </a:r>
+            <a:r>
+              <a:rPr lang="en-US" sz="1100" spc="-10" dirty="0" err="1">
                 <a:latin typeface="Verdana"/>
                 <a:cs typeface="Verdana"/>
               </a:rPr>
               <a:t>membayar</a:t>
             </a:r>
             <a:r>
-              <a:rPr lang="en-US" sz="1400" spc="-10" dirty="0">
-                <a:latin typeface="Verdana"/>
-                <a:cs typeface="Verdana"/>
-              </a:rPr>
-              <a:t> </a:t>
-            </a:r>
-            <a:r>
-              <a:rPr lang="en-US" sz="1400" spc="-10" dirty="0" err="1">
+              <a:rPr lang="en-US" sz="1100" spc="-10" dirty="0">
+                <a:latin typeface="Verdana"/>
+                <a:cs typeface="Verdana"/>
+              </a:rPr>
+              <a:t> </a:t>
+            </a:r>
+            <a:r>
+              <a:rPr lang="en-US" sz="1100" spc="-10" dirty="0" err="1">
                 <a:latin typeface="Verdana"/>
                 <a:cs typeface="Verdana"/>
               </a:rPr>
               <a:t>tagihan</a:t>
             </a:r>
             <a:r>
-              <a:rPr lang="en-US" sz="1400" spc="-10" dirty="0">
-                <a:latin typeface="Verdana"/>
-                <a:cs typeface="Verdana"/>
-              </a:rPr>
-              <a:t> </a:t>
-            </a:r>
-            <a:r>
-              <a:rPr lang="en-US" sz="1400" spc="-10" dirty="0" err="1">
+              <a:rPr lang="en-US" sz="1100" spc="-10" dirty="0">
+                <a:latin typeface="Verdana"/>
+                <a:cs typeface="Verdana"/>
+              </a:rPr>
+              <a:t> </a:t>
+            </a:r>
+            <a:r>
+              <a:rPr lang="en-US" sz="1100" spc="-10" dirty="0" err="1">
                 <a:latin typeface="Verdana"/>
                 <a:cs typeface="Verdana"/>
               </a:rPr>
               <a:t>sesuai</a:t>
             </a:r>
             <a:r>
-              <a:rPr lang="en-US" sz="1400" spc="-10" dirty="0">
-                <a:latin typeface="Verdana"/>
-                <a:cs typeface="Verdana"/>
-              </a:rPr>
-              <a:t> </a:t>
-            </a:r>
-            <a:r>
-              <a:rPr lang="en-US" sz="1400" spc="-10" dirty="0" err="1">
+              <a:rPr lang="en-US" sz="1100" spc="-10" dirty="0">
+                <a:latin typeface="Verdana"/>
+                <a:cs typeface="Verdana"/>
+              </a:rPr>
+              <a:t> </a:t>
+            </a:r>
+            <a:r>
+              <a:rPr lang="en-US" sz="1100" spc="-10" dirty="0" err="1">
                 <a:latin typeface="Verdana"/>
                 <a:cs typeface="Verdana"/>
               </a:rPr>
               <a:t>dengan</a:t>
             </a:r>
             <a:r>
-              <a:rPr lang="en-US" sz="1400" spc="-10" dirty="0">
-                <a:latin typeface="Verdana"/>
-                <a:cs typeface="Verdana"/>
-              </a:rPr>
-              <a:t> </a:t>
-            </a:r>
-            <a:r>
-              <a:rPr lang="en-US" sz="1400" spc="-10" dirty="0" err="1">
+              <a:rPr lang="en-US" sz="1100" spc="-10" dirty="0">
+                <a:latin typeface="Verdana"/>
+                <a:cs typeface="Verdana"/>
+              </a:rPr>
+              <a:t> </a:t>
+            </a:r>
+            <a:r>
+              <a:rPr lang="en-US" sz="1100" spc="-10" dirty="0" err="1">
                 <a:latin typeface="Verdana"/>
                 <a:cs typeface="Verdana"/>
               </a:rPr>
               <a:t>jumlahnya</a:t>
             </a:r>
             <a:r>
-              <a:rPr lang="en-US" sz="1400" spc="-10" dirty="0">
+              <a:rPr lang="en-US" sz="1100" spc="-10" dirty="0">
                 <a:latin typeface="Verdana"/>
                 <a:cs typeface="Verdana"/>
               </a:rPr>
               <a:t> pada </a:t>
             </a:r>
             <a:r>
-              <a:rPr lang="en-US" sz="1400" spc="-10" dirty="0" err="1">
+              <a:rPr lang="en-US" sz="1100" spc="-10" dirty="0" err="1">
                 <a:latin typeface="Verdana"/>
                 <a:cs typeface="Verdana"/>
               </a:rPr>
               <a:t>bulan</a:t>
             </a:r>
             <a:r>
-              <a:rPr lang="en-US" sz="1400" spc="-10" dirty="0">
-                <a:latin typeface="Verdana"/>
-                <a:cs typeface="Verdana"/>
-              </a:rPr>
-              <a:t> </a:t>
-            </a:r>
-            <a:r>
-              <a:rPr lang="en-US" sz="1400" spc="-10" dirty="0" err="1">
+              <a:rPr lang="en-US" sz="1100" spc="-10" dirty="0">
+                <a:latin typeface="Verdana"/>
+                <a:cs typeface="Verdana"/>
+              </a:rPr>
+              <a:t> </a:t>
+            </a:r>
+            <a:r>
+              <a:rPr lang="en-US" sz="1100" spc="-10" dirty="0" err="1">
                 <a:latin typeface="Verdana"/>
                 <a:cs typeface="Verdana"/>
               </a:rPr>
               <a:t>tertentu</a:t>
             </a:r>
             <a:r>
-              <a:rPr lang="en-US" sz="1400" spc="-10" dirty="0">
-                <a:latin typeface="Verdana"/>
-                <a:cs typeface="Verdana"/>
-              </a:rPr>
-              <a:t> </a:t>
-            </a:r>
-            <a:r>
-              <a:rPr lang="en-US" sz="1400" spc="-10" dirty="0" err="1">
+              <a:rPr lang="en-US" sz="1100" spc="-10" dirty="0">
+                <a:latin typeface="Verdana"/>
+                <a:cs typeface="Verdana"/>
+              </a:rPr>
+              <a:t> </a:t>
+            </a:r>
+            <a:r>
+              <a:rPr lang="en-US" sz="1100" spc="-10" dirty="0" err="1">
                 <a:latin typeface="Verdana"/>
                 <a:cs typeface="Verdana"/>
               </a:rPr>
               <a:t>merupakan</a:t>
             </a:r>
             <a:r>
-              <a:rPr lang="en-US" sz="1400" spc="-10" dirty="0">
+              <a:rPr lang="en-US" sz="1100" spc="-10" dirty="0">
                 <a:latin typeface="Verdana"/>
                 <a:cs typeface="Verdana"/>
               </a:rPr>
               <a:t> user yang </a:t>
             </a:r>
             <a:r>
-              <a:rPr lang="en-US" sz="1400" spc="-10" dirty="0" err="1">
+              <a:rPr lang="en-US" sz="1100" spc="-10" dirty="0" err="1">
                 <a:latin typeface="Verdana"/>
                 <a:cs typeface="Verdana"/>
               </a:rPr>
               <a:t>masih</a:t>
             </a:r>
             <a:r>
-              <a:rPr lang="en-US" sz="1400" spc="-10" dirty="0">
+              <a:rPr lang="en-US" sz="1100" spc="-10" dirty="0">
                 <a:latin typeface="Verdana"/>
                 <a:cs typeface="Verdana"/>
               </a:rPr>
               <a:t> single </a:t>
             </a:r>
             <a:r>
-              <a:rPr lang="en-US" sz="1400" spc="-10" dirty="0" err="1">
+              <a:rPr lang="en-US" sz="1100" spc="-10" dirty="0" err="1">
                 <a:latin typeface="Verdana"/>
                 <a:cs typeface="Verdana"/>
               </a:rPr>
               <a:t>dengan</a:t>
             </a:r>
             <a:r>
-              <a:rPr lang="en-US" sz="1400" spc="-10" dirty="0">
-                <a:latin typeface="Verdana"/>
-                <a:cs typeface="Verdana"/>
-              </a:rPr>
-              <a:t> </a:t>
-            </a:r>
-            <a:r>
-              <a:rPr lang="en-US" sz="1400" spc="-10" dirty="0" err="1">
+              <a:rPr lang="en-US" sz="1100" spc="-10" dirty="0">
+                <a:latin typeface="Verdana"/>
+                <a:cs typeface="Verdana"/>
+              </a:rPr>
+              <a:t> </a:t>
+            </a:r>
+            <a:r>
+              <a:rPr lang="en-US" sz="1100" spc="-10" dirty="0" err="1">
                 <a:latin typeface="Verdana"/>
                 <a:cs typeface="Verdana"/>
               </a:rPr>
               <a:t>pendidikan</a:t>
             </a:r>
             <a:r>
-              <a:rPr lang="en-US" sz="1400" spc="-10" dirty="0">
-                <a:latin typeface="Verdana"/>
-                <a:cs typeface="Verdana"/>
-              </a:rPr>
-              <a:t> </a:t>
-            </a:r>
-            <a:r>
-              <a:rPr lang="en-US" sz="1400" spc="-10" dirty="0" err="1">
+              <a:rPr lang="en-US" sz="1100" spc="-10" dirty="0">
+                <a:latin typeface="Verdana"/>
+                <a:cs typeface="Verdana"/>
+              </a:rPr>
+              <a:t> </a:t>
+            </a:r>
+            <a:r>
+              <a:rPr lang="en-US" sz="1100" spc="-10" dirty="0" err="1">
                 <a:latin typeface="Verdana"/>
                 <a:cs typeface="Verdana"/>
               </a:rPr>
               <a:t>tingkat</a:t>
             </a:r>
             <a:r>
-              <a:rPr lang="en-US" sz="1400" spc="-10" dirty="0">
-                <a:latin typeface="Verdana"/>
-                <a:cs typeface="Verdana"/>
-              </a:rPr>
-              <a:t> </a:t>
-            </a:r>
-            <a:r>
-              <a:rPr lang="en-US" sz="1400" spc="-10" dirty="0" err="1">
+              <a:rPr lang="en-US" sz="1100" spc="-10" dirty="0">
+                <a:latin typeface="Verdana"/>
+                <a:cs typeface="Verdana"/>
+              </a:rPr>
+              <a:t> </a:t>
+            </a:r>
+            <a:r>
+              <a:rPr lang="en-US" sz="1100" spc="-10" dirty="0" err="1">
                 <a:latin typeface="Verdana"/>
                 <a:cs typeface="Verdana"/>
               </a:rPr>
               <a:t>terakhir</a:t>
             </a:r>
             <a:r>
-              <a:rPr lang="en-US" sz="1400" spc="-10" dirty="0">
+              <a:rPr lang="en-US" sz="1100" spc="-10" dirty="0">
                 <a:latin typeface="Verdana"/>
                 <a:cs typeface="Verdana"/>
               </a:rPr>
               <a:t> university. Karena </a:t>
             </a:r>
             <a:r>
-              <a:rPr lang="en-US" sz="1400" spc="-10" dirty="0" err="1">
+              <a:rPr lang="en-US" sz="1100" spc="-10" dirty="0" err="1">
                 <a:latin typeface="Verdana"/>
                 <a:cs typeface="Verdana"/>
               </a:rPr>
               <a:t>hal</a:t>
             </a:r>
             <a:r>
-              <a:rPr lang="en-US" sz="1400" spc="-10" dirty="0">
-                <a:latin typeface="Verdana"/>
-                <a:cs typeface="Verdana"/>
-              </a:rPr>
-              <a:t> </a:t>
-            </a:r>
-            <a:r>
-              <a:rPr lang="en-US" sz="1400" spc="-10" dirty="0" err="1">
+              <a:rPr lang="en-US" sz="1100" spc="-10" dirty="0">
+                <a:latin typeface="Verdana"/>
+                <a:cs typeface="Verdana"/>
+              </a:rPr>
+              <a:t> </a:t>
+            </a:r>
+            <a:r>
+              <a:rPr lang="en-US" sz="1100" spc="-10" dirty="0" err="1">
                 <a:latin typeface="Verdana"/>
                 <a:cs typeface="Verdana"/>
               </a:rPr>
               <a:t>ini</a:t>
             </a:r>
             <a:r>
-              <a:rPr lang="en-US" sz="1400" spc="-10" dirty="0">
+              <a:rPr lang="en-US" sz="1100" spc="-10" dirty="0">
                 <a:latin typeface="Verdana"/>
                 <a:cs typeface="Verdana"/>
               </a:rPr>
               <a:t>, </a:t>
             </a:r>
             <a:r>
-              <a:rPr lang="en-US" sz="1400" spc="-10" dirty="0" err="1">
+              <a:rPr lang="en-US" sz="1100" spc="-10" dirty="0" err="1">
                 <a:latin typeface="Verdana"/>
                 <a:cs typeface="Verdana"/>
               </a:rPr>
               <a:t>perlu</a:t>
             </a:r>
             <a:r>
-              <a:rPr lang="en-US" sz="1400" spc="-10" dirty="0">
-                <a:latin typeface="Verdana"/>
-                <a:cs typeface="Verdana"/>
-              </a:rPr>
-              <a:t> </a:t>
-            </a:r>
-            <a:r>
-              <a:rPr lang="en-US" sz="1400" spc="-10" dirty="0" err="1">
+              <a:rPr lang="en-US" sz="1100" spc="-10" dirty="0">
+                <a:latin typeface="Verdana"/>
+                <a:cs typeface="Verdana"/>
+              </a:rPr>
+              <a:t> </a:t>
+            </a:r>
+            <a:r>
+              <a:rPr lang="en-US" sz="1100" spc="-10" dirty="0" err="1">
                 <a:latin typeface="Verdana"/>
                 <a:cs typeface="Verdana"/>
               </a:rPr>
               <a:t>ada</a:t>
             </a:r>
             <a:r>
-              <a:rPr lang="en-US" sz="1400" spc="-10" dirty="0">
-                <a:latin typeface="Verdana"/>
-                <a:cs typeface="Verdana"/>
-              </a:rPr>
-              <a:t> </a:t>
-            </a:r>
-            <a:r>
-              <a:rPr lang="en-US" sz="1400" spc="-10" dirty="0" err="1">
+              <a:rPr lang="en-US" sz="1100" spc="-10" dirty="0">
+                <a:latin typeface="Verdana"/>
+                <a:cs typeface="Verdana"/>
+              </a:rPr>
+              <a:t> </a:t>
+            </a:r>
+            <a:r>
+              <a:rPr lang="en-US" sz="1100" spc="-10" dirty="0" err="1">
                 <a:latin typeface="Verdana"/>
                 <a:cs typeface="Verdana"/>
               </a:rPr>
               <a:t>nya</a:t>
             </a:r>
             <a:r>
-              <a:rPr lang="en-US" sz="1400" spc="-10" dirty="0">
-                <a:latin typeface="Verdana"/>
-                <a:cs typeface="Verdana"/>
-              </a:rPr>
-              <a:t> </a:t>
-            </a:r>
-            <a:r>
-              <a:rPr lang="en-US" sz="1400" spc="-10" dirty="0" err="1">
+              <a:rPr lang="en-US" sz="1100" spc="-10" dirty="0">
+                <a:latin typeface="Verdana"/>
+                <a:cs typeface="Verdana"/>
+              </a:rPr>
+              <a:t> </a:t>
+            </a:r>
+            <a:r>
+              <a:rPr lang="en-US" sz="1100" spc="-10" dirty="0" err="1">
                 <a:latin typeface="Verdana"/>
                 <a:cs typeface="Verdana"/>
               </a:rPr>
               <a:t>tinjauan</a:t>
             </a:r>
             <a:r>
-              <a:rPr lang="en-US" sz="1400" spc="-10" dirty="0">
-                <a:latin typeface="Verdana"/>
-                <a:cs typeface="Verdana"/>
-              </a:rPr>
-              <a:t> </a:t>
-            </a:r>
-            <a:r>
-              <a:rPr lang="en-US" sz="1400" spc="-10" dirty="0" err="1">
+              <a:rPr lang="en-US" sz="1100" spc="-10" dirty="0">
+                <a:latin typeface="Verdana"/>
+                <a:cs typeface="Verdana"/>
+              </a:rPr>
+              <a:t> </a:t>
+            </a:r>
+            <a:r>
+              <a:rPr lang="en-US" sz="1100" spc="-10" dirty="0" err="1">
                 <a:latin typeface="Verdana"/>
                 <a:cs typeface="Verdana"/>
               </a:rPr>
               <a:t>khusus</a:t>
             </a:r>
             <a:r>
-              <a:rPr lang="en-US" sz="1400" spc="-10" dirty="0">
-                <a:latin typeface="Verdana"/>
-                <a:cs typeface="Verdana"/>
-              </a:rPr>
-              <a:t> </a:t>
-            </a:r>
-            <a:r>
-              <a:rPr lang="en-US" sz="1400" spc="-10" dirty="0" err="1">
+              <a:rPr lang="en-US" sz="1100" spc="-10" dirty="0">
+                <a:latin typeface="Verdana"/>
+                <a:cs typeface="Verdana"/>
+              </a:rPr>
+              <a:t> </a:t>
+            </a:r>
+            <a:r>
+              <a:rPr lang="en-US" sz="1100" spc="-10" dirty="0" err="1">
                 <a:latin typeface="Verdana"/>
                 <a:cs typeface="Verdana"/>
               </a:rPr>
               <a:t>kedepannya</a:t>
             </a:r>
             <a:r>
-              <a:rPr lang="en-US" sz="1400" spc="-10" dirty="0">
-                <a:latin typeface="Verdana"/>
-                <a:cs typeface="Verdana"/>
-              </a:rPr>
-              <a:t> </a:t>
-            </a:r>
-            <a:r>
-              <a:rPr lang="en-US" sz="1400" spc="-10" dirty="0" err="1">
+              <a:rPr lang="en-US" sz="1100" spc="-10" dirty="0">
+                <a:latin typeface="Verdana"/>
+                <a:cs typeface="Verdana"/>
+              </a:rPr>
+              <a:t> </a:t>
+            </a:r>
+            <a:r>
+              <a:rPr lang="en-US" sz="1100" spc="-10" dirty="0" err="1">
                 <a:latin typeface="Verdana"/>
                 <a:cs typeface="Verdana"/>
               </a:rPr>
               <a:t>untuk</a:t>
             </a:r>
             <a:r>
-              <a:rPr lang="en-US" sz="1400" spc="-10" dirty="0">
-                <a:latin typeface="Verdana"/>
-                <a:cs typeface="Verdana"/>
-              </a:rPr>
-              <a:t> </a:t>
-            </a:r>
-            <a:r>
-              <a:rPr lang="en-US" sz="1400" spc="-10" dirty="0" err="1">
+              <a:rPr lang="en-US" sz="1100" spc="-10" dirty="0">
+                <a:latin typeface="Verdana"/>
+                <a:cs typeface="Verdana"/>
+              </a:rPr>
+              <a:t> </a:t>
+            </a:r>
+            <a:r>
+              <a:rPr lang="en-US" sz="1100" spc="-10" dirty="0" err="1">
                 <a:latin typeface="Verdana"/>
                 <a:cs typeface="Verdana"/>
               </a:rPr>
               <a:t>terkait</a:t>
             </a:r>
             <a:r>
-              <a:rPr lang="en-US" sz="1400" spc="-10" dirty="0">
-                <a:latin typeface="Verdana"/>
-                <a:cs typeface="Verdana"/>
-              </a:rPr>
-              <a:t> </a:t>
-            </a:r>
-            <a:r>
-              <a:rPr lang="en-US" sz="1400" spc="-10" dirty="0" err="1">
+              <a:rPr lang="en-US" sz="1100" spc="-10" dirty="0">
+                <a:latin typeface="Verdana"/>
+                <a:cs typeface="Verdana"/>
+              </a:rPr>
+              <a:t> </a:t>
+            </a:r>
+            <a:r>
+              <a:rPr lang="en-US" sz="1100" spc="-10" dirty="0" err="1">
                 <a:latin typeface="Verdana"/>
                 <a:cs typeface="Verdana"/>
               </a:rPr>
               <a:t>masalah</a:t>
             </a:r>
             <a:r>
-              <a:rPr lang="en-US" sz="1400" spc="-10" dirty="0">
-                <a:latin typeface="Verdana"/>
-                <a:cs typeface="Verdana"/>
-              </a:rPr>
-              <a:t> </a:t>
-            </a:r>
-            <a:r>
-              <a:rPr lang="en-US" sz="1400" spc="-10" dirty="0" err="1">
+              <a:rPr lang="en-US" sz="1100" spc="-10" dirty="0">
+                <a:latin typeface="Verdana"/>
+                <a:cs typeface="Verdana"/>
+              </a:rPr>
+              <a:t> </a:t>
+            </a:r>
+            <a:r>
+              <a:rPr lang="en-US" sz="1100" spc="-10" dirty="0" err="1">
                 <a:latin typeface="Verdana"/>
                 <a:cs typeface="Verdana"/>
               </a:rPr>
               <a:t>ini</a:t>
             </a:r>
-            <a:endParaRPr lang="en-US" sz="1400" spc="-10" dirty="0">
+            <a:endParaRPr lang="en-US" sz="1100" spc="-10" dirty="0">
               <a:latin typeface="Verdana"/>
               <a:cs typeface="Verdana"/>
             </a:endParaRPr>
@@ -3294,7 +3294,318 @@
                 <a:spcPts val="100"/>
               </a:spcBef>
             </a:pPr>
-            <a:endParaRPr lang="en-US" sz="1400" spc="-10" dirty="0">
+            <a:r>
+              <a:rPr lang="en-US" sz="1100" spc="-10" dirty="0">
+                <a:latin typeface="Verdana"/>
+                <a:cs typeface="Verdana"/>
+              </a:rPr>
+              <a:t>3. </a:t>
+            </a:r>
+            <a:r>
+              <a:rPr lang="en-US" sz="1100" spc="-10" dirty="0" err="1">
+                <a:latin typeface="Verdana"/>
+                <a:cs typeface="Verdana"/>
+              </a:rPr>
+              <a:t>Nasabah</a:t>
+            </a:r>
+            <a:r>
+              <a:rPr lang="en-US" sz="1100" spc="-10" dirty="0">
+                <a:latin typeface="Verdana"/>
+                <a:cs typeface="Verdana"/>
+              </a:rPr>
+              <a:t> paling </a:t>
+            </a:r>
+            <a:r>
+              <a:rPr lang="en-US" sz="1100" spc="-10" dirty="0" err="1">
+                <a:latin typeface="Verdana"/>
+                <a:cs typeface="Verdana"/>
+              </a:rPr>
+              <a:t>banyak</a:t>
+            </a:r>
+            <a:r>
+              <a:rPr lang="en-US" sz="1100" spc="-10" dirty="0">
+                <a:latin typeface="Verdana"/>
+                <a:cs typeface="Verdana"/>
+              </a:rPr>
+              <a:t> </a:t>
+            </a:r>
+            <a:r>
+              <a:rPr lang="en-US" sz="1100" spc="-10" dirty="0" err="1">
+                <a:latin typeface="Verdana"/>
+                <a:cs typeface="Verdana"/>
+              </a:rPr>
+              <a:t>berada</a:t>
+            </a:r>
+            <a:r>
+              <a:rPr lang="en-US" sz="1100" spc="-10" dirty="0">
+                <a:latin typeface="Verdana"/>
+                <a:cs typeface="Verdana"/>
+              </a:rPr>
+              <a:t> pada </a:t>
+            </a:r>
+            <a:r>
+              <a:rPr lang="en-US" sz="1100" spc="-10" dirty="0" err="1">
+                <a:latin typeface="Verdana"/>
+                <a:cs typeface="Verdana"/>
+              </a:rPr>
+              <a:t>segmen</a:t>
+            </a:r>
+            <a:r>
+              <a:rPr lang="en-US" sz="1100" spc="-10" dirty="0">
+                <a:latin typeface="Verdana"/>
+                <a:cs typeface="Verdana"/>
+              </a:rPr>
+              <a:t> </a:t>
+            </a:r>
+            <a:r>
+              <a:rPr lang="en-US" sz="1100" spc="-10" dirty="0" err="1">
+                <a:latin typeface="Verdana"/>
+                <a:cs typeface="Verdana"/>
+              </a:rPr>
+              <a:t>usia</a:t>
+            </a:r>
+            <a:r>
+              <a:rPr lang="en-US" sz="1100" spc="-10" dirty="0">
+                <a:latin typeface="Verdana"/>
+                <a:cs typeface="Verdana"/>
+              </a:rPr>
+              <a:t> </a:t>
+            </a:r>
+            <a:r>
+              <a:rPr lang="en-US" sz="1100" spc="-10" dirty="0" err="1">
+                <a:latin typeface="Verdana"/>
+                <a:cs typeface="Verdana"/>
+              </a:rPr>
+              <a:t>Dewasa</a:t>
+            </a:r>
+            <a:r>
+              <a:rPr lang="en-US" sz="1100" spc="-10" dirty="0">
+                <a:latin typeface="Verdana"/>
+                <a:cs typeface="Verdana"/>
+              </a:rPr>
+              <a:t> (25-40 </a:t>
+            </a:r>
+            <a:r>
+              <a:rPr lang="en-US" sz="1100" spc="-10" dirty="0" err="1">
+                <a:latin typeface="Verdana"/>
+                <a:cs typeface="Verdana"/>
+              </a:rPr>
+              <a:t>tahun</a:t>
+            </a:r>
+            <a:r>
+              <a:rPr lang="en-US" sz="1100" spc="-10" dirty="0">
+                <a:latin typeface="Verdana"/>
+                <a:cs typeface="Verdana"/>
+              </a:rPr>
+              <a:t>), dan segment </a:t>
+            </a:r>
+            <a:r>
+              <a:rPr lang="en-US" sz="1100" spc="-10" dirty="0" err="1">
+                <a:latin typeface="Verdana"/>
+                <a:cs typeface="Verdana"/>
+              </a:rPr>
+              <a:t>usia</a:t>
+            </a:r>
+            <a:r>
+              <a:rPr lang="en-US" sz="1100" spc="-10" dirty="0">
+                <a:latin typeface="Verdana"/>
+                <a:cs typeface="Verdana"/>
+              </a:rPr>
+              <a:t> adult </a:t>
+            </a:r>
+            <a:r>
+              <a:rPr lang="en-US" sz="1100" spc="-10" dirty="0" err="1">
+                <a:latin typeface="Verdana"/>
+                <a:cs typeface="Verdana"/>
+              </a:rPr>
+              <a:t>ini</a:t>
+            </a:r>
+            <a:r>
+              <a:rPr lang="en-US" sz="1100" spc="-10" dirty="0">
+                <a:latin typeface="Verdana"/>
+                <a:cs typeface="Verdana"/>
+              </a:rPr>
+              <a:t> juga </a:t>
+            </a:r>
+            <a:r>
+              <a:rPr lang="en-US" sz="1100" spc="-10" dirty="0" err="1">
+                <a:latin typeface="Verdana"/>
+                <a:cs typeface="Verdana"/>
+              </a:rPr>
+              <a:t>memiliki</a:t>
+            </a:r>
+            <a:r>
+              <a:rPr lang="en-US" sz="1100" spc="-10" dirty="0">
+                <a:latin typeface="Verdana"/>
+                <a:cs typeface="Verdana"/>
+              </a:rPr>
+              <a:t> </a:t>
+            </a:r>
+            <a:r>
+              <a:rPr lang="en-US" sz="1100" spc="-10" dirty="0" err="1">
+                <a:latin typeface="Verdana"/>
+                <a:cs typeface="Verdana"/>
+              </a:rPr>
+              <a:t>nasabah</a:t>
+            </a:r>
+            <a:r>
+              <a:rPr lang="en-US" sz="1100" spc="-10" dirty="0">
+                <a:latin typeface="Verdana"/>
+                <a:cs typeface="Verdana"/>
+              </a:rPr>
+              <a:t> yang </a:t>
+            </a:r>
+            <a:r>
+              <a:rPr lang="en-US" sz="1100" spc="-10" dirty="0" err="1">
+                <a:latin typeface="Verdana"/>
+                <a:cs typeface="Verdana"/>
+              </a:rPr>
+              <a:t>gagal</a:t>
+            </a:r>
+            <a:r>
+              <a:rPr lang="en-US" sz="1100" spc="-10" dirty="0">
+                <a:latin typeface="Verdana"/>
+                <a:cs typeface="Verdana"/>
+              </a:rPr>
+              <a:t> </a:t>
+            </a:r>
+            <a:r>
+              <a:rPr lang="en-US" sz="1100" spc="-10" dirty="0" err="1">
+                <a:latin typeface="Verdana"/>
+                <a:cs typeface="Verdana"/>
+              </a:rPr>
+              <a:t>bayar</a:t>
+            </a:r>
+            <a:r>
+              <a:rPr lang="en-US" sz="1100" spc="-10" dirty="0">
+                <a:latin typeface="Verdana"/>
+                <a:cs typeface="Verdana"/>
+              </a:rPr>
+              <a:t> pada </a:t>
+            </a:r>
+            <a:r>
+              <a:rPr lang="en-US" sz="1100" spc="-10" dirty="0" err="1">
+                <a:latin typeface="Verdana"/>
+                <a:cs typeface="Verdana"/>
+              </a:rPr>
+              <a:t>bulan</a:t>
+            </a:r>
+            <a:r>
+              <a:rPr lang="en-US" sz="1100" spc="-10" dirty="0">
+                <a:latin typeface="Verdana"/>
+                <a:cs typeface="Verdana"/>
+              </a:rPr>
+              <a:t> </a:t>
+            </a:r>
+            <a:r>
+              <a:rPr lang="en-US" sz="1100" spc="-10" dirty="0" err="1">
+                <a:latin typeface="Verdana"/>
+                <a:cs typeface="Verdana"/>
+              </a:rPr>
+              <a:t>Oktober</a:t>
+            </a:r>
+            <a:r>
+              <a:rPr lang="en-US" sz="1100" spc="-10" dirty="0">
+                <a:latin typeface="Verdana"/>
+                <a:cs typeface="Verdana"/>
+              </a:rPr>
+              <a:t> paling </a:t>
+            </a:r>
+            <a:r>
+              <a:rPr lang="en-US" sz="1100" spc="-10" dirty="0" err="1">
+                <a:latin typeface="Verdana"/>
+                <a:cs typeface="Verdana"/>
+              </a:rPr>
+              <a:t>banyak</a:t>
+            </a:r>
+            <a:r>
+              <a:rPr lang="en-US" sz="1100" spc="-10" dirty="0">
+                <a:latin typeface="Verdana"/>
+                <a:cs typeface="Verdana"/>
+              </a:rPr>
+              <a:t> </a:t>
+            </a:r>
+            <a:r>
+              <a:rPr lang="en-US" sz="1100" spc="-10" dirty="0" err="1">
+                <a:latin typeface="Verdana"/>
+                <a:cs typeface="Verdana"/>
+              </a:rPr>
+              <a:t>dibandingkan</a:t>
+            </a:r>
+            <a:r>
+              <a:rPr lang="en-US" sz="1100" spc="-10" dirty="0">
+                <a:latin typeface="Verdana"/>
+                <a:cs typeface="Verdana"/>
+              </a:rPr>
+              <a:t> </a:t>
+            </a:r>
+            <a:r>
+              <a:rPr lang="en-US" sz="1100" spc="-10" dirty="0" err="1">
+                <a:latin typeface="Verdana"/>
+                <a:cs typeface="Verdana"/>
+              </a:rPr>
+              <a:t>dengan</a:t>
+            </a:r>
+            <a:r>
+              <a:rPr lang="en-US" sz="1100" spc="-10" dirty="0">
+                <a:latin typeface="Verdana"/>
+                <a:cs typeface="Verdana"/>
+              </a:rPr>
+              <a:t> </a:t>
+            </a:r>
+            <a:r>
+              <a:rPr lang="en-US" sz="1100" spc="-10" dirty="0" err="1">
+                <a:latin typeface="Verdana"/>
+                <a:cs typeface="Verdana"/>
+              </a:rPr>
+              <a:t>segmen</a:t>
+            </a:r>
+            <a:r>
+              <a:rPr lang="en-US" sz="1100" spc="-10" dirty="0">
+                <a:latin typeface="Verdana"/>
+                <a:cs typeface="Verdana"/>
+              </a:rPr>
+              <a:t> </a:t>
+            </a:r>
+            <a:r>
+              <a:rPr lang="en-US" sz="1100" spc="-10" dirty="0" err="1">
+                <a:latin typeface="Verdana"/>
+                <a:cs typeface="Verdana"/>
+              </a:rPr>
+              <a:t>usia</a:t>
+            </a:r>
+            <a:r>
+              <a:rPr lang="en-US" sz="1100" spc="-10" dirty="0">
+                <a:latin typeface="Verdana"/>
+                <a:cs typeface="Verdana"/>
+              </a:rPr>
+              <a:t> </a:t>
+            </a:r>
+            <a:r>
+              <a:rPr lang="en-US" sz="1100" spc="-10" dirty="0" err="1">
+                <a:latin typeface="Verdana"/>
+                <a:cs typeface="Verdana"/>
+              </a:rPr>
+              <a:t>lainnya</a:t>
+            </a:r>
+            <a:r>
+              <a:rPr lang="en-US" sz="1100" spc="-10" dirty="0">
+                <a:latin typeface="Verdana"/>
+                <a:cs typeface="Verdana"/>
+              </a:rPr>
+              <a:t>.</a:t>
+            </a:r>
+          </a:p>
+          <a:p>
+            <a:pPr marL="12700" marR="5080">
+              <a:lnSpc>
+                <a:spcPct val="114999"/>
+              </a:lnSpc>
+              <a:spcBef>
+                <a:spcPts val="100"/>
+              </a:spcBef>
+            </a:pPr>
+            <a:endParaRPr lang="en-US" sz="1100" spc="-10" dirty="0">
               <a:latin typeface="Verdana"/>
               <a:cs typeface="Verdana"/>
             </a:endParaRPr>
@@ -3308,13 +3619,10 @@
                 <a:spcPts val="100"/>
               </a:spcBef>
             </a:pPr>
-            <a:r>
-              <a:rPr lang="en-US" sz="1400" spc="-10" dirty="0">
-                <a:latin typeface="Verdana"/>
-                <a:cs typeface="Verdana"/>
-              </a:rPr>
-              <a:t>BUSINESS RECOMMENDATION</a:t>
-            </a:r>
+            <a:endParaRPr lang="en-US" sz="1100" spc="-10" dirty="0">
+              <a:latin typeface="Verdana"/>
+              <a:cs typeface="Verdana"/>
+            </a:endParaRPr>
           </a:p>
           <a:p>
             <a:pPr marL="12700" marR="5080">
@@ -3325,848 +3633,879 @@
                 <a:spcPts val="100"/>
               </a:spcBef>
             </a:pPr>
-            <a:r>
-              <a:rPr lang="en-US" sz="1400" spc="-10" dirty="0">
+            <a:endParaRPr lang="en-US" sz="1100" spc="-10" dirty="0">
+              <a:latin typeface="Verdana"/>
+              <a:cs typeface="Verdana"/>
+            </a:endParaRPr>
+          </a:p>
+          <a:p>
+            <a:pPr marL="12700" marR="5080">
+              <a:lnSpc>
+                <a:spcPct val="114999"/>
+              </a:lnSpc>
+              <a:spcBef>
+                <a:spcPts val="100"/>
+              </a:spcBef>
+            </a:pPr>
+            <a:r>
+              <a:rPr lang="en-US" sz="1100" spc="-10" dirty="0">
+                <a:latin typeface="Verdana"/>
+                <a:cs typeface="Verdana"/>
+              </a:rPr>
+              <a:t>BUSINESS RECOMMENDATION</a:t>
+            </a:r>
+          </a:p>
+          <a:p>
+            <a:pPr marL="12700" marR="5080">
+              <a:lnSpc>
+                <a:spcPct val="114999"/>
+              </a:lnSpc>
+              <a:spcBef>
+                <a:spcPts val="100"/>
+              </a:spcBef>
+            </a:pPr>
+            <a:r>
+              <a:rPr lang="en-US" sz="1100" spc="-10" dirty="0">
                 <a:latin typeface="Verdana"/>
                 <a:cs typeface="Verdana"/>
               </a:rPr>
               <a:t>Dari </a:t>
             </a:r>
             <a:r>
-              <a:rPr lang="en-US" sz="1400" spc="-10" dirty="0" err="1">
+              <a:rPr lang="en-US" sz="1100" spc="-10" dirty="0" err="1">
                 <a:latin typeface="Verdana"/>
                 <a:cs typeface="Verdana"/>
               </a:rPr>
               <a:t>beberapa</a:t>
             </a:r>
             <a:r>
-              <a:rPr lang="en-US" sz="1400" spc="-10" dirty="0">
+              <a:rPr lang="en-US" sz="1100" spc="-10" dirty="0">
                 <a:latin typeface="Verdana"/>
                 <a:cs typeface="Verdana"/>
               </a:rPr>
               <a:t> insight </a:t>
             </a:r>
             <a:r>
-              <a:rPr lang="en-US" sz="1400" spc="-10" dirty="0" err="1">
+              <a:rPr lang="en-US" sz="1100" spc="-10" dirty="0" err="1">
                 <a:latin typeface="Verdana"/>
                 <a:cs typeface="Verdana"/>
               </a:rPr>
               <a:t>tersebut</a:t>
             </a:r>
             <a:r>
-              <a:rPr lang="en-US" sz="1400" spc="-10" dirty="0">
+              <a:rPr lang="en-US" sz="1100" spc="-10" dirty="0">
                 <a:latin typeface="Verdana"/>
                 <a:cs typeface="Verdana"/>
               </a:rPr>
               <a:t>, </a:t>
             </a:r>
             <a:r>
-              <a:rPr lang="en-US" sz="1400" spc="-10" dirty="0" err="1">
+              <a:rPr lang="en-US" sz="1100" spc="-10" dirty="0" err="1">
                 <a:latin typeface="Verdana"/>
                 <a:cs typeface="Verdana"/>
               </a:rPr>
               <a:t>dapat</a:t>
             </a:r>
             <a:r>
-              <a:rPr lang="en-US" sz="1400" spc="-10" dirty="0">
-                <a:latin typeface="Verdana"/>
-                <a:cs typeface="Verdana"/>
-              </a:rPr>
-              <a:t> </a:t>
-            </a:r>
-            <a:r>
-              <a:rPr lang="en-US" sz="1400" spc="-10" dirty="0" err="1">
+              <a:rPr lang="en-US" sz="1100" spc="-10" dirty="0">
+                <a:latin typeface="Verdana"/>
+                <a:cs typeface="Verdana"/>
+              </a:rPr>
+              <a:t> </a:t>
+            </a:r>
+            <a:r>
+              <a:rPr lang="en-US" sz="1100" spc="-10" dirty="0" err="1">
                 <a:latin typeface="Verdana"/>
                 <a:cs typeface="Verdana"/>
               </a:rPr>
               <a:t>diberikan</a:t>
             </a:r>
             <a:r>
-              <a:rPr lang="en-US" sz="1400" spc="-10" dirty="0">
-                <a:latin typeface="Verdana"/>
-                <a:cs typeface="Verdana"/>
-              </a:rPr>
-              <a:t> </a:t>
-            </a:r>
-            <a:r>
-              <a:rPr lang="en-US" sz="1400" spc="-10" dirty="0" err="1">
+              <a:rPr lang="en-US" sz="1100" spc="-10" dirty="0">
+                <a:latin typeface="Verdana"/>
+                <a:cs typeface="Verdana"/>
+              </a:rPr>
+              <a:t> </a:t>
+            </a:r>
+            <a:r>
+              <a:rPr lang="en-US" sz="1100" spc="-10" dirty="0" err="1">
                 <a:latin typeface="Verdana"/>
                 <a:cs typeface="Verdana"/>
               </a:rPr>
               <a:t>rekomendasi</a:t>
             </a:r>
             <a:r>
-              <a:rPr lang="en-US" sz="1400" spc="-10" dirty="0">
-                <a:latin typeface="Verdana"/>
-                <a:cs typeface="Verdana"/>
-              </a:rPr>
-              <a:t> </a:t>
-            </a:r>
-            <a:r>
-              <a:rPr lang="en-US" sz="1400" spc="-10" dirty="0" err="1">
+              <a:rPr lang="en-US" sz="1100" spc="-10" dirty="0">
+                <a:latin typeface="Verdana"/>
+                <a:cs typeface="Verdana"/>
+              </a:rPr>
+              <a:t> </a:t>
+            </a:r>
+            <a:r>
+              <a:rPr lang="en-US" sz="1100" spc="-10" dirty="0" err="1">
                 <a:latin typeface="Verdana"/>
                 <a:cs typeface="Verdana"/>
               </a:rPr>
               <a:t>kepada</a:t>
             </a:r>
             <a:r>
-              <a:rPr lang="en-US" sz="1400" spc="-10" dirty="0">
+              <a:rPr lang="en-US" sz="1100" spc="-10" dirty="0">
                 <a:latin typeface="Verdana"/>
                 <a:cs typeface="Verdana"/>
               </a:rPr>
               <a:t> bank </a:t>
             </a:r>
             <a:r>
-              <a:rPr lang="en-US" sz="1400" spc="-10" dirty="0" err="1">
+              <a:rPr lang="en-US" sz="1100" spc="-10" dirty="0" err="1">
                 <a:latin typeface="Verdana"/>
                 <a:cs typeface="Verdana"/>
               </a:rPr>
               <a:t>untuk</a:t>
             </a:r>
             <a:r>
-              <a:rPr lang="en-US" sz="1400" spc="-10" dirty="0">
-                <a:latin typeface="Verdana"/>
-                <a:cs typeface="Verdana"/>
-              </a:rPr>
-              <a:t> </a:t>
-            </a:r>
-            <a:r>
-              <a:rPr lang="en-US" sz="1400" spc="-10" dirty="0" err="1">
+              <a:rPr lang="en-US" sz="1100" spc="-10" dirty="0">
+                <a:latin typeface="Verdana"/>
+                <a:cs typeface="Verdana"/>
+              </a:rPr>
+              <a:t> </a:t>
+            </a:r>
+            <a:r>
+              <a:rPr lang="en-US" sz="1100" spc="-10" dirty="0" err="1">
                 <a:latin typeface="Verdana"/>
                 <a:cs typeface="Verdana"/>
               </a:rPr>
               <a:t>membuat</a:t>
             </a:r>
             <a:r>
-              <a:rPr lang="en-US" sz="1400" spc="-10" dirty="0">
-                <a:latin typeface="Verdana"/>
-                <a:cs typeface="Verdana"/>
-              </a:rPr>
-              <a:t> </a:t>
-            </a:r>
-            <a:r>
-              <a:rPr lang="en-US" sz="1400" spc="-10" dirty="0" err="1">
+              <a:rPr lang="en-US" sz="1100" spc="-10" dirty="0">
+                <a:latin typeface="Verdana"/>
+                <a:cs typeface="Verdana"/>
+              </a:rPr>
+              <a:t> </a:t>
+            </a:r>
+            <a:r>
+              <a:rPr lang="en-US" sz="1100" spc="-10" dirty="0" err="1">
                 <a:latin typeface="Verdana"/>
                 <a:cs typeface="Verdana"/>
               </a:rPr>
               <a:t>suatu</a:t>
             </a:r>
             <a:r>
-              <a:rPr lang="en-US" sz="1400" spc="-10" dirty="0">
+              <a:rPr lang="en-US" sz="1100" spc="-10" dirty="0">
                 <a:latin typeface="Verdana"/>
                 <a:cs typeface="Verdana"/>
               </a:rPr>
               <a:t> model </a:t>
             </a:r>
             <a:r>
-              <a:rPr lang="en-US" sz="1400" spc="-10" dirty="0" err="1">
+              <a:rPr lang="en-US" sz="1100" spc="-10" dirty="0" err="1">
                 <a:latin typeface="Verdana"/>
                 <a:cs typeface="Verdana"/>
               </a:rPr>
               <a:t>atau</a:t>
             </a:r>
             <a:r>
-              <a:rPr lang="en-US" sz="1400" spc="-10" dirty="0">
-                <a:latin typeface="Verdana"/>
-                <a:cs typeface="Verdana"/>
-              </a:rPr>
-              <a:t> </a:t>
-            </a:r>
-            <a:r>
-              <a:rPr lang="en-US" sz="1400" spc="-10" dirty="0" err="1">
+              <a:rPr lang="en-US" sz="1100" spc="-10" dirty="0">
+                <a:latin typeface="Verdana"/>
+                <a:cs typeface="Verdana"/>
+              </a:rPr>
+              <a:t> </a:t>
+            </a:r>
+            <a:r>
+              <a:rPr lang="en-US" sz="1100" spc="-10" dirty="0" err="1">
                 <a:latin typeface="Verdana"/>
                 <a:cs typeface="Verdana"/>
               </a:rPr>
               <a:t>sistem</a:t>
             </a:r>
             <a:r>
-              <a:rPr lang="en-US" sz="1400" spc="-10" dirty="0">
+              <a:rPr lang="en-US" sz="1100" spc="-10" dirty="0">
                 <a:latin typeface="Verdana"/>
                 <a:cs typeface="Verdana"/>
               </a:rPr>
               <a:t> yang </a:t>
             </a:r>
             <a:r>
-              <a:rPr lang="en-US" sz="1400" spc="-10" dirty="0" err="1">
+              <a:rPr lang="en-US" sz="1100" spc="-10" dirty="0" err="1">
                 <a:latin typeface="Verdana"/>
                 <a:cs typeface="Verdana"/>
               </a:rPr>
               <a:t>dapat</a:t>
             </a:r>
             <a:r>
-              <a:rPr lang="en-US" sz="1400" spc="-10" dirty="0">
-                <a:latin typeface="Verdana"/>
-                <a:cs typeface="Verdana"/>
-              </a:rPr>
-              <a:t> </a:t>
-            </a:r>
-            <a:r>
-              <a:rPr lang="en-US" sz="1400" spc="-10" dirty="0" err="1">
+              <a:rPr lang="en-US" sz="1100" spc="-10" dirty="0">
+                <a:latin typeface="Verdana"/>
+                <a:cs typeface="Verdana"/>
+              </a:rPr>
+              <a:t> </a:t>
+            </a:r>
+            <a:r>
+              <a:rPr lang="en-US" sz="1100" spc="-10" dirty="0" err="1">
                 <a:latin typeface="Verdana"/>
                 <a:cs typeface="Verdana"/>
               </a:rPr>
               <a:t>memprediksi</a:t>
             </a:r>
             <a:r>
-              <a:rPr lang="en-US" sz="1400" spc="-10" dirty="0">
-                <a:latin typeface="Verdana"/>
-                <a:cs typeface="Verdana"/>
-              </a:rPr>
-              <a:t> </a:t>
-            </a:r>
-            <a:r>
-              <a:rPr lang="en-US" sz="1400" spc="-10" dirty="0" err="1">
+              <a:rPr lang="en-US" sz="1100" spc="-10" dirty="0">
+                <a:latin typeface="Verdana"/>
+                <a:cs typeface="Verdana"/>
+              </a:rPr>
+              <a:t> </a:t>
+            </a:r>
+            <a:r>
+              <a:rPr lang="en-US" sz="1100" spc="-10" dirty="0" err="1">
                 <a:latin typeface="Verdana"/>
                 <a:cs typeface="Verdana"/>
               </a:rPr>
               <a:t>apakah</a:t>
             </a:r>
             <a:r>
-              <a:rPr lang="en-US" sz="1400" spc="-10" dirty="0">
-                <a:latin typeface="Verdana"/>
-                <a:cs typeface="Verdana"/>
-              </a:rPr>
-              <a:t> </a:t>
-            </a:r>
-            <a:r>
-              <a:rPr lang="en-US" sz="1400" spc="-10" dirty="0" err="1">
+              <a:rPr lang="en-US" sz="1100" spc="-10" dirty="0">
+                <a:latin typeface="Verdana"/>
+                <a:cs typeface="Verdana"/>
+              </a:rPr>
+              <a:t> </a:t>
+            </a:r>
+            <a:r>
+              <a:rPr lang="en-US" sz="1100" spc="-10" dirty="0" err="1">
                 <a:latin typeface="Verdana"/>
                 <a:cs typeface="Verdana"/>
               </a:rPr>
               <a:t>nasabah</a:t>
             </a:r>
             <a:r>
-              <a:rPr lang="en-US" sz="1400" spc="-10" dirty="0">
-                <a:latin typeface="Verdana"/>
-                <a:cs typeface="Verdana"/>
-              </a:rPr>
-              <a:t> </a:t>
-            </a:r>
-            <a:r>
-              <a:rPr lang="en-US" sz="1400" spc="-10" dirty="0" err="1">
+              <a:rPr lang="en-US" sz="1100" spc="-10" dirty="0">
+                <a:latin typeface="Verdana"/>
+                <a:cs typeface="Verdana"/>
+              </a:rPr>
+              <a:t> </a:t>
+            </a:r>
+            <a:r>
+              <a:rPr lang="en-US" sz="1100" spc="-10" dirty="0" err="1">
                 <a:latin typeface="Verdana"/>
                 <a:cs typeface="Verdana"/>
               </a:rPr>
               <a:t>dapat</a:t>
             </a:r>
             <a:r>
-              <a:rPr lang="en-US" sz="1400" spc="-10" dirty="0">
-                <a:latin typeface="Verdana"/>
-                <a:cs typeface="Verdana"/>
-              </a:rPr>
-              <a:t> </a:t>
-            </a:r>
-            <a:r>
-              <a:rPr lang="en-US" sz="1400" spc="-10" dirty="0" err="1">
+              <a:rPr lang="en-US" sz="1100" spc="-10" dirty="0">
+                <a:latin typeface="Verdana"/>
+                <a:cs typeface="Verdana"/>
+              </a:rPr>
+              <a:t> </a:t>
+            </a:r>
+            <a:r>
+              <a:rPr lang="en-US" sz="1100" spc="-10" dirty="0" err="1">
                 <a:latin typeface="Verdana"/>
                 <a:cs typeface="Verdana"/>
               </a:rPr>
               <a:t>membayar</a:t>
             </a:r>
             <a:r>
-              <a:rPr lang="en-US" sz="1400" spc="-10" dirty="0">
-                <a:latin typeface="Verdana"/>
-                <a:cs typeface="Verdana"/>
-              </a:rPr>
-              <a:t> </a:t>
-            </a:r>
-            <a:r>
-              <a:rPr lang="en-US" sz="1400" spc="-10" dirty="0" err="1">
+              <a:rPr lang="en-US" sz="1100" spc="-10" dirty="0">
+                <a:latin typeface="Verdana"/>
+                <a:cs typeface="Verdana"/>
+              </a:rPr>
+              <a:t> </a:t>
+            </a:r>
+            <a:r>
+              <a:rPr lang="en-US" sz="1100" spc="-10" dirty="0" err="1">
                 <a:latin typeface="Verdana"/>
                 <a:cs typeface="Verdana"/>
               </a:rPr>
               <a:t>tagihan</a:t>
             </a:r>
             <a:r>
-              <a:rPr lang="en-US" sz="1400" spc="-10" dirty="0">
-                <a:latin typeface="Verdana"/>
-                <a:cs typeface="Verdana"/>
-              </a:rPr>
-              <a:t> </a:t>
-            </a:r>
-            <a:r>
-              <a:rPr lang="en-US" sz="1400" spc="-10" dirty="0" err="1">
+              <a:rPr lang="en-US" sz="1100" spc="-10" dirty="0">
+                <a:latin typeface="Verdana"/>
+                <a:cs typeface="Verdana"/>
+              </a:rPr>
+              <a:t> </a:t>
+            </a:r>
+            <a:r>
+              <a:rPr lang="en-US" sz="1100" spc="-10" dirty="0" err="1">
                 <a:latin typeface="Verdana"/>
                 <a:cs typeface="Verdana"/>
               </a:rPr>
               <a:t>kartu</a:t>
             </a:r>
             <a:r>
-              <a:rPr lang="en-US" sz="1400" spc="-10" dirty="0">
-                <a:latin typeface="Verdana"/>
-                <a:cs typeface="Verdana"/>
-              </a:rPr>
-              <a:t> </a:t>
-            </a:r>
-            <a:r>
-              <a:rPr lang="en-US" sz="1400" spc="-10" dirty="0" err="1">
+              <a:rPr lang="en-US" sz="1100" spc="-10" dirty="0">
+                <a:latin typeface="Verdana"/>
+                <a:cs typeface="Verdana"/>
+              </a:rPr>
+              <a:t> </a:t>
+            </a:r>
+            <a:r>
+              <a:rPr lang="en-US" sz="1100" spc="-10" dirty="0" err="1">
                 <a:latin typeface="Verdana"/>
                 <a:cs typeface="Verdana"/>
               </a:rPr>
               <a:t>kreditnya</a:t>
             </a:r>
             <a:r>
-              <a:rPr lang="en-US" sz="1400" spc="-10" dirty="0">
-                <a:latin typeface="Verdana"/>
-                <a:cs typeface="Verdana"/>
-              </a:rPr>
-              <a:t> </a:t>
-            </a:r>
-            <a:r>
-              <a:rPr lang="en-US" sz="1400" spc="-10" dirty="0" err="1">
+              <a:rPr lang="en-US" sz="1100" spc="-10" dirty="0">
+                <a:latin typeface="Verdana"/>
+                <a:cs typeface="Verdana"/>
+              </a:rPr>
+              <a:t> </a:t>
+            </a:r>
+            <a:r>
+              <a:rPr lang="en-US" sz="1100" spc="-10" dirty="0" err="1">
                 <a:latin typeface="Verdana"/>
                 <a:cs typeface="Verdana"/>
               </a:rPr>
               <a:t>bulan</a:t>
             </a:r>
             <a:r>
-              <a:rPr lang="en-US" sz="1400" spc="-10" dirty="0">
-                <a:latin typeface="Verdana"/>
-                <a:cs typeface="Verdana"/>
-              </a:rPr>
-              <a:t> </a:t>
-            </a:r>
-            <a:r>
-              <a:rPr lang="en-US" sz="1400" spc="-10" dirty="0" err="1">
+              <a:rPr lang="en-US" sz="1100" spc="-10" dirty="0">
+                <a:latin typeface="Verdana"/>
+                <a:cs typeface="Verdana"/>
+              </a:rPr>
+              <a:t> </a:t>
+            </a:r>
+            <a:r>
+              <a:rPr lang="en-US" sz="1100" spc="-10" dirty="0" err="1">
                 <a:latin typeface="Verdana"/>
                 <a:cs typeface="Verdana"/>
               </a:rPr>
               <a:t>depan</a:t>
             </a:r>
             <a:r>
-              <a:rPr lang="en-US" sz="1400" spc="-10" dirty="0">
+              <a:rPr lang="en-US" sz="1100" spc="-10" dirty="0">
                 <a:latin typeface="Verdana"/>
                 <a:cs typeface="Verdana"/>
               </a:rPr>
               <a:t>. </a:t>
             </a:r>
             <a:r>
-              <a:rPr lang="en-US" sz="1400" spc="-10" dirty="0" err="1">
+              <a:rPr lang="en-US" sz="1100" spc="-10" dirty="0" err="1">
                 <a:latin typeface="Verdana"/>
                 <a:cs typeface="Verdana"/>
               </a:rPr>
               <a:t>Dengan</a:t>
             </a:r>
             <a:r>
-              <a:rPr lang="en-US" sz="1400" spc="-10" dirty="0">
+              <a:rPr lang="en-US" sz="1100" spc="-10" dirty="0">
                 <a:latin typeface="Verdana"/>
                 <a:cs typeface="Verdana"/>
               </a:rPr>
               <a:t> model </a:t>
             </a:r>
             <a:r>
-              <a:rPr lang="en-US" sz="1400" spc="-10" dirty="0" err="1">
+              <a:rPr lang="en-US" sz="1100" spc="-10" dirty="0" err="1">
                 <a:latin typeface="Verdana"/>
                 <a:cs typeface="Verdana"/>
               </a:rPr>
               <a:t>ini</a:t>
             </a:r>
             <a:r>
-              <a:rPr lang="en-US" sz="1400" spc="-10" dirty="0">
+              <a:rPr lang="en-US" sz="1100" spc="-10" dirty="0">
                 <a:latin typeface="Verdana"/>
                 <a:cs typeface="Verdana"/>
               </a:rPr>
               <a:t>, bank </a:t>
             </a:r>
             <a:r>
-              <a:rPr lang="en-US" sz="1400" spc="-10" dirty="0" err="1">
+              <a:rPr lang="en-US" sz="1100" spc="-10" dirty="0" err="1">
                 <a:latin typeface="Verdana"/>
                 <a:cs typeface="Verdana"/>
               </a:rPr>
               <a:t>dapat</a:t>
             </a:r>
             <a:r>
-              <a:rPr lang="en-US" sz="1400" spc="-10" dirty="0">
-                <a:latin typeface="Verdana"/>
-                <a:cs typeface="Verdana"/>
-              </a:rPr>
-              <a:t> </a:t>
-            </a:r>
-            <a:r>
-              <a:rPr lang="en-US" sz="1400" spc="-10" dirty="0" err="1">
+              <a:rPr lang="en-US" sz="1100" spc="-10" dirty="0">
+                <a:latin typeface="Verdana"/>
+                <a:cs typeface="Verdana"/>
+              </a:rPr>
+              <a:t> </a:t>
+            </a:r>
+            <a:r>
+              <a:rPr lang="en-US" sz="1100" spc="-10" dirty="0" err="1">
                 <a:latin typeface="Verdana"/>
                 <a:cs typeface="Verdana"/>
               </a:rPr>
               <a:t>memprediksi</a:t>
             </a:r>
             <a:r>
-              <a:rPr lang="en-US" sz="1400" spc="-10" dirty="0">
-                <a:latin typeface="Verdana"/>
-                <a:cs typeface="Verdana"/>
-              </a:rPr>
-              <a:t> </a:t>
-            </a:r>
-            <a:r>
-              <a:rPr lang="en-US" sz="1400" spc="-10" dirty="0" err="1">
+              <a:rPr lang="en-US" sz="1100" spc="-10" dirty="0">
+                <a:latin typeface="Verdana"/>
+                <a:cs typeface="Verdana"/>
+              </a:rPr>
+              <a:t> </a:t>
+            </a:r>
+            <a:r>
+              <a:rPr lang="en-US" sz="1100" spc="-10" dirty="0" err="1">
                 <a:latin typeface="Verdana"/>
                 <a:cs typeface="Verdana"/>
               </a:rPr>
               <a:t>nasabah</a:t>
             </a:r>
             <a:r>
-              <a:rPr lang="en-US" sz="1400" spc="-10" dirty="0">
+              <a:rPr lang="en-US" sz="1100" spc="-10" dirty="0">
                 <a:latin typeface="Verdana"/>
                 <a:cs typeface="Verdana"/>
               </a:rPr>
               <a:t> mana </a:t>
             </a:r>
             <a:r>
-              <a:rPr lang="en-US" sz="1400" spc="-10" dirty="0" err="1">
+              <a:rPr lang="en-US" sz="1100" spc="-10" dirty="0" err="1">
                 <a:latin typeface="Verdana"/>
                 <a:cs typeface="Verdana"/>
               </a:rPr>
               <a:t>saja</a:t>
             </a:r>
             <a:r>
-              <a:rPr lang="en-US" sz="1400" spc="-10" dirty="0">
+              <a:rPr lang="en-US" sz="1100" spc="-10" dirty="0">
                 <a:latin typeface="Verdana"/>
                 <a:cs typeface="Verdana"/>
               </a:rPr>
               <a:t> yang </a:t>
             </a:r>
             <a:r>
-              <a:rPr lang="en-US" sz="1400" spc="-10" dirty="0" err="1">
+              <a:rPr lang="en-US" sz="1100" spc="-10" dirty="0" err="1">
                 <a:latin typeface="Verdana"/>
                 <a:cs typeface="Verdana"/>
               </a:rPr>
               <a:t>berpotensi</a:t>
             </a:r>
             <a:r>
-              <a:rPr lang="en-US" sz="1400" spc="-10" dirty="0">
-                <a:latin typeface="Verdana"/>
-                <a:cs typeface="Verdana"/>
-              </a:rPr>
-              <a:t> </a:t>
-            </a:r>
-            <a:r>
-              <a:rPr lang="en-US" sz="1400" spc="-10" dirty="0" err="1">
+              <a:rPr lang="en-US" sz="1100" spc="-10" dirty="0">
+                <a:latin typeface="Verdana"/>
+                <a:cs typeface="Verdana"/>
+              </a:rPr>
+              <a:t> </a:t>
+            </a:r>
+            <a:r>
+              <a:rPr lang="en-US" sz="1100" spc="-10" dirty="0" err="1">
                 <a:latin typeface="Verdana"/>
                 <a:cs typeface="Verdana"/>
               </a:rPr>
               <a:t>untuk</a:t>
             </a:r>
             <a:r>
-              <a:rPr lang="en-US" sz="1400" spc="-10" dirty="0">
-                <a:latin typeface="Verdana"/>
-                <a:cs typeface="Verdana"/>
-              </a:rPr>
-              <a:t> </a:t>
-            </a:r>
-            <a:r>
-              <a:rPr lang="en-US" sz="1400" spc="-10" dirty="0" err="1">
+              <a:rPr lang="en-US" sz="1100" spc="-10" dirty="0">
+                <a:latin typeface="Verdana"/>
+                <a:cs typeface="Verdana"/>
+              </a:rPr>
+              <a:t> </a:t>
+            </a:r>
+            <a:r>
+              <a:rPr lang="en-US" sz="1100" spc="-10" dirty="0" err="1">
                 <a:latin typeface="Verdana"/>
                 <a:cs typeface="Verdana"/>
               </a:rPr>
               <a:t>gagal</a:t>
             </a:r>
             <a:r>
-              <a:rPr lang="en-US" sz="1400" spc="-10" dirty="0">
-                <a:latin typeface="Verdana"/>
-                <a:cs typeface="Verdana"/>
-              </a:rPr>
-              <a:t> </a:t>
-            </a:r>
-            <a:r>
-              <a:rPr lang="en-US" sz="1400" spc="-10" dirty="0" err="1">
+              <a:rPr lang="en-US" sz="1100" spc="-10" dirty="0">
+                <a:latin typeface="Verdana"/>
+                <a:cs typeface="Verdana"/>
+              </a:rPr>
+              <a:t> </a:t>
+            </a:r>
+            <a:r>
+              <a:rPr lang="en-US" sz="1100" spc="-10" dirty="0" err="1">
                 <a:latin typeface="Verdana"/>
                 <a:cs typeface="Verdana"/>
               </a:rPr>
               <a:t>bayar</a:t>
             </a:r>
             <a:r>
-              <a:rPr lang="en-US" sz="1400" spc="-10" dirty="0">
+              <a:rPr lang="en-US" sz="1100" spc="-10" dirty="0">
                 <a:latin typeface="Verdana"/>
                 <a:cs typeface="Verdana"/>
               </a:rPr>
               <a:t> di </a:t>
             </a:r>
             <a:r>
-              <a:rPr lang="en-US" sz="1400" spc="-10" dirty="0" err="1">
+              <a:rPr lang="en-US" sz="1100" spc="-10" dirty="0" err="1">
                 <a:latin typeface="Verdana"/>
                 <a:cs typeface="Verdana"/>
               </a:rPr>
               <a:t>bulan</a:t>
             </a:r>
             <a:r>
-              <a:rPr lang="en-US" sz="1400" spc="-10" dirty="0">
-                <a:latin typeface="Verdana"/>
-                <a:cs typeface="Verdana"/>
-              </a:rPr>
-              <a:t> </a:t>
-            </a:r>
-            <a:r>
-              <a:rPr lang="en-US" sz="1400" spc="-10" dirty="0" err="1">
+              <a:rPr lang="en-US" sz="1100" spc="-10" dirty="0">
+                <a:latin typeface="Verdana"/>
+                <a:cs typeface="Verdana"/>
+              </a:rPr>
+              <a:t> </a:t>
+            </a:r>
+            <a:r>
+              <a:rPr lang="en-US" sz="1100" spc="-10" dirty="0" err="1">
                 <a:latin typeface="Verdana"/>
                 <a:cs typeface="Verdana"/>
               </a:rPr>
               <a:t>depan</a:t>
             </a:r>
             <a:r>
-              <a:rPr lang="en-US" sz="1400" spc="-10" dirty="0">
+              <a:rPr lang="en-US" sz="1100" spc="-10" dirty="0">
                 <a:latin typeface="Verdana"/>
                 <a:cs typeface="Verdana"/>
               </a:rPr>
               <a:t>, </a:t>
             </a:r>
             <a:r>
-              <a:rPr lang="en-US" sz="1400" spc="-10" dirty="0" err="1">
+              <a:rPr lang="en-US" sz="1100" spc="-10" dirty="0" err="1">
                 <a:latin typeface="Verdana"/>
                 <a:cs typeface="Verdana"/>
               </a:rPr>
               <a:t>sehingga</a:t>
             </a:r>
             <a:r>
-              <a:rPr lang="en-US" sz="1400" spc="-10" dirty="0">
+              <a:rPr lang="en-US" sz="1100" spc="-10" dirty="0">
                 <a:latin typeface="Verdana"/>
                 <a:cs typeface="Verdana"/>
               </a:rPr>
               <a:t> bank </a:t>
             </a:r>
             <a:r>
-              <a:rPr lang="en-US" sz="1400" spc="-10" dirty="0" err="1">
+              <a:rPr lang="en-US" sz="1100" spc="-10" dirty="0" err="1">
                 <a:latin typeface="Verdana"/>
                 <a:cs typeface="Verdana"/>
               </a:rPr>
               <a:t>dapat</a:t>
             </a:r>
             <a:r>
-              <a:rPr lang="en-US" sz="1400" spc="-10" dirty="0">
-                <a:latin typeface="Verdana"/>
-                <a:cs typeface="Verdana"/>
-              </a:rPr>
-              <a:t> </a:t>
-            </a:r>
-            <a:r>
-              <a:rPr lang="en-US" sz="1400" spc="-10" dirty="0" err="1">
+              <a:rPr lang="en-US" sz="1100" spc="-10" dirty="0">
+                <a:latin typeface="Verdana"/>
+                <a:cs typeface="Verdana"/>
+              </a:rPr>
+              <a:t> </a:t>
+            </a:r>
+            <a:r>
+              <a:rPr lang="en-US" sz="1100" spc="-10" dirty="0" err="1">
                 <a:latin typeface="Verdana"/>
                 <a:cs typeface="Verdana"/>
               </a:rPr>
               <a:t>melakukan</a:t>
             </a:r>
             <a:r>
-              <a:rPr lang="en-US" sz="1400" spc="-10" dirty="0">
+              <a:rPr lang="en-US" sz="1100" spc="-10" dirty="0">
                 <a:latin typeface="Verdana"/>
                 <a:cs typeface="Verdana"/>
               </a:rPr>
               <a:t> review </a:t>
             </a:r>
             <a:r>
-              <a:rPr lang="en-US" sz="1400" spc="-10" dirty="0" err="1">
+              <a:rPr lang="en-US" sz="1100" spc="-10" dirty="0" err="1">
                 <a:latin typeface="Verdana"/>
                 <a:cs typeface="Verdana"/>
               </a:rPr>
               <a:t>lagi</a:t>
             </a:r>
             <a:r>
-              <a:rPr lang="en-US" sz="1400" spc="-10" dirty="0">
+              <a:rPr lang="en-US" sz="1100" spc="-10" dirty="0">
                 <a:latin typeface="Verdana"/>
                 <a:cs typeface="Verdana"/>
               </a:rPr>
               <a:t> dan </a:t>
             </a:r>
             <a:r>
-              <a:rPr lang="en-US" sz="1400" spc="-10" dirty="0" err="1">
+              <a:rPr lang="en-US" sz="1100" spc="-10" dirty="0" err="1">
                 <a:latin typeface="Verdana"/>
                 <a:cs typeface="Verdana"/>
               </a:rPr>
               <a:t>memberikan</a:t>
             </a:r>
             <a:r>
-              <a:rPr lang="en-US" sz="1400" spc="-10" dirty="0">
+              <a:rPr lang="en-US" sz="1100" spc="-10" dirty="0">
                 <a:latin typeface="Verdana"/>
                 <a:cs typeface="Verdana"/>
               </a:rPr>
               <a:t> treatment </a:t>
             </a:r>
             <a:r>
-              <a:rPr lang="en-US" sz="1400" spc="-10" dirty="0" err="1">
+              <a:rPr lang="en-US" sz="1100" spc="-10" dirty="0" err="1">
                 <a:latin typeface="Verdana"/>
                 <a:cs typeface="Verdana"/>
               </a:rPr>
               <a:t>khusus</a:t>
             </a:r>
             <a:r>
-              <a:rPr lang="en-US" sz="1400" spc="-10" dirty="0">
-                <a:latin typeface="Verdana"/>
-                <a:cs typeface="Verdana"/>
-              </a:rPr>
-              <a:t> </a:t>
-            </a:r>
-            <a:r>
-              <a:rPr lang="en-US" sz="1400" spc="-10" dirty="0" err="1">
+              <a:rPr lang="en-US" sz="1100" spc="-10" dirty="0">
+                <a:latin typeface="Verdana"/>
+                <a:cs typeface="Verdana"/>
+              </a:rPr>
+              <a:t> </a:t>
+            </a:r>
+            <a:r>
+              <a:rPr lang="en-US" sz="1100" spc="-10" dirty="0" err="1">
                 <a:latin typeface="Verdana"/>
                 <a:cs typeface="Verdana"/>
               </a:rPr>
               <a:t>kepada</a:t>
             </a:r>
             <a:r>
-              <a:rPr lang="en-US" sz="1400" spc="-10" dirty="0">
-                <a:latin typeface="Verdana"/>
-                <a:cs typeface="Verdana"/>
-              </a:rPr>
-              <a:t> </a:t>
-            </a:r>
-            <a:r>
-              <a:rPr lang="en-US" sz="1400" spc="-10" dirty="0" err="1">
+              <a:rPr lang="en-US" sz="1100" spc="-10" dirty="0">
+                <a:latin typeface="Verdana"/>
+                <a:cs typeface="Verdana"/>
+              </a:rPr>
+              <a:t> </a:t>
+            </a:r>
+            <a:r>
+              <a:rPr lang="en-US" sz="1100" spc="-10" dirty="0" err="1">
                 <a:latin typeface="Verdana"/>
                 <a:cs typeface="Verdana"/>
               </a:rPr>
               <a:t>nasabah</a:t>
             </a:r>
             <a:r>
-              <a:rPr lang="en-US" sz="1400" spc="-10" dirty="0">
-                <a:latin typeface="Verdana"/>
-                <a:cs typeface="Verdana"/>
-              </a:rPr>
-              <a:t> </a:t>
-            </a:r>
-            <a:r>
-              <a:rPr lang="en-US" sz="1400" spc="-10" dirty="0" err="1">
+              <a:rPr lang="en-US" sz="1100" spc="-10" dirty="0">
+                <a:latin typeface="Verdana"/>
+                <a:cs typeface="Verdana"/>
+              </a:rPr>
+              <a:t> </a:t>
+            </a:r>
+            <a:r>
+              <a:rPr lang="en-US" sz="1100" spc="-10" dirty="0" err="1">
                 <a:latin typeface="Verdana"/>
                 <a:cs typeface="Verdana"/>
               </a:rPr>
               <a:t>tersebut</a:t>
             </a:r>
             <a:r>
-              <a:rPr lang="en-US" sz="1400" spc="-10" dirty="0">
-                <a:latin typeface="Verdana"/>
-                <a:cs typeface="Verdana"/>
-              </a:rPr>
-              <a:t> </a:t>
-            </a:r>
-            <a:r>
-              <a:rPr lang="en-US" sz="1400" spc="-10" dirty="0" err="1">
+              <a:rPr lang="en-US" sz="1100" spc="-10" dirty="0">
+                <a:latin typeface="Verdana"/>
+                <a:cs typeface="Verdana"/>
+              </a:rPr>
+              <a:t> </a:t>
+            </a:r>
+            <a:r>
+              <a:rPr lang="en-US" sz="1100" spc="-10" dirty="0" err="1">
                 <a:latin typeface="Verdana"/>
                 <a:cs typeface="Verdana"/>
               </a:rPr>
               <a:t>seperti</a:t>
             </a:r>
             <a:r>
-              <a:rPr lang="en-US" sz="1400" spc="-10" dirty="0">
-                <a:latin typeface="Verdana"/>
-                <a:cs typeface="Verdana"/>
-              </a:rPr>
-              <a:t> </a:t>
-            </a:r>
-            <a:r>
-              <a:rPr lang="en-US" sz="1400" spc="-10" dirty="0" err="1">
+              <a:rPr lang="en-US" sz="1100" spc="-10" dirty="0">
+                <a:latin typeface="Verdana"/>
+                <a:cs typeface="Verdana"/>
+              </a:rPr>
+              <a:t> </a:t>
+            </a:r>
+            <a:r>
+              <a:rPr lang="en-US" sz="1100" spc="-10" dirty="0" err="1">
                 <a:latin typeface="Verdana"/>
                 <a:cs typeface="Verdana"/>
               </a:rPr>
               <a:t>diberikan</a:t>
             </a:r>
             <a:r>
-              <a:rPr lang="en-US" sz="1400" spc="-10" dirty="0">
+              <a:rPr lang="en-US" sz="1100" spc="-10" dirty="0">
                 <a:latin typeface="Verdana"/>
                 <a:cs typeface="Verdana"/>
               </a:rPr>
               <a:t> reminder </a:t>
             </a:r>
             <a:r>
-              <a:rPr lang="en-US" sz="1400" spc="-10" dirty="0" err="1">
+              <a:rPr lang="en-US" sz="1100" spc="-10" dirty="0" err="1">
                 <a:latin typeface="Verdana"/>
                 <a:cs typeface="Verdana"/>
               </a:rPr>
               <a:t>khusus</a:t>
             </a:r>
             <a:r>
-              <a:rPr lang="en-US" sz="1400" spc="-10" dirty="0">
+              <a:rPr lang="en-US" sz="1100" spc="-10" dirty="0">
                 <a:latin typeface="Verdana"/>
                 <a:cs typeface="Verdana"/>
               </a:rPr>
               <a:t>, </a:t>
             </a:r>
             <a:r>
-              <a:rPr lang="en-US" sz="1400" spc="-10" dirty="0" err="1">
+              <a:rPr lang="en-US" sz="1100" spc="-10" dirty="0" err="1">
                 <a:latin typeface="Verdana"/>
                 <a:cs typeface="Verdana"/>
               </a:rPr>
               <a:t>membatasi</a:t>
             </a:r>
             <a:r>
-              <a:rPr lang="en-US" sz="1400" spc="-10" dirty="0">
-                <a:latin typeface="Verdana"/>
-                <a:cs typeface="Verdana"/>
-              </a:rPr>
-              <a:t> </a:t>
-            </a:r>
-            <a:r>
-              <a:rPr lang="en-US" sz="1400" spc="-10" dirty="0" err="1">
+              <a:rPr lang="en-US" sz="1100" spc="-10" dirty="0">
+                <a:latin typeface="Verdana"/>
+                <a:cs typeface="Verdana"/>
+              </a:rPr>
+              <a:t> </a:t>
+            </a:r>
+            <a:r>
+              <a:rPr lang="en-US" sz="1100" spc="-10" dirty="0" err="1">
                 <a:latin typeface="Verdana"/>
                 <a:cs typeface="Verdana"/>
               </a:rPr>
               <a:t>kembali</a:t>
             </a:r>
             <a:r>
-              <a:rPr lang="en-US" sz="1400" spc="-10" dirty="0">
+              <a:rPr lang="en-US" sz="1100" spc="-10" dirty="0">
                 <a:latin typeface="Verdana"/>
                 <a:cs typeface="Verdana"/>
               </a:rPr>
               <a:t> limit </a:t>
             </a:r>
             <a:r>
-              <a:rPr lang="en-US" sz="1400" spc="-10" dirty="0" err="1">
+              <a:rPr lang="en-US" sz="1100" spc="-10" dirty="0" err="1">
                 <a:latin typeface="Verdana"/>
                 <a:cs typeface="Verdana"/>
               </a:rPr>
               <a:t>kartu</a:t>
             </a:r>
             <a:r>
-              <a:rPr lang="en-US" sz="1400" spc="-10" dirty="0">
-                <a:latin typeface="Verdana"/>
-                <a:cs typeface="Verdana"/>
-              </a:rPr>
-              <a:t> </a:t>
-            </a:r>
-            <a:r>
-              <a:rPr lang="en-US" sz="1400" spc="-10" dirty="0" err="1">
+              <a:rPr lang="en-US" sz="1100" spc="-10" dirty="0">
+                <a:latin typeface="Verdana"/>
+                <a:cs typeface="Verdana"/>
+              </a:rPr>
+              <a:t> </a:t>
+            </a:r>
+            <a:r>
+              <a:rPr lang="en-US" sz="1100" spc="-10" dirty="0" err="1">
                 <a:latin typeface="Verdana"/>
                 <a:cs typeface="Verdana"/>
               </a:rPr>
               <a:t>kredit</a:t>
             </a:r>
             <a:r>
-              <a:rPr lang="en-US" sz="1400" spc="-10" dirty="0">
+              <a:rPr lang="en-US" sz="1100" spc="-10" dirty="0">
                 <a:latin typeface="Verdana"/>
                 <a:cs typeface="Verdana"/>
               </a:rPr>
               <a:t> yang </a:t>
             </a:r>
             <a:r>
-              <a:rPr lang="en-US" sz="1400" spc="-10" dirty="0" err="1">
+              <a:rPr lang="en-US" sz="1100" spc="-10" dirty="0" err="1">
                 <a:latin typeface="Verdana"/>
                 <a:cs typeface="Verdana"/>
               </a:rPr>
               <a:t>diberikan</a:t>
             </a:r>
             <a:r>
-              <a:rPr lang="en-US" sz="1400" spc="-10" dirty="0">
+              <a:rPr lang="en-US" sz="1100" spc="-10" dirty="0">
                 <a:latin typeface="Verdana"/>
                 <a:cs typeface="Verdana"/>
               </a:rPr>
               <a:t>, </a:t>
             </a:r>
             <a:r>
-              <a:rPr lang="en-US" sz="1400" spc="-10" dirty="0" err="1">
+              <a:rPr lang="en-US" sz="1100" spc="-10" dirty="0" err="1">
                 <a:latin typeface="Verdana"/>
                 <a:cs typeface="Verdana"/>
               </a:rPr>
               <a:t>atau</a:t>
             </a:r>
             <a:r>
-              <a:rPr lang="en-US" sz="1400" spc="-10" dirty="0">
-                <a:latin typeface="Verdana"/>
-                <a:cs typeface="Verdana"/>
-              </a:rPr>
-              <a:t> </a:t>
-            </a:r>
-            <a:r>
-              <a:rPr lang="en-US" sz="1400" spc="-10" dirty="0" err="1">
+              <a:rPr lang="en-US" sz="1100" spc="-10" dirty="0">
+                <a:latin typeface="Verdana"/>
+                <a:cs typeface="Verdana"/>
+              </a:rPr>
+              <a:t> </a:t>
+            </a:r>
+            <a:r>
+              <a:rPr lang="en-US" sz="1100" spc="-10" dirty="0" err="1">
                 <a:latin typeface="Verdana"/>
                 <a:cs typeface="Verdana"/>
               </a:rPr>
               <a:t>bahkan</a:t>
             </a:r>
             <a:r>
-              <a:rPr lang="en-US" sz="1400" spc="-10" dirty="0">
-                <a:latin typeface="Verdana"/>
-                <a:cs typeface="Verdana"/>
-              </a:rPr>
-              <a:t> </a:t>
-            </a:r>
-            <a:r>
-              <a:rPr lang="en-US" sz="1400" spc="-10" dirty="0" err="1">
+              <a:rPr lang="en-US" sz="1100" spc="-10" dirty="0">
+                <a:latin typeface="Verdana"/>
+                <a:cs typeface="Verdana"/>
+              </a:rPr>
+              <a:t> </a:t>
+            </a:r>
+            <a:r>
+              <a:rPr lang="en-US" sz="1100" spc="-10" dirty="0" err="1">
                 <a:latin typeface="Verdana"/>
                 <a:cs typeface="Verdana"/>
               </a:rPr>
               <a:t>menghentikan</a:t>
             </a:r>
             <a:r>
-              <a:rPr lang="en-US" sz="1400" spc="-10" dirty="0">
-                <a:latin typeface="Verdana"/>
-                <a:cs typeface="Verdana"/>
-              </a:rPr>
-              <a:t> </a:t>
-            </a:r>
-            <a:r>
-              <a:rPr lang="en-US" sz="1400" spc="-10" dirty="0" err="1">
+              <a:rPr lang="en-US" sz="1100" spc="-10" dirty="0">
+                <a:latin typeface="Verdana"/>
+                <a:cs typeface="Verdana"/>
+              </a:rPr>
+              <a:t> </a:t>
+            </a:r>
+            <a:r>
+              <a:rPr lang="en-US" sz="1100" spc="-10" dirty="0" err="1">
                 <a:latin typeface="Verdana"/>
                 <a:cs typeface="Verdana"/>
               </a:rPr>
               <a:t>kartu</a:t>
             </a:r>
             <a:r>
-              <a:rPr lang="en-US" sz="1400" spc="-10" dirty="0">
-                <a:latin typeface="Verdana"/>
-                <a:cs typeface="Verdana"/>
-              </a:rPr>
-              <a:t> </a:t>
-            </a:r>
-            <a:r>
-              <a:rPr lang="en-US" sz="1400" spc="-10" dirty="0" err="1">
+              <a:rPr lang="en-US" sz="1100" spc="-10" dirty="0">
+                <a:latin typeface="Verdana"/>
+                <a:cs typeface="Verdana"/>
+              </a:rPr>
+              <a:t> </a:t>
+            </a:r>
+            <a:r>
+              <a:rPr lang="en-US" sz="1100" spc="-10" dirty="0" err="1">
                 <a:latin typeface="Verdana"/>
                 <a:cs typeface="Verdana"/>
               </a:rPr>
               <a:t>kredit</a:t>
             </a:r>
             <a:r>
-              <a:rPr lang="en-US" sz="1400" spc="-10" dirty="0">
-                <a:latin typeface="Verdana"/>
-                <a:cs typeface="Verdana"/>
-              </a:rPr>
-              <a:t> </a:t>
-            </a:r>
-            <a:r>
-              <a:rPr lang="en-US" sz="1400" spc="-10" dirty="0" err="1">
+              <a:rPr lang="en-US" sz="1100" spc="-10" dirty="0">
+                <a:latin typeface="Verdana"/>
+                <a:cs typeface="Verdana"/>
+              </a:rPr>
+              <a:t> </a:t>
+            </a:r>
+            <a:r>
+              <a:rPr lang="en-US" sz="1100" spc="-10" dirty="0" err="1">
                 <a:latin typeface="Verdana"/>
                 <a:cs typeface="Verdana"/>
               </a:rPr>
               <a:t>nasabah</a:t>
             </a:r>
             <a:r>
-              <a:rPr lang="en-US" sz="1400" spc="-10" dirty="0">
-                <a:latin typeface="Verdana"/>
-                <a:cs typeface="Verdana"/>
-              </a:rPr>
-              <a:t> </a:t>
-            </a:r>
-            <a:r>
-              <a:rPr lang="en-US" sz="1400" spc="-10" dirty="0" err="1">
+              <a:rPr lang="en-US" sz="1100" spc="-10" dirty="0">
+                <a:latin typeface="Verdana"/>
+                <a:cs typeface="Verdana"/>
+              </a:rPr>
+              <a:t> </a:t>
+            </a:r>
+            <a:r>
+              <a:rPr lang="en-US" sz="1100" spc="-10" dirty="0" err="1">
                 <a:latin typeface="Verdana"/>
                 <a:cs typeface="Verdana"/>
               </a:rPr>
               <a:t>tersebut</a:t>
             </a:r>
             <a:r>
-              <a:rPr lang="en-US" sz="1400" spc="-10" dirty="0">
+              <a:rPr lang="en-US" sz="1100" spc="-10" dirty="0">
                 <a:latin typeface="Verdana"/>
                 <a:cs typeface="Verdana"/>
               </a:rPr>
               <a:t> pada </a:t>
             </a:r>
             <a:r>
-              <a:rPr lang="en-US" sz="1400" spc="-10" dirty="0" err="1">
+              <a:rPr lang="en-US" sz="1100" spc="-10" dirty="0" err="1">
                 <a:latin typeface="Verdana"/>
                 <a:cs typeface="Verdana"/>
               </a:rPr>
               <a:t>bulan</a:t>
             </a:r>
             <a:r>
-              <a:rPr lang="en-US" sz="1400" spc="-10" dirty="0">
-                <a:latin typeface="Verdana"/>
-                <a:cs typeface="Verdana"/>
-              </a:rPr>
-              <a:t> </a:t>
-            </a:r>
-            <a:r>
-              <a:rPr lang="en-US" sz="1400" spc="-10" dirty="0" err="1">
+              <a:rPr lang="en-US" sz="1100" spc="-10" dirty="0">
+                <a:latin typeface="Verdana"/>
+                <a:cs typeface="Verdana"/>
+              </a:rPr>
+              <a:t> </a:t>
+            </a:r>
+            <a:r>
+              <a:rPr lang="en-US" sz="1100" spc="-10" dirty="0" err="1">
                 <a:latin typeface="Verdana"/>
                 <a:cs typeface="Verdana"/>
               </a:rPr>
               <a:t>selanjutnya</a:t>
             </a:r>
             <a:r>
-              <a:rPr lang="en-US" sz="1400" spc="-10" dirty="0">
+              <a:rPr lang="en-US" sz="1100" spc="-10" dirty="0">
                 <a:latin typeface="Verdana"/>
                 <a:cs typeface="Verdana"/>
               </a:rPr>
